--- a/doc/RONALD LUNA.pptx
+++ b/doc/RONALD LUNA.pptx
@@ -13212,7 +13212,7 @@
             <a:pPr rtl="0"/>
             <a:fld id="{2E4DD613-77CA-42CD-A567-ADA5564ADF9C}" type="datetime1">
               <a:rPr lang="es-ES" smtClean="0"/>
-              <a:t>21/08/2019</a:t>
+              <a:t>22/08/2019</a:t>
             </a:fld>
             <a:endParaRPr lang="es-ES"/>
           </a:p>
@@ -13394,7 +13394,7 @@
             <a:pPr rtl="0"/>
             <a:fld id="{8A2D701F-F1A3-4761-96CF-4851C0354234}" type="datetime1">
               <a:rPr lang="es-ES" smtClean="0"/>
-              <a:t>21/08/2019</a:t>
+              <a:t>22/08/2019</a:t>
             </a:fld>
             <a:endParaRPr lang="es-ES" dirty="0"/>
           </a:p>
@@ -16728,7 +16728,7 @@
             <a:pPr algn="r" rtl="0"/>
             <a:fld id="{122E2957-55DE-45F6-A42F-16D4AAE3604F}" type="datetime1">
               <a:rPr lang="es-ES" sz="1000" noProof="0" smtClean="0"/>
-              <a:t>21/08/2019</a:t>
+              <a:t>22/08/2019</a:t>
             </a:fld>
             <a:endParaRPr lang="es-ES" sz="1000" noProof="0"/>
           </a:p>
@@ -18484,8 +18484,8 @@
         </p:nvSpPr>
         <p:spPr>
           <a:xfrm>
-            <a:off x="228600" y="1676400"/>
-            <a:ext cx="8915400" cy="3429000"/>
+            <a:off x="155080" y="2438400"/>
+            <a:ext cx="8915400" cy="3048000"/>
           </a:xfrm>
           <a:prstGeom prst="snip2DiagRect">
             <a:avLst>
@@ -18523,10 +18523,7 @@
           <a:lstStyle/>
           <a:p>
             <a:pPr algn="ctr"/>
-            <a:r>
-              <a:rPr lang="es-BO"/>
-              <a:t>Ss</a:t>
-            </a:r>
+            <a:endParaRPr lang="es-BO" dirty="0"/>
           </a:p>
         </p:txBody>
       </p:sp>
@@ -18542,7 +18539,7 @@
         </p:nvSpPr>
         <p:spPr>
           <a:xfrm>
-            <a:off x="281411" y="1905000"/>
+            <a:off x="515144" y="2688691"/>
             <a:ext cx="8222456" cy="2547418"/>
           </a:xfrm>
         </p:spPr>

--- a/doc/RONALD LUNA.pptx
+++ b/doc/RONALD LUNA.pptx
@@ -5,36 +5,37 @@
     <p:sldMasterId id="2147483648" r:id="rId1"/>
   </p:sldMasterIdLst>
   <p:notesMasterIdLst>
-    <p:notesMasterId r:id="rId26"/>
+    <p:notesMasterId r:id="rId27"/>
   </p:notesMasterIdLst>
   <p:handoutMasterIdLst>
-    <p:handoutMasterId r:id="rId27"/>
+    <p:handoutMasterId r:id="rId28"/>
   </p:handoutMasterIdLst>
   <p:sldIdLst>
     <p:sldId id="256" r:id="rId2"/>
     <p:sldId id="257" r:id="rId3"/>
     <p:sldId id="268" r:id="rId4"/>
-    <p:sldId id="288" r:id="rId5"/>
-    <p:sldId id="287" r:id="rId6"/>
-    <p:sldId id="270" r:id="rId7"/>
-    <p:sldId id="286" r:id="rId8"/>
-    <p:sldId id="271" r:id="rId9"/>
-    <p:sldId id="272" r:id="rId10"/>
-    <p:sldId id="273" r:id="rId11"/>
-    <p:sldId id="274" r:id="rId12"/>
-    <p:sldId id="277" r:id="rId13"/>
-    <p:sldId id="276" r:id="rId14"/>
-    <p:sldId id="278" r:id="rId15"/>
-    <p:sldId id="289" r:id="rId16"/>
-    <p:sldId id="290" r:id="rId17"/>
-    <p:sldId id="281" r:id="rId18"/>
-    <p:sldId id="282" r:id="rId19"/>
-    <p:sldId id="291" r:id="rId20"/>
-    <p:sldId id="292" r:id="rId21"/>
-    <p:sldId id="285" r:id="rId22"/>
-    <p:sldId id="283" r:id="rId23"/>
-    <p:sldId id="284" r:id="rId24"/>
-    <p:sldId id="265" r:id="rId25"/>
+    <p:sldId id="294" r:id="rId5"/>
+    <p:sldId id="288" r:id="rId6"/>
+    <p:sldId id="287" r:id="rId7"/>
+    <p:sldId id="270" r:id="rId8"/>
+    <p:sldId id="286" r:id="rId9"/>
+    <p:sldId id="271" r:id="rId10"/>
+    <p:sldId id="272" r:id="rId11"/>
+    <p:sldId id="273" r:id="rId12"/>
+    <p:sldId id="274" r:id="rId13"/>
+    <p:sldId id="277" r:id="rId14"/>
+    <p:sldId id="276" r:id="rId15"/>
+    <p:sldId id="278" r:id="rId16"/>
+    <p:sldId id="289" r:id="rId17"/>
+    <p:sldId id="290" r:id="rId18"/>
+    <p:sldId id="281" r:id="rId19"/>
+    <p:sldId id="282" r:id="rId20"/>
+    <p:sldId id="293" r:id="rId21"/>
+    <p:sldId id="292" r:id="rId22"/>
+    <p:sldId id="285" r:id="rId23"/>
+    <p:sldId id="283" r:id="rId24"/>
+    <p:sldId id="284" r:id="rId25"/>
+    <p:sldId id="265" r:id="rId26"/>
   </p:sldIdLst>
   <p:sldSz cx="9144000" cy="6858000" type="screen4x3"/>
   <p:notesSz cx="6858000" cy="9144000"/>
@@ -5875,7 +5876,7 @@
             <a:pPr rtl="0"/>
             <a:fld id="{2E4DD613-77CA-42CD-A567-ADA5564ADF9C}" type="datetime1">
               <a:rPr lang="es-ES" smtClean="0"/>
-              <a:t>27/08/2019</a:t>
+              <a:t>08/09/2019</a:t>
             </a:fld>
             <a:endParaRPr lang="es-ES"/>
           </a:p>
@@ -6057,7 +6058,7 @@
             <a:pPr rtl="0"/>
             <a:fld id="{8A2D701F-F1A3-4761-96CF-4851C0354234}" type="datetime1">
               <a:rPr lang="es-ES" smtClean="0"/>
-              <a:t>27/08/2019</a:t>
+              <a:t>08/09/2019</a:t>
             </a:fld>
             <a:endParaRPr lang="es-ES" dirty="0"/>
           </a:p>
@@ -6430,7 +6431,7 @@
       </p:grpSpPr>
       <p:sp>
         <p:nvSpPr>
-          <p:cNvPr id="2" name="Marcador de imagen de diapositiva 1"/>
+          <p:cNvPr id="2" name="Marcador de posición de imagen de diapositiva 1"/>
           <p:cNvSpPr>
             <a:spLocks noGrp="1" noRot="1" noChangeAspect="1"/>
           </p:cNvSpPr>
@@ -6490,7 +6491,7 @@
     </p:spTree>
     <p:extLst>
       <p:ext uri="{BB962C8B-B14F-4D97-AF65-F5344CB8AC3E}">
-        <p14:creationId xmlns:p14="http://schemas.microsoft.com/office/powerpoint/2010/main" val="256562692"/>
+        <p14:creationId xmlns:p14="http://schemas.microsoft.com/office/powerpoint/2010/main" val="2312799416"/>
       </p:ext>
     </p:extLst>
   </p:cSld>
@@ -6519,7 +6520,7 @@
       </p:grpSpPr>
       <p:sp>
         <p:nvSpPr>
-          <p:cNvPr id="2" name="Marcador de posición de imagen de diapositiva 1"/>
+          <p:cNvPr id="2" name="Marcador de imagen de diapositiva 1"/>
           <p:cNvSpPr>
             <a:spLocks noGrp="1" noRot="1" noChangeAspect="1"/>
           </p:cNvSpPr>
@@ -6579,7 +6580,7 @@
     </p:spTree>
     <p:extLst>
       <p:ext uri="{BB962C8B-B14F-4D97-AF65-F5344CB8AC3E}">
-        <p14:creationId xmlns:p14="http://schemas.microsoft.com/office/powerpoint/2010/main" val="2479572567"/>
+        <p14:creationId xmlns:p14="http://schemas.microsoft.com/office/powerpoint/2010/main" val="256562692"/>
       </p:ext>
     </p:extLst>
   </p:cSld>
@@ -6668,7 +6669,7 @@
     </p:spTree>
     <p:extLst>
       <p:ext uri="{BB962C8B-B14F-4D97-AF65-F5344CB8AC3E}">
-        <p14:creationId xmlns:p14="http://schemas.microsoft.com/office/powerpoint/2010/main" val="336403925"/>
+        <p14:creationId xmlns:p14="http://schemas.microsoft.com/office/powerpoint/2010/main" val="2479572567"/>
       </p:ext>
     </p:extLst>
   </p:cSld>
@@ -6757,7 +6758,7 @@
     </p:spTree>
     <p:extLst>
       <p:ext uri="{BB962C8B-B14F-4D97-AF65-F5344CB8AC3E}">
-        <p14:creationId xmlns:p14="http://schemas.microsoft.com/office/powerpoint/2010/main" val="3324519542"/>
+        <p14:creationId xmlns:p14="http://schemas.microsoft.com/office/powerpoint/2010/main" val="336403925"/>
       </p:ext>
     </p:extLst>
   </p:cSld>
@@ -6846,7 +6847,7 @@
     </p:spTree>
     <p:extLst>
       <p:ext uri="{BB962C8B-B14F-4D97-AF65-F5344CB8AC3E}">
-        <p14:creationId xmlns:p14="http://schemas.microsoft.com/office/powerpoint/2010/main" val="3282655213"/>
+        <p14:creationId xmlns:p14="http://schemas.microsoft.com/office/powerpoint/2010/main" val="3324519542"/>
       </p:ext>
     </p:extLst>
   </p:cSld>
@@ -6903,14 +6904,7 @@
           <a:lstStyle/>
           <a:p>
             <a:pPr rtl="0"/>
-            <a:r>
-              <a:rPr lang="es-ES" dirty="0"/>
-              <a:t>TRABAJO INDEPENDIENTE CON UN SOLO OBJETIVO.</a:t>
-            </a:r>
-          </a:p>
-          <a:p>
-            <a:pPr rtl="0"/>
-            <a:endParaRPr lang="es-ES" dirty="0"/>
+            <a:endParaRPr lang="es-ES"/>
           </a:p>
         </p:txBody>
       </p:sp>
@@ -6942,7 +6936,7 @@
     </p:spTree>
     <p:extLst>
       <p:ext uri="{BB962C8B-B14F-4D97-AF65-F5344CB8AC3E}">
-        <p14:creationId xmlns:p14="http://schemas.microsoft.com/office/powerpoint/2010/main" val="2754442770"/>
+        <p14:creationId xmlns:p14="http://schemas.microsoft.com/office/powerpoint/2010/main" val="3282655213"/>
       </p:ext>
     </p:extLst>
   </p:cSld>
@@ -7038,6 +7032,102 @@
     </p:spTree>
     <p:extLst>
       <p:ext uri="{BB962C8B-B14F-4D97-AF65-F5344CB8AC3E}">
+        <p14:creationId xmlns:p14="http://schemas.microsoft.com/office/powerpoint/2010/main" val="2754442770"/>
+      </p:ext>
+    </p:extLst>
+  </p:cSld>
+  <p:clrMapOvr>
+    <a:masterClrMapping/>
+  </p:clrMapOvr>
+</p:notes>
+</file>
+
+<file path=ppt/notesSlides/notesSlide17.xml><?xml version="1.0" encoding="utf-8"?>
+<p:notes xmlns:a="http://schemas.openxmlformats.org/drawingml/2006/main" xmlns:r="http://schemas.openxmlformats.org/officeDocument/2006/relationships" xmlns:p="http://schemas.openxmlformats.org/presentationml/2006/main">
+  <p:cSld>
+    <p:spTree>
+      <p:nvGrpSpPr>
+        <p:cNvPr id="1" name=""/>
+        <p:cNvGrpSpPr/>
+        <p:nvPr/>
+      </p:nvGrpSpPr>
+      <p:grpSpPr>
+        <a:xfrm>
+          <a:off x="0" y="0"/>
+          <a:ext cx="0" cy="0"/>
+          <a:chOff x="0" y="0"/>
+          <a:chExt cx="0" cy="0"/>
+        </a:xfrm>
+      </p:grpSpPr>
+      <p:sp>
+        <p:nvSpPr>
+          <p:cNvPr id="2" name="Marcador de posición de imagen de diapositiva 1"/>
+          <p:cNvSpPr>
+            <a:spLocks noGrp="1" noRot="1" noChangeAspect="1"/>
+          </p:cNvSpPr>
+          <p:nvPr>
+            <p:ph type="sldImg"/>
+          </p:nvPr>
+        </p:nvSpPr>
+        <p:spPr/>
+      </p:sp>
+      <p:sp>
+        <p:nvSpPr>
+          <p:cNvPr id="3" name="Marcador de posición de notas 2"/>
+          <p:cNvSpPr>
+            <a:spLocks noGrp="1"/>
+          </p:cNvSpPr>
+          <p:nvPr>
+            <p:ph type="body" idx="1"/>
+          </p:nvPr>
+        </p:nvSpPr>
+        <p:spPr/>
+        <p:txBody>
+          <a:bodyPr rtlCol="0">
+            <a:normAutofit/>
+          </a:bodyPr>
+          <a:lstStyle/>
+          <a:p>
+            <a:pPr rtl="0"/>
+            <a:r>
+              <a:rPr lang="es-ES" dirty="0"/>
+              <a:t>TRABAJO INDEPENDIENTE CON UN SOLO OBJETIVO.</a:t>
+            </a:r>
+          </a:p>
+          <a:p>
+            <a:pPr rtl="0"/>
+            <a:endParaRPr lang="es-ES" dirty="0"/>
+          </a:p>
+        </p:txBody>
+      </p:sp>
+      <p:sp>
+        <p:nvSpPr>
+          <p:cNvPr id="4" name="Marcador de posición de número de diapositiva 3"/>
+          <p:cNvSpPr>
+            <a:spLocks noGrp="1"/>
+          </p:cNvSpPr>
+          <p:nvPr>
+            <p:ph type="sldNum" sz="quarter" idx="10"/>
+          </p:nvPr>
+        </p:nvSpPr>
+        <p:spPr/>
+        <p:txBody>
+          <a:bodyPr rtlCol="0"/>
+          <a:lstStyle/>
+          <a:p>
+            <a:pPr rtl="0"/>
+            <a:fld id="{7C4E7652-46AF-4259-BAE2-54978EA077CD}" type="slidenum">
+              <a:rPr lang="es-ES" smtClean="0"/>
+              <a:pPr rtl="0"/>
+              <a:t>17</a:t>
+            </a:fld>
+            <a:endParaRPr lang="es-ES"/>
+          </a:p>
+        </p:txBody>
+      </p:sp>
+    </p:spTree>
+    <p:extLst>
+      <p:ext uri="{BB962C8B-B14F-4D97-AF65-F5344CB8AC3E}">
         <p14:creationId xmlns:p14="http://schemas.microsoft.com/office/powerpoint/2010/main" val="3637672597"/>
       </p:ext>
     </p:extLst>
@@ -7048,7 +7138,7 @@
 </p:notes>
 </file>
 
-<file path=ppt/notesSlides/notesSlide17.xml><?xml version="1.0" encoding="utf-8"?>
+<file path=ppt/notesSlides/notesSlide18.xml><?xml version="1.0" encoding="utf-8"?>
 <p:notes xmlns:a="http://schemas.openxmlformats.org/drawingml/2006/main" xmlns:r="http://schemas.openxmlformats.org/officeDocument/2006/relationships" xmlns:p="http://schemas.openxmlformats.org/presentationml/2006/main">
   <p:cSld>
     <p:spTree>
@@ -7118,7 +7208,7 @@
             <a:fld id="{7C4E7652-46AF-4259-BAE2-54978EA077CD}" type="slidenum">
               <a:rPr lang="es-ES" smtClean="0"/>
               <a:pPr rtl="0"/>
-              <a:t>17</a:t>
+              <a:t>18</a:t>
             </a:fld>
             <a:endParaRPr lang="es-ES"/>
           </a:p>
@@ -7128,95 +7218,6 @@
     <p:extLst>
       <p:ext uri="{BB962C8B-B14F-4D97-AF65-F5344CB8AC3E}">
         <p14:creationId xmlns:p14="http://schemas.microsoft.com/office/powerpoint/2010/main" val="1923584713"/>
-      </p:ext>
-    </p:extLst>
-  </p:cSld>
-  <p:clrMapOvr>
-    <a:masterClrMapping/>
-  </p:clrMapOvr>
-</p:notes>
-</file>
-
-<file path=ppt/notesSlides/notesSlide18.xml><?xml version="1.0" encoding="utf-8"?>
-<p:notes xmlns:a="http://schemas.openxmlformats.org/drawingml/2006/main" xmlns:r="http://schemas.openxmlformats.org/officeDocument/2006/relationships" xmlns:p="http://schemas.openxmlformats.org/presentationml/2006/main">
-  <p:cSld>
-    <p:spTree>
-      <p:nvGrpSpPr>
-        <p:cNvPr id="1" name=""/>
-        <p:cNvGrpSpPr/>
-        <p:nvPr/>
-      </p:nvGrpSpPr>
-      <p:grpSpPr>
-        <a:xfrm>
-          <a:off x="0" y="0"/>
-          <a:ext cx="0" cy="0"/>
-          <a:chOff x="0" y="0"/>
-          <a:chExt cx="0" cy="0"/>
-        </a:xfrm>
-      </p:grpSpPr>
-      <p:sp>
-        <p:nvSpPr>
-          <p:cNvPr id="2" name="Marcador de posición de imagen de diapositiva 1"/>
-          <p:cNvSpPr>
-            <a:spLocks noGrp="1" noRot="1" noChangeAspect="1"/>
-          </p:cNvSpPr>
-          <p:nvPr>
-            <p:ph type="sldImg"/>
-          </p:nvPr>
-        </p:nvSpPr>
-        <p:spPr/>
-      </p:sp>
-      <p:sp>
-        <p:nvSpPr>
-          <p:cNvPr id="3" name="Marcador de posición de notas 2"/>
-          <p:cNvSpPr>
-            <a:spLocks noGrp="1"/>
-          </p:cNvSpPr>
-          <p:nvPr>
-            <p:ph type="body" idx="1"/>
-          </p:nvPr>
-        </p:nvSpPr>
-        <p:spPr/>
-        <p:txBody>
-          <a:bodyPr rtlCol="0">
-            <a:normAutofit/>
-          </a:bodyPr>
-          <a:lstStyle/>
-          <a:p>
-            <a:pPr rtl="0"/>
-            <a:endParaRPr lang="es-ES"/>
-          </a:p>
-        </p:txBody>
-      </p:sp>
-      <p:sp>
-        <p:nvSpPr>
-          <p:cNvPr id="4" name="Marcador de posición de número de diapositiva 3"/>
-          <p:cNvSpPr>
-            <a:spLocks noGrp="1"/>
-          </p:cNvSpPr>
-          <p:nvPr>
-            <p:ph type="sldNum" sz="quarter" idx="10"/>
-          </p:nvPr>
-        </p:nvSpPr>
-        <p:spPr/>
-        <p:txBody>
-          <a:bodyPr rtlCol="0"/>
-          <a:lstStyle/>
-          <a:p>
-            <a:pPr rtl="0"/>
-            <a:fld id="{7C4E7652-46AF-4259-BAE2-54978EA077CD}" type="slidenum">
-              <a:rPr lang="es-ES" smtClean="0"/>
-              <a:pPr rtl="0"/>
-              <a:t>18</a:t>
-            </a:fld>
-            <a:endParaRPr lang="es-ES"/>
-          </a:p>
-        </p:txBody>
-      </p:sp>
-    </p:spTree>
-    <p:extLst>
-      <p:ext uri="{BB962C8B-B14F-4D97-AF65-F5344CB8AC3E}">
-        <p14:creationId xmlns:p14="http://schemas.microsoft.com/office/powerpoint/2010/main" val="4241045728"/>
       </p:ext>
     </p:extLst>
   </p:cSld>
@@ -7305,7 +7306,7 @@
     </p:spTree>
     <p:extLst>
       <p:ext uri="{BB962C8B-B14F-4D97-AF65-F5344CB8AC3E}">
-        <p14:creationId xmlns:p14="http://schemas.microsoft.com/office/powerpoint/2010/main" val="3900963032"/>
+        <p14:creationId xmlns:p14="http://schemas.microsoft.com/office/powerpoint/2010/main" val="4241045728"/>
       </p:ext>
     </p:extLst>
   </p:cSld>
@@ -7512,6 +7513,95 @@
     </p:spTree>
     <p:extLst>
       <p:ext uri="{BB962C8B-B14F-4D97-AF65-F5344CB8AC3E}">
+        <p14:creationId xmlns:p14="http://schemas.microsoft.com/office/powerpoint/2010/main" val="3965154623"/>
+      </p:ext>
+    </p:extLst>
+  </p:cSld>
+  <p:clrMapOvr>
+    <a:masterClrMapping/>
+  </p:clrMapOvr>
+</p:notes>
+</file>
+
+<file path=ppt/notesSlides/notesSlide21.xml><?xml version="1.0" encoding="utf-8"?>
+<p:notes xmlns:a="http://schemas.openxmlformats.org/drawingml/2006/main" xmlns:r="http://schemas.openxmlformats.org/officeDocument/2006/relationships" xmlns:p="http://schemas.openxmlformats.org/presentationml/2006/main">
+  <p:cSld>
+    <p:spTree>
+      <p:nvGrpSpPr>
+        <p:cNvPr id="1" name=""/>
+        <p:cNvGrpSpPr/>
+        <p:nvPr/>
+      </p:nvGrpSpPr>
+      <p:grpSpPr>
+        <a:xfrm>
+          <a:off x="0" y="0"/>
+          <a:ext cx="0" cy="0"/>
+          <a:chOff x="0" y="0"/>
+          <a:chExt cx="0" cy="0"/>
+        </a:xfrm>
+      </p:grpSpPr>
+      <p:sp>
+        <p:nvSpPr>
+          <p:cNvPr id="2" name="Marcador de posición de imagen de diapositiva 1"/>
+          <p:cNvSpPr>
+            <a:spLocks noGrp="1" noRot="1" noChangeAspect="1"/>
+          </p:cNvSpPr>
+          <p:nvPr>
+            <p:ph type="sldImg"/>
+          </p:nvPr>
+        </p:nvSpPr>
+        <p:spPr/>
+      </p:sp>
+      <p:sp>
+        <p:nvSpPr>
+          <p:cNvPr id="3" name="Marcador de posición de notas 2"/>
+          <p:cNvSpPr>
+            <a:spLocks noGrp="1"/>
+          </p:cNvSpPr>
+          <p:nvPr>
+            <p:ph type="body" idx="1"/>
+          </p:nvPr>
+        </p:nvSpPr>
+        <p:spPr/>
+        <p:txBody>
+          <a:bodyPr rtlCol="0">
+            <a:normAutofit/>
+          </a:bodyPr>
+          <a:lstStyle/>
+          <a:p>
+            <a:pPr rtl="0"/>
+            <a:endParaRPr lang="es-ES"/>
+          </a:p>
+        </p:txBody>
+      </p:sp>
+      <p:sp>
+        <p:nvSpPr>
+          <p:cNvPr id="4" name="Marcador de posición de número de diapositiva 3"/>
+          <p:cNvSpPr>
+            <a:spLocks noGrp="1"/>
+          </p:cNvSpPr>
+          <p:nvPr>
+            <p:ph type="sldNum" sz="quarter" idx="10"/>
+          </p:nvPr>
+        </p:nvSpPr>
+        <p:spPr/>
+        <p:txBody>
+          <a:bodyPr rtlCol="0"/>
+          <a:lstStyle/>
+          <a:p>
+            <a:pPr rtl="0"/>
+            <a:fld id="{7C4E7652-46AF-4259-BAE2-54978EA077CD}" type="slidenum">
+              <a:rPr lang="es-ES" smtClean="0"/>
+              <a:pPr rtl="0"/>
+              <a:t>21</a:t>
+            </a:fld>
+            <a:endParaRPr lang="es-ES"/>
+          </a:p>
+        </p:txBody>
+      </p:sp>
+    </p:spTree>
+    <p:extLst>
+      <p:ext uri="{BB962C8B-B14F-4D97-AF65-F5344CB8AC3E}">
         <p14:creationId xmlns:p14="http://schemas.microsoft.com/office/powerpoint/2010/main" val="2233991840"/>
       </p:ext>
     </p:extLst>
@@ -7522,7 +7612,7 @@
 </p:notes>
 </file>
 
-<file path=ppt/notesSlides/notesSlide21.xml><?xml version="1.0" encoding="utf-8"?>
+<file path=ppt/notesSlides/notesSlide22.xml><?xml version="1.0" encoding="utf-8"?>
 <p:notes xmlns:a="http://schemas.openxmlformats.org/drawingml/2006/main" xmlns:r="http://schemas.openxmlformats.org/officeDocument/2006/relationships" xmlns:p="http://schemas.openxmlformats.org/presentationml/2006/main">
   <p:cSld>
     <p:spTree>
@@ -7592,7 +7682,7 @@
             <a:fld id="{7C4E7652-46AF-4259-BAE2-54978EA077CD}" type="slidenum">
               <a:rPr lang="es-ES" smtClean="0"/>
               <a:pPr rtl="0"/>
-              <a:t>21</a:t>
+              <a:t>22</a:t>
             </a:fld>
             <a:endParaRPr lang="es-ES"/>
           </a:p>
@@ -7602,95 +7692,6 @@
     <p:extLst>
       <p:ext uri="{BB962C8B-B14F-4D97-AF65-F5344CB8AC3E}">
         <p14:creationId xmlns:p14="http://schemas.microsoft.com/office/powerpoint/2010/main" val="4087668654"/>
-      </p:ext>
-    </p:extLst>
-  </p:cSld>
-  <p:clrMapOvr>
-    <a:masterClrMapping/>
-  </p:clrMapOvr>
-</p:notes>
-</file>
-
-<file path=ppt/notesSlides/notesSlide22.xml><?xml version="1.0" encoding="utf-8"?>
-<p:notes xmlns:a="http://schemas.openxmlformats.org/drawingml/2006/main" xmlns:r="http://schemas.openxmlformats.org/officeDocument/2006/relationships" xmlns:p="http://schemas.openxmlformats.org/presentationml/2006/main">
-  <p:cSld>
-    <p:spTree>
-      <p:nvGrpSpPr>
-        <p:cNvPr id="1" name=""/>
-        <p:cNvGrpSpPr/>
-        <p:nvPr/>
-      </p:nvGrpSpPr>
-      <p:grpSpPr>
-        <a:xfrm>
-          <a:off x="0" y="0"/>
-          <a:ext cx="0" cy="0"/>
-          <a:chOff x="0" y="0"/>
-          <a:chExt cx="0" cy="0"/>
-        </a:xfrm>
-      </p:grpSpPr>
-      <p:sp>
-        <p:nvSpPr>
-          <p:cNvPr id="2" name="Marcador de posición de imagen de diapositiva 1"/>
-          <p:cNvSpPr>
-            <a:spLocks noGrp="1" noRot="1" noChangeAspect="1"/>
-          </p:cNvSpPr>
-          <p:nvPr>
-            <p:ph type="sldImg"/>
-          </p:nvPr>
-        </p:nvSpPr>
-        <p:spPr/>
-      </p:sp>
-      <p:sp>
-        <p:nvSpPr>
-          <p:cNvPr id="3" name="Marcador de posición de notas 2"/>
-          <p:cNvSpPr>
-            <a:spLocks noGrp="1"/>
-          </p:cNvSpPr>
-          <p:nvPr>
-            <p:ph type="body" idx="1"/>
-          </p:nvPr>
-        </p:nvSpPr>
-        <p:spPr/>
-        <p:txBody>
-          <a:bodyPr rtlCol="0">
-            <a:normAutofit/>
-          </a:bodyPr>
-          <a:lstStyle/>
-          <a:p>
-            <a:pPr rtl="0"/>
-            <a:endParaRPr lang="es-ES"/>
-          </a:p>
-        </p:txBody>
-      </p:sp>
-      <p:sp>
-        <p:nvSpPr>
-          <p:cNvPr id="4" name="Marcador de posición de número de diapositiva 3"/>
-          <p:cNvSpPr>
-            <a:spLocks noGrp="1"/>
-          </p:cNvSpPr>
-          <p:nvPr>
-            <p:ph type="sldNum" sz="quarter" idx="10"/>
-          </p:nvPr>
-        </p:nvSpPr>
-        <p:spPr/>
-        <p:txBody>
-          <a:bodyPr rtlCol="0"/>
-          <a:lstStyle/>
-          <a:p>
-            <a:pPr rtl="0"/>
-            <a:fld id="{7C4E7652-46AF-4259-BAE2-54978EA077CD}" type="slidenum">
-              <a:rPr lang="es-ES" smtClean="0"/>
-              <a:pPr rtl="0"/>
-              <a:t>22</a:t>
-            </a:fld>
-            <a:endParaRPr lang="es-ES"/>
-          </a:p>
-        </p:txBody>
-      </p:sp>
-    </p:spTree>
-    <p:extLst>
-      <p:ext uri="{BB962C8B-B14F-4D97-AF65-F5344CB8AC3E}">
-        <p14:creationId xmlns:p14="http://schemas.microsoft.com/office/powerpoint/2010/main" val="3986507403"/>
       </p:ext>
     </p:extLst>
   </p:cSld>
@@ -7779,6 +7780,95 @@
     </p:spTree>
     <p:extLst>
       <p:ext uri="{BB962C8B-B14F-4D97-AF65-F5344CB8AC3E}">
+        <p14:creationId xmlns:p14="http://schemas.microsoft.com/office/powerpoint/2010/main" val="3986507403"/>
+      </p:ext>
+    </p:extLst>
+  </p:cSld>
+  <p:clrMapOvr>
+    <a:masterClrMapping/>
+  </p:clrMapOvr>
+</p:notes>
+</file>
+
+<file path=ppt/notesSlides/notesSlide24.xml><?xml version="1.0" encoding="utf-8"?>
+<p:notes xmlns:a="http://schemas.openxmlformats.org/drawingml/2006/main" xmlns:r="http://schemas.openxmlformats.org/officeDocument/2006/relationships" xmlns:p="http://schemas.openxmlformats.org/presentationml/2006/main">
+  <p:cSld>
+    <p:spTree>
+      <p:nvGrpSpPr>
+        <p:cNvPr id="1" name=""/>
+        <p:cNvGrpSpPr/>
+        <p:nvPr/>
+      </p:nvGrpSpPr>
+      <p:grpSpPr>
+        <a:xfrm>
+          <a:off x="0" y="0"/>
+          <a:ext cx="0" cy="0"/>
+          <a:chOff x="0" y="0"/>
+          <a:chExt cx="0" cy="0"/>
+        </a:xfrm>
+      </p:grpSpPr>
+      <p:sp>
+        <p:nvSpPr>
+          <p:cNvPr id="2" name="Marcador de posición de imagen de diapositiva 1"/>
+          <p:cNvSpPr>
+            <a:spLocks noGrp="1" noRot="1" noChangeAspect="1"/>
+          </p:cNvSpPr>
+          <p:nvPr>
+            <p:ph type="sldImg"/>
+          </p:nvPr>
+        </p:nvSpPr>
+        <p:spPr/>
+      </p:sp>
+      <p:sp>
+        <p:nvSpPr>
+          <p:cNvPr id="3" name="Marcador de posición de notas 2"/>
+          <p:cNvSpPr>
+            <a:spLocks noGrp="1"/>
+          </p:cNvSpPr>
+          <p:nvPr>
+            <p:ph type="body" idx="1"/>
+          </p:nvPr>
+        </p:nvSpPr>
+        <p:spPr/>
+        <p:txBody>
+          <a:bodyPr rtlCol="0">
+            <a:normAutofit/>
+          </a:bodyPr>
+          <a:lstStyle/>
+          <a:p>
+            <a:pPr rtl="0"/>
+            <a:endParaRPr lang="es-ES"/>
+          </a:p>
+        </p:txBody>
+      </p:sp>
+      <p:sp>
+        <p:nvSpPr>
+          <p:cNvPr id="4" name="Marcador de posición de número de diapositiva 3"/>
+          <p:cNvSpPr>
+            <a:spLocks noGrp="1"/>
+          </p:cNvSpPr>
+          <p:nvPr>
+            <p:ph type="sldNum" sz="quarter" idx="10"/>
+          </p:nvPr>
+        </p:nvSpPr>
+        <p:spPr/>
+        <p:txBody>
+          <a:bodyPr rtlCol="0"/>
+          <a:lstStyle/>
+          <a:p>
+            <a:pPr rtl="0"/>
+            <a:fld id="{7C4E7652-46AF-4259-BAE2-54978EA077CD}" type="slidenum">
+              <a:rPr lang="es-ES" smtClean="0"/>
+              <a:pPr rtl="0"/>
+              <a:t>24</a:t>
+            </a:fld>
+            <a:endParaRPr lang="es-ES"/>
+          </a:p>
+        </p:txBody>
+      </p:sp>
+    </p:spTree>
+    <p:extLst>
+      <p:ext uri="{BB962C8B-B14F-4D97-AF65-F5344CB8AC3E}">
         <p14:creationId xmlns:p14="http://schemas.microsoft.com/office/powerpoint/2010/main" val="3117563362"/>
       </p:ext>
     </p:extLst>
@@ -7789,7 +7879,7 @@
 </p:notes>
 </file>
 
-<file path=ppt/notesSlides/notesSlide24.xml><?xml version="1.0" encoding="utf-8"?>
+<file path=ppt/notesSlides/notesSlide25.xml><?xml version="1.0" encoding="utf-8"?>
 <p:notes xmlns:a="http://schemas.openxmlformats.org/drawingml/2006/main" xmlns:r="http://schemas.openxmlformats.org/officeDocument/2006/relationships" xmlns:p="http://schemas.openxmlformats.org/presentationml/2006/main">
   <p:cSld>
     <p:spTree>
@@ -7859,7 +7949,7 @@
             <a:fld id="{7C4E7652-46AF-4259-BAE2-54978EA077CD}" type="slidenum">
               <a:rPr lang="es-ES" smtClean="0"/>
               <a:pPr rtl="0"/>
-              <a:t>24</a:t>
+              <a:t>25</a:t>
             </a:fld>
             <a:endParaRPr lang="es-ES"/>
           </a:p>
@@ -8047,7 +8137,7 @@
     </p:spTree>
     <p:extLst>
       <p:ext uri="{BB962C8B-B14F-4D97-AF65-F5344CB8AC3E}">
-        <p14:creationId xmlns:p14="http://schemas.microsoft.com/office/powerpoint/2010/main" val="4151216804"/>
+        <p14:creationId xmlns:p14="http://schemas.microsoft.com/office/powerpoint/2010/main" val="93115009"/>
       </p:ext>
     </p:extLst>
   </p:cSld>
@@ -8104,7 +8194,10 @@
           <a:lstStyle/>
           <a:p>
             <a:pPr rtl="0"/>
-            <a:endParaRPr lang="es-ES"/>
+            <a:r>
+              <a:rPr lang="es-ES" dirty="0"/>
+              <a:t>Se Revisa cada 120 días </a:t>
+            </a:r>
           </a:p>
         </p:txBody>
       </p:sp>
@@ -8136,7 +8229,7 @@
     </p:spTree>
     <p:extLst>
       <p:ext uri="{BB962C8B-B14F-4D97-AF65-F5344CB8AC3E}">
-        <p14:creationId xmlns:p14="http://schemas.microsoft.com/office/powerpoint/2010/main" val="1020795046"/>
+        <p14:creationId xmlns:p14="http://schemas.microsoft.com/office/powerpoint/2010/main" val="4151216804"/>
       </p:ext>
     </p:extLst>
   </p:cSld>
@@ -8225,7 +8318,7 @@
     </p:spTree>
     <p:extLst>
       <p:ext uri="{BB962C8B-B14F-4D97-AF65-F5344CB8AC3E}">
-        <p14:creationId xmlns:p14="http://schemas.microsoft.com/office/powerpoint/2010/main" val="306478343"/>
+        <p14:creationId xmlns:p14="http://schemas.microsoft.com/office/powerpoint/2010/main" val="1020795046"/>
       </p:ext>
     </p:extLst>
   </p:cSld>
@@ -8314,7 +8407,7 @@
     </p:spTree>
     <p:extLst>
       <p:ext uri="{BB962C8B-B14F-4D97-AF65-F5344CB8AC3E}">
-        <p14:creationId xmlns:p14="http://schemas.microsoft.com/office/powerpoint/2010/main" val="1962327833"/>
+        <p14:creationId xmlns:p14="http://schemas.microsoft.com/office/powerpoint/2010/main" val="306478343"/>
       </p:ext>
     </p:extLst>
   </p:cSld>
@@ -8403,7 +8496,7 @@
     </p:spTree>
     <p:extLst>
       <p:ext uri="{BB962C8B-B14F-4D97-AF65-F5344CB8AC3E}">
-        <p14:creationId xmlns:p14="http://schemas.microsoft.com/office/powerpoint/2010/main" val="3846389527"/>
+        <p14:creationId xmlns:p14="http://schemas.microsoft.com/office/powerpoint/2010/main" val="1962327833"/>
       </p:ext>
     </p:extLst>
   </p:cSld>
@@ -8492,7 +8585,7 @@
     </p:spTree>
     <p:extLst>
       <p:ext uri="{BB962C8B-B14F-4D97-AF65-F5344CB8AC3E}">
-        <p14:creationId xmlns:p14="http://schemas.microsoft.com/office/powerpoint/2010/main" val="2312799416"/>
+        <p14:creationId xmlns:p14="http://schemas.microsoft.com/office/powerpoint/2010/main" val="3846389527"/>
       </p:ext>
     </p:extLst>
   </p:cSld>
@@ -8857,7 +8950,7 @@
             <a:pPr algn="r" rtl="0"/>
             <a:fld id="{122E2957-55DE-45F6-A42F-16D4AAE3604F}" type="datetime1">
               <a:rPr lang="es-ES" sz="1000" noProof="0" smtClean="0"/>
-              <a:t>27/08/2019</a:t>
+              <a:t>08/09/2019</a:t>
             </a:fld>
             <a:endParaRPr lang="es-ES" sz="1000" noProof="0"/>
           </a:p>
@@ -10903,6 +10996,95 @@
       </p:grpSpPr>
       <p:sp>
         <p:nvSpPr>
+          <p:cNvPr id="2" name="Rectángulo 1"/>
+          <p:cNvSpPr>
+            <a:spLocks noGrp="1"/>
+          </p:cNvSpPr>
+          <p:nvPr>
+            <p:ph type="title"/>
+          </p:nvPr>
+        </p:nvSpPr>
+        <p:spPr>
+          <a:xfrm>
+            <a:off x="472440" y="265160"/>
+            <a:ext cx="4937760" cy="799306"/>
+          </a:xfrm>
+        </p:spPr>
+        <p:txBody>
+          <a:bodyPr rtlCol="0"/>
+          <a:lstStyle/>
+          <a:p>
+            <a:pPr rtl="0"/>
+            <a:r>
+              <a:rPr lang="es-ES" dirty="0"/>
+              <a:t>LIMITES Y ALCANCES</a:t>
+            </a:r>
+          </a:p>
+        </p:txBody>
+      </p:sp>
+      <p:graphicFrame>
+        <p:nvGraphicFramePr>
+          <p:cNvPr id="6" name="Marcador de contenido 3" descr="enumerar diseño de gráfico inteligente">
+            <a:extLst>
+              <a:ext uri="{FF2B5EF4-FFF2-40B4-BE49-F238E27FC236}">
+                <a16:creationId xmlns:a16="http://schemas.microsoft.com/office/drawing/2014/main" id="{43C8117A-ABB2-4061-A466-B38B1891DE09}"/>
+              </a:ext>
+            </a:extLst>
+          </p:cNvPr>
+          <p:cNvGraphicFramePr>
+            <a:graphicFrameLocks noGrp="1"/>
+          </p:cNvGraphicFramePr>
+          <p:nvPr>
+            <p:ph idx="1"/>
+            <p:extLst>
+              <p:ext uri="{D42A27DB-BD31-4B8C-83A1-F6EECF244321}">
+                <p14:modId xmlns:p14="http://schemas.microsoft.com/office/powerpoint/2010/main" val="1312451072"/>
+              </p:ext>
+            </p:extLst>
+          </p:nvPr>
+        </p:nvGraphicFramePr>
+        <p:xfrm>
+          <a:off x="457200" y="1371600"/>
+          <a:ext cx="8610600" cy="5334000"/>
+        </p:xfrm>
+        <a:graphic>
+          <a:graphicData uri="http://schemas.openxmlformats.org/drawingml/2006/diagram">
+            <dgm:relIds xmlns:dgm="http://schemas.openxmlformats.org/drawingml/2006/diagram" xmlns:r="http://schemas.openxmlformats.org/officeDocument/2006/relationships" r:dm="rId3" r:lo="rId4" r:qs="rId5" r:cs="rId6"/>
+          </a:graphicData>
+        </a:graphic>
+      </p:graphicFrame>
+    </p:spTree>
+    <p:extLst>
+      <p:ext uri="{BB962C8B-B14F-4D97-AF65-F5344CB8AC3E}">
+        <p14:creationId xmlns:p14="http://schemas.microsoft.com/office/powerpoint/2010/main" val="169363752"/>
+      </p:ext>
+    </p:extLst>
+  </p:cSld>
+  <p:clrMapOvr>
+    <a:masterClrMapping/>
+  </p:clrMapOvr>
+</p:sld>
+</file>
+
+<file path=ppt/slides/slide11.xml><?xml version="1.0" encoding="utf-8"?>
+<p:sld xmlns:a="http://schemas.openxmlformats.org/drawingml/2006/main" xmlns:r="http://schemas.openxmlformats.org/officeDocument/2006/relationships" xmlns:p="http://schemas.openxmlformats.org/presentationml/2006/main">
+  <p:cSld>
+    <p:spTree>
+      <p:nvGrpSpPr>
+        <p:cNvPr id="1" name=""/>
+        <p:cNvGrpSpPr/>
+        <p:nvPr/>
+      </p:nvGrpSpPr>
+      <p:grpSpPr>
+        <a:xfrm>
+          <a:off x="0" y="0"/>
+          <a:ext cx="0" cy="0"/>
+          <a:chOff x="0" y="0"/>
+          <a:chExt cx="0" cy="0"/>
+        </a:xfrm>
+      </p:grpSpPr>
+      <p:sp>
+        <p:nvSpPr>
           <p:cNvPr id="5" name="Título 4">
             <a:extLst>
               <a:ext uri="{FF2B5EF4-FFF2-40B4-BE49-F238E27FC236}">
@@ -11007,7 +11189,7 @@
 </p:sld>
 </file>
 
-<file path=ppt/slides/slide11.xml><?xml version="1.0" encoding="utf-8"?>
+<file path=ppt/slides/slide12.xml><?xml version="1.0" encoding="utf-8"?>
 <p:sld xmlns:a="http://schemas.openxmlformats.org/drawingml/2006/main" xmlns:r="http://schemas.openxmlformats.org/officeDocument/2006/relationships" xmlns:p="http://schemas.openxmlformats.org/presentationml/2006/main">
   <p:cSld>
     <p:spTree>
@@ -11783,7 +11965,7 @@
 </p:sld>
 </file>
 
-<file path=ppt/slides/slide12.xml><?xml version="1.0" encoding="utf-8"?>
+<file path=ppt/slides/slide13.xml><?xml version="1.0" encoding="utf-8"?>
 <p:sld xmlns:a="http://schemas.openxmlformats.org/drawingml/2006/main" xmlns:r="http://schemas.openxmlformats.org/officeDocument/2006/relationships" xmlns:p="http://schemas.openxmlformats.org/presentationml/2006/main">
   <p:cSld>
     <p:spTree>
@@ -12559,7 +12741,7 @@
 </p:sld>
 </file>
 
-<file path=ppt/slides/slide13.xml><?xml version="1.0" encoding="utf-8"?>
+<file path=ppt/slides/slide14.xml><?xml version="1.0" encoding="utf-8"?>
 <p:sld xmlns:a="http://schemas.openxmlformats.org/drawingml/2006/main" xmlns:r="http://schemas.openxmlformats.org/officeDocument/2006/relationships" xmlns:p="http://schemas.openxmlformats.org/presentationml/2006/main">
   <p:cSld>
     <p:spTree>
@@ -13485,7 +13667,7 @@
 </p:sld>
 </file>
 
-<file path=ppt/slides/slide14.xml><?xml version="1.0" encoding="utf-8"?>
+<file path=ppt/slides/slide15.xml><?xml version="1.0" encoding="utf-8"?>
 <p:sld xmlns:a="http://schemas.openxmlformats.org/drawingml/2006/main" xmlns:r="http://schemas.openxmlformats.org/officeDocument/2006/relationships" xmlns:p="http://schemas.openxmlformats.org/presentationml/2006/main">
   <p:cSld>
     <p:spTree>
@@ -14008,7 +14190,7 @@
 </p:sld>
 </file>
 
-<file path=ppt/slides/slide15.xml><?xml version="1.0" encoding="utf-8"?>
+<file path=ppt/slides/slide16.xml><?xml version="1.0" encoding="utf-8"?>
 <p:sld xmlns:a="http://schemas.openxmlformats.org/drawingml/2006/main" xmlns:r="http://schemas.openxmlformats.org/officeDocument/2006/relationships" xmlns:p="http://schemas.openxmlformats.org/presentationml/2006/main">
   <p:cSld>
     <p:spTree>
@@ -14594,7 +14776,7 @@
 </p:sld>
 </file>
 
-<file path=ppt/slides/slide16.xml><?xml version="1.0" encoding="utf-8"?>
+<file path=ppt/slides/slide17.xml><?xml version="1.0" encoding="utf-8"?>
 <p:sld xmlns:a="http://schemas.openxmlformats.org/drawingml/2006/main" xmlns:r="http://schemas.openxmlformats.org/officeDocument/2006/relationships" xmlns:p="http://schemas.openxmlformats.org/presentationml/2006/main">
   <p:cSld>
     <p:spTree>
@@ -15167,7 +15349,7 @@
 </p:sld>
 </file>
 
-<file path=ppt/slides/slide17.xml><?xml version="1.0" encoding="utf-8"?>
+<file path=ppt/slides/slide18.xml><?xml version="1.0" encoding="utf-8"?>
 <p:sld xmlns:a="http://schemas.openxmlformats.org/drawingml/2006/main" xmlns:r="http://schemas.openxmlformats.org/officeDocument/2006/relationships" xmlns:p="http://schemas.openxmlformats.org/presentationml/2006/main">
   <p:cSld>
     <p:spTree>
@@ -15290,7 +15472,7 @@
 </p:sld>
 </file>
 
-<file path=ppt/slides/slide18.xml><?xml version="1.0" encoding="utf-8"?>
+<file path=ppt/slides/slide19.xml><?xml version="1.0" encoding="utf-8"?>
 <p:sld xmlns:a="http://schemas.openxmlformats.org/drawingml/2006/main" xmlns:r="http://schemas.openxmlformats.org/officeDocument/2006/relationships" xmlns:p="http://schemas.openxmlformats.org/presentationml/2006/main">
   <p:cSld>
     <p:spTree>
@@ -15802,94 +15984,6 @@
 </p:sld>
 </file>
 
-<file path=ppt/slides/slide19.xml><?xml version="1.0" encoding="utf-8"?>
-<p:sld xmlns:a="http://schemas.openxmlformats.org/drawingml/2006/main" xmlns:r="http://schemas.openxmlformats.org/officeDocument/2006/relationships" xmlns:p="http://schemas.openxmlformats.org/presentationml/2006/main">
-  <p:cSld>
-    <p:spTree>
-      <p:nvGrpSpPr>
-        <p:cNvPr id="1" name=""/>
-        <p:cNvGrpSpPr/>
-        <p:nvPr/>
-      </p:nvGrpSpPr>
-      <p:grpSpPr>
-        <a:xfrm>
-          <a:off x="0" y="0"/>
-          <a:ext cx="0" cy="0"/>
-          <a:chOff x="0" y="0"/>
-          <a:chExt cx="0" cy="0"/>
-        </a:xfrm>
-      </p:grpSpPr>
-      <p:sp>
-        <p:nvSpPr>
-          <p:cNvPr id="2" name="Rectángulo 1"/>
-          <p:cNvSpPr>
-            <a:spLocks noGrp="1"/>
-          </p:cNvSpPr>
-          <p:nvPr>
-            <p:ph type="title"/>
-          </p:nvPr>
-        </p:nvSpPr>
-        <p:spPr>
-          <a:xfrm>
-            <a:off x="472440" y="265160"/>
-            <a:ext cx="4937760" cy="799306"/>
-          </a:xfrm>
-        </p:spPr>
-        <p:txBody>
-          <a:bodyPr rtlCol="0"/>
-          <a:lstStyle/>
-          <a:p>
-            <a:pPr rtl="0"/>
-            <a:r>
-              <a:rPr lang="es-ES" dirty="0"/>
-              <a:t>CASOS DE USO </a:t>
-            </a:r>
-          </a:p>
-        </p:txBody>
-      </p:sp>
-      <p:pic>
-        <p:nvPicPr>
-          <p:cNvPr id="7" name="Imagen 6">
-            <a:extLst>
-              <a:ext uri="{FF2B5EF4-FFF2-40B4-BE49-F238E27FC236}">
-                <a16:creationId xmlns:a16="http://schemas.microsoft.com/office/drawing/2014/main" id="{CF75E5F3-1AD7-4F7D-A0A0-F8AB7CEC1703}"/>
-              </a:ext>
-            </a:extLst>
-          </p:cNvPr>
-          <p:cNvPicPr>
-            <a:picLocks noChangeAspect="1"/>
-          </p:cNvPicPr>
-          <p:nvPr/>
-        </p:nvPicPr>
-        <p:blipFill>
-          <a:blip r:embed="rId3"/>
-          <a:stretch>
-            <a:fillRect/>
-          </a:stretch>
-        </p:blipFill>
-        <p:spPr>
-          <a:xfrm>
-            <a:off x="1066800" y="1295400"/>
-            <a:ext cx="7239000" cy="4714973"/>
-          </a:xfrm>
-          <a:prstGeom prst="rect">
-            <a:avLst/>
-          </a:prstGeom>
-        </p:spPr>
-      </p:pic>
-    </p:spTree>
-    <p:extLst>
-      <p:ext uri="{BB962C8B-B14F-4D97-AF65-F5344CB8AC3E}">
-        <p14:creationId xmlns:p14="http://schemas.microsoft.com/office/powerpoint/2010/main" val="3107597272"/>
-      </p:ext>
-    </p:extLst>
-  </p:cSld>
-  <p:clrMapOvr>
-    <a:masterClrMapping/>
-  </p:clrMapOvr>
-</p:sld>
-</file>
-
 <file path=ppt/slides/slide2.xml><?xml version="1.0" encoding="utf-8"?>
 <p:sld xmlns:a="http://schemas.openxmlformats.org/drawingml/2006/main" xmlns:r="http://schemas.openxmlformats.org/officeDocument/2006/relationships" xmlns:p="http://schemas.openxmlformats.org/presentationml/2006/main">
   <p:cSld>
@@ -15907,6 +16001,96 @@
           <a:chExt cx="0" cy="0"/>
         </a:xfrm>
       </p:grpSpPr>
+      <p:pic>
+        <p:nvPicPr>
+          <p:cNvPr id="1032" name="Picture 8" descr="Resultado de imagen para constructor icon">
+            <a:extLst>
+              <a:ext uri="{FF2B5EF4-FFF2-40B4-BE49-F238E27FC236}">
+                <a16:creationId xmlns:a16="http://schemas.microsoft.com/office/drawing/2014/main" id="{ED619F8D-C100-46DE-9051-BF0A615BBC59}"/>
+              </a:ext>
+            </a:extLst>
+          </p:cNvPr>
+          <p:cNvPicPr>
+            <a:picLocks noChangeAspect="1" noChangeArrowheads="1"/>
+          </p:cNvPicPr>
+          <p:nvPr/>
+        </p:nvPicPr>
+        <p:blipFill rotWithShape="1">
+          <a:blip r:embed="rId3">
+            <a:extLst>
+              <a:ext uri="{28A0092B-C50C-407E-A947-70E740481C1C}">
+                <a14:useLocalDpi xmlns:a14="http://schemas.microsoft.com/office/drawing/2010/main" val="0"/>
+              </a:ext>
+            </a:extLst>
+          </a:blip>
+          <a:srcRect b="7586"/>
+          <a:stretch/>
+        </p:blipFill>
+        <p:spPr bwMode="auto">
+          <a:xfrm>
+            <a:off x="6869971" y="1319547"/>
+            <a:ext cx="979941" cy="1053632"/>
+          </a:xfrm>
+          <a:prstGeom prst="rect">
+            <a:avLst/>
+          </a:prstGeom>
+          <a:noFill/>
+          <a:extLst>
+            <a:ext uri="{909E8E84-426E-40DD-AFC4-6F175D3DCCD1}">
+              <a14:hiddenFill xmlns:a14="http://schemas.microsoft.com/office/drawing/2010/main">
+                <a:solidFill>
+                  <a:srgbClr val="FFFFFF"/>
+                </a:solidFill>
+              </a14:hiddenFill>
+            </a:ext>
+          </a:extLst>
+        </p:spPr>
+      </p:pic>
+      <p:pic>
+        <p:nvPicPr>
+          <p:cNvPr id="5" name="Picture 6" descr="Resultado de imagen para nube icono pensamiento">
+            <a:extLst>
+              <a:ext uri="{FF2B5EF4-FFF2-40B4-BE49-F238E27FC236}">
+                <a16:creationId xmlns:a16="http://schemas.microsoft.com/office/drawing/2014/main" id="{897E2850-25AE-43B6-8631-3F5A35711AAE}"/>
+              </a:ext>
+            </a:extLst>
+          </p:cNvPr>
+          <p:cNvPicPr>
+            <a:picLocks noChangeAspect="1" noChangeArrowheads="1"/>
+          </p:cNvPicPr>
+          <p:nvPr/>
+        </p:nvPicPr>
+        <p:blipFill rotWithShape="1">
+          <a:blip r:embed="rId4" cstate="print">
+            <a:extLst>
+              <a:ext uri="{28A0092B-C50C-407E-A947-70E740481C1C}">
+                <a14:useLocalDpi xmlns:a14="http://schemas.microsoft.com/office/drawing/2010/main" val="0"/>
+              </a:ext>
+            </a:extLst>
+          </a:blip>
+          <a:srcRect l="12933" t="12222" r="12445" b="17425"/>
+          <a:stretch/>
+        </p:blipFill>
+        <p:spPr bwMode="auto">
+          <a:xfrm>
+            <a:off x="7677883" y="856847"/>
+            <a:ext cx="993677" cy="989516"/>
+          </a:xfrm>
+          <a:prstGeom prst="rect">
+            <a:avLst/>
+          </a:prstGeom>
+          <a:noFill/>
+          <a:extLst>
+            <a:ext uri="{909E8E84-426E-40DD-AFC4-6F175D3DCCD1}">
+              <a14:hiddenFill xmlns:a14="http://schemas.microsoft.com/office/drawing/2010/main">
+                <a:solidFill>
+                  <a:srgbClr val="FFFFFF"/>
+                </a:solidFill>
+              </a14:hiddenFill>
+            </a:ext>
+          </a:extLst>
+        </p:spPr>
+      </p:pic>
       <p:sp>
         <p:nvSpPr>
           <p:cNvPr id="2" name="Rectángulo 1"/>
@@ -15950,7 +16134,7 @@
           <p:nvPr/>
         </p:nvPicPr>
         <p:blipFill>
-          <a:blip r:embed="rId3" cstate="print">
+          <a:blip r:embed="rId5" cstate="print">
             <a:extLst>
               <a:ext uri="{28A0092B-C50C-407E-A947-70E740481C1C}">
                 <a14:useLocalDpi xmlns:a14="http://schemas.microsoft.com/office/drawing/2010/main" val="0"/>
@@ -15964,8 +16148,8 @@
         </p:blipFill>
         <p:spPr bwMode="auto">
           <a:xfrm>
-            <a:off x="410307" y="1867502"/>
-            <a:ext cx="1262417" cy="1262417"/>
+            <a:off x="316240" y="1319547"/>
+            <a:ext cx="799307" cy="799307"/>
           </a:xfrm>
           <a:prstGeom prst="rect">
             <a:avLst/>
@@ -15997,7 +16181,7 @@
           <p:nvPr/>
         </p:nvPicPr>
         <p:blipFill>
-          <a:blip r:embed="rId4">
+          <a:blip r:embed="rId6" cstate="print">
             <a:extLst>
               <a:ext uri="{28A0092B-C50C-407E-A947-70E740481C1C}">
                 <a14:useLocalDpi xmlns:a14="http://schemas.microsoft.com/office/drawing/2010/main" val="0"/>
@@ -16011,8 +16195,8 @@
         </p:blipFill>
         <p:spPr bwMode="auto">
           <a:xfrm>
-            <a:off x="0" y="1813930"/>
-            <a:ext cx="4144050" cy="2241334"/>
+            <a:off x="258211" y="1365820"/>
+            <a:ext cx="2054257" cy="1111057"/>
           </a:xfrm>
           <a:prstGeom prst="rect">
             <a:avLst/>
@@ -16044,7 +16228,7 @@
           <p:nvPr/>
         </p:nvPicPr>
         <p:blipFill rotWithShape="1">
-          <a:blip r:embed="rId5">
+          <a:blip r:embed="rId7">
             <a:extLst>
               <a:ext uri="{28A0092B-C50C-407E-A947-70E740481C1C}">
                 <a14:useLocalDpi xmlns:a14="http://schemas.microsoft.com/office/drawing/2010/main" val="0"/>
@@ -16056,53 +16240,8 @@
         </p:blipFill>
         <p:spPr bwMode="auto">
           <a:xfrm>
-            <a:off x="1945185" y="1350640"/>
-            <a:ext cx="1143000" cy="967154"/>
-          </a:xfrm>
-          <a:prstGeom prst="rect">
-            <a:avLst/>
-          </a:prstGeom>
-          <a:noFill/>
-          <a:extLst>
-            <a:ext uri="{909E8E84-426E-40DD-AFC4-6F175D3DCCD1}">
-              <a14:hiddenFill xmlns:a14="http://schemas.microsoft.com/office/drawing/2010/main">
-                <a:solidFill>
-                  <a:srgbClr val="FFFFFF"/>
-                </a:solidFill>
-              </a14:hiddenFill>
-            </a:ext>
-          </a:extLst>
-        </p:spPr>
-      </p:pic>
-      <p:pic>
-        <p:nvPicPr>
-          <p:cNvPr id="1032" name="Picture 8" descr="Resultado de imagen para constructor icon">
-            <a:extLst>
-              <a:ext uri="{FF2B5EF4-FFF2-40B4-BE49-F238E27FC236}">
-                <a16:creationId xmlns:a16="http://schemas.microsoft.com/office/drawing/2014/main" id="{ED619F8D-C100-46DE-9051-BF0A615BBC59}"/>
-              </a:ext>
-            </a:extLst>
-          </p:cNvPr>
-          <p:cNvPicPr>
-            <a:picLocks noChangeAspect="1" noChangeArrowheads="1"/>
-          </p:cNvPicPr>
-          <p:nvPr/>
-        </p:nvPicPr>
-        <p:blipFill rotWithShape="1">
-          <a:blip r:embed="rId6">
-            <a:extLst>
-              <a:ext uri="{28A0092B-C50C-407E-A947-70E740481C1C}">
-                <a14:useLocalDpi xmlns:a14="http://schemas.microsoft.com/office/drawing/2010/main" val="0"/>
-              </a:ext>
-            </a:extLst>
-          </a:blip>
-          <a:srcRect b="7586"/>
-          <a:stretch/>
-        </p:blipFill>
-        <p:spPr bwMode="auto">
-          <a:xfrm>
-            <a:off x="3735337" y="2603968"/>
-            <a:ext cx="979941" cy="1053632"/>
+            <a:off x="1241432" y="2023001"/>
+            <a:ext cx="798015" cy="675243"/>
           </a:xfrm>
           <a:prstGeom prst="rect">
             <a:avLst/>
@@ -16134,7 +16273,7 @@
           <p:nvPr/>
         </p:nvPicPr>
         <p:blipFill>
-          <a:blip r:embed="rId7">
+          <a:blip r:embed="rId8" cstate="print">
             <a:extLst>
               <a:ext uri="{28A0092B-C50C-407E-A947-70E740481C1C}">
                 <a14:useLocalDpi xmlns:a14="http://schemas.microsoft.com/office/drawing/2010/main" val="0"/>
@@ -16148,8 +16287,8 @@
         </p:blipFill>
         <p:spPr bwMode="auto">
           <a:xfrm>
-            <a:off x="7605226" y="1236295"/>
-            <a:ext cx="1262416" cy="1262416"/>
+            <a:off x="4055112" y="1240792"/>
+            <a:ext cx="682967" cy="682967"/>
           </a:xfrm>
           <a:prstGeom prst="rect">
             <a:avLst/>
@@ -16181,7 +16320,7 @@
           <p:nvPr/>
         </p:nvPicPr>
         <p:blipFill rotWithShape="1">
-          <a:blip r:embed="rId8">
+          <a:blip r:embed="rId9">
             <a:extLst>
               <a:ext uri="{28A0092B-C50C-407E-A947-70E740481C1C}">
                 <a14:useLocalDpi xmlns:a14="http://schemas.microsoft.com/office/drawing/2010/main" val="0"/>
@@ -16193,8 +16332,8 @@
         </p:blipFill>
         <p:spPr bwMode="auto">
           <a:xfrm>
-            <a:off x="5680118" y="1153580"/>
-            <a:ext cx="1604442" cy="1262417"/>
+            <a:off x="2867188" y="2881850"/>
+            <a:ext cx="920040" cy="723912"/>
           </a:xfrm>
           <a:prstGeom prst="rect">
             <a:avLst/>
@@ -16226,7 +16365,7 @@
           <p:nvPr/>
         </p:nvPicPr>
         <p:blipFill>
-          <a:blip r:embed="rId9">
+          <a:blip r:embed="rId10" cstate="print">
             <a:extLst>
               <a:ext uri="{28A0092B-C50C-407E-A947-70E740481C1C}">
                 <a14:useLocalDpi xmlns:a14="http://schemas.microsoft.com/office/drawing/2010/main" val="0"/>
@@ -16240,8 +16379,8 @@
         </p:blipFill>
         <p:spPr bwMode="auto">
           <a:xfrm>
-            <a:off x="6092331" y="2844695"/>
-            <a:ext cx="1100043" cy="1100043"/>
+            <a:off x="3306474" y="1890018"/>
+            <a:ext cx="618464" cy="618464"/>
           </a:xfrm>
           <a:prstGeom prst="rect">
             <a:avLst/>
@@ -16273,7 +16412,7 @@
           <p:nvPr/>
         </p:nvPicPr>
         <p:blipFill>
-          <a:blip r:embed="rId10">
+          <a:blip r:embed="rId11" cstate="print">
             <a:extLst>
               <a:ext uri="{28A0092B-C50C-407E-A947-70E740481C1C}">
                 <a14:useLocalDpi xmlns:a14="http://schemas.microsoft.com/office/drawing/2010/main" val="0"/>
@@ -16287,8 +16426,8 @@
         </p:blipFill>
         <p:spPr bwMode="auto">
           <a:xfrm>
-            <a:off x="6781800" y="4261252"/>
-            <a:ext cx="1100043" cy="1100043"/>
+            <a:off x="3359405" y="1244682"/>
+            <a:ext cx="559191" cy="559191"/>
           </a:xfrm>
           <a:prstGeom prst="rect">
             <a:avLst/>
@@ -16320,7 +16459,7 @@
           <p:nvPr/>
         </p:nvPicPr>
         <p:blipFill rotWithShape="1">
-          <a:blip r:embed="rId11">
+          <a:blip r:embed="rId12" cstate="print">
             <a:extLst>
               <a:ext uri="{28A0092B-C50C-407E-A947-70E740481C1C}">
                 <a14:useLocalDpi xmlns:a14="http://schemas.microsoft.com/office/drawing/2010/main" val="0"/>
@@ -16332,8 +16471,8 @@
         </p:blipFill>
         <p:spPr bwMode="auto">
           <a:xfrm>
-            <a:off x="7739174" y="2684935"/>
-            <a:ext cx="994519" cy="1370329"/>
+            <a:off x="4176910" y="2010762"/>
+            <a:ext cx="389541" cy="536741"/>
           </a:xfrm>
           <a:prstGeom prst="rect">
             <a:avLst/>
@@ -16364,8 +16503,8 @@
         </p:nvSpPr>
         <p:spPr>
           <a:xfrm>
-            <a:off x="4461186" y="2635466"/>
-            <a:ext cx="850422" cy="418458"/>
+            <a:off x="5124293" y="1717980"/>
+            <a:ext cx="489971" cy="292782"/>
           </a:xfrm>
           <a:prstGeom prst="rightArrow">
             <a:avLst/>
@@ -16410,7 +16549,7 @@
         </p:nvSpPr>
         <p:spPr>
           <a:xfrm>
-            <a:off x="3731601" y="3617646"/>
+            <a:off x="6866235" y="2333225"/>
             <a:ext cx="1189952" cy="369332"/>
           </a:xfrm>
           <a:prstGeom prst="rect">
@@ -16440,55 +16579,6 @@
           </a:p>
         </p:txBody>
       </p:sp>
-      <p:sp>
-        <p:nvSpPr>
-          <p:cNvPr id="9" name="Flecha: hacia arriba 8">
-            <a:extLst>
-              <a:ext uri="{FF2B5EF4-FFF2-40B4-BE49-F238E27FC236}">
-                <a16:creationId xmlns:a16="http://schemas.microsoft.com/office/drawing/2014/main" id="{06E112ED-7945-4B4F-8B42-1DD7080FAEBE}"/>
-              </a:ext>
-            </a:extLst>
-          </p:cNvPr>
-          <p:cNvSpPr/>
-          <p:nvPr/>
-        </p:nvSpPr>
-        <p:spPr>
-          <a:xfrm rot="14370154">
-            <a:off x="4774127" y="3445302"/>
-            <a:ext cx="353731" cy="1718488"/>
-          </a:xfrm>
-          <a:prstGeom prst="upArrow">
-            <a:avLst>
-              <a:gd name="adj1" fmla="val 29922"/>
-              <a:gd name="adj2" fmla="val 90156"/>
-            </a:avLst>
-          </a:prstGeom>
-        </p:spPr>
-        <p:style>
-          <a:lnRef idx="2">
-            <a:schemeClr val="accent1">
-              <a:shade val="50000"/>
-            </a:schemeClr>
-          </a:lnRef>
-          <a:fillRef idx="1">
-            <a:schemeClr val="accent1"/>
-          </a:fillRef>
-          <a:effectRef idx="0">
-            <a:schemeClr val="accent1"/>
-          </a:effectRef>
-          <a:fontRef idx="minor">
-            <a:schemeClr val="lt1"/>
-          </a:fontRef>
-        </p:style>
-        <p:txBody>
-          <a:bodyPr rtlCol="0" anchor="ctr"/>
-          <a:lstStyle/>
-          <a:p>
-            <a:pPr algn="ctr"/>
-            <a:endParaRPr lang="es-BO"/>
-          </a:p>
-        </p:txBody>
-      </p:sp>
       <p:pic>
         <p:nvPicPr>
           <p:cNvPr id="1044" name="Picture 20" descr="Resultado de imagen para ladrillo icon">
@@ -16504,7 +16594,7 @@
           <p:nvPr/>
         </p:nvPicPr>
         <p:blipFill>
-          <a:blip r:embed="rId12">
+          <a:blip r:embed="rId13" cstate="print">
             <a:extLst>
               <a:ext uri="{28A0092B-C50C-407E-A947-70E740481C1C}">
                 <a14:useLocalDpi xmlns:a14="http://schemas.microsoft.com/office/drawing/2010/main" val="0"/>
@@ -16518,8 +16608,8 @@
         </p:blipFill>
         <p:spPr bwMode="auto">
           <a:xfrm>
-            <a:off x="1392140" y="4988308"/>
-            <a:ext cx="1100043" cy="1100043"/>
+            <a:off x="3805802" y="5319337"/>
+            <a:ext cx="685801" cy="685801"/>
           </a:xfrm>
           <a:prstGeom prst="rect">
             <a:avLst/>
@@ -16551,7 +16641,7 @@
           <p:nvPr/>
         </p:nvPicPr>
         <p:blipFill rotWithShape="1">
-          <a:blip r:embed="rId13">
+          <a:blip r:embed="rId14" cstate="print">
             <a:extLst>
               <a:ext uri="{28A0092B-C50C-407E-A947-70E740481C1C}">
                 <a14:useLocalDpi xmlns:a14="http://schemas.microsoft.com/office/drawing/2010/main" val="0"/>
@@ -16563,8 +16653,8 @@
         </p:blipFill>
         <p:spPr bwMode="auto">
           <a:xfrm>
-            <a:off x="2588058" y="4304738"/>
-            <a:ext cx="1111731" cy="1100043"/>
+            <a:off x="7312908" y="5358489"/>
+            <a:ext cx="597191" cy="590912"/>
           </a:xfrm>
           <a:prstGeom prst="rect">
             <a:avLst/>
@@ -16596,7 +16686,7 @@
           <p:nvPr/>
         </p:nvPicPr>
         <p:blipFill>
-          <a:blip r:embed="rId14" cstate="print">
+          <a:blip r:embed="rId15" cstate="print">
             <a:extLst>
               <a:ext uri="{28A0092B-C50C-407E-A947-70E740481C1C}">
                 <a14:useLocalDpi xmlns:a14="http://schemas.microsoft.com/office/drawing/2010/main" val="0"/>
@@ -16610,8 +16700,8 @@
         </p:blipFill>
         <p:spPr bwMode="auto">
           <a:xfrm>
-            <a:off x="2895600" y="5495096"/>
-            <a:ext cx="921066" cy="921066"/>
+            <a:off x="5568230" y="5445046"/>
+            <a:ext cx="685800" cy="685800"/>
           </a:xfrm>
           <a:prstGeom prst="rect">
             <a:avLst/>
@@ -16641,9 +16731,9 @@
           <p:nvPr/>
         </p:nvSpPr>
         <p:spPr>
-          <a:xfrm rot="5948832">
-            <a:off x="4818209" y="5326793"/>
-            <a:ext cx="254093" cy="1097744"/>
+          <a:xfrm rot="7808430">
+            <a:off x="6950659" y="4363704"/>
+            <a:ext cx="254093" cy="992459"/>
           </a:xfrm>
           <a:prstGeom prst="upArrow">
             <a:avLst>
@@ -16692,7 +16782,7 @@
           <p:nvPr/>
         </p:nvPicPr>
         <p:blipFill>
-          <a:blip r:embed="rId15">
+          <a:blip r:embed="rId16">
             <a:extLst>
               <a:ext uri="{28A0092B-C50C-407E-A947-70E740481C1C}">
                 <a14:useLocalDpi xmlns:a14="http://schemas.microsoft.com/office/drawing/2010/main" val="0"/>
@@ -16706,7 +16796,7 @@
         </p:blipFill>
         <p:spPr bwMode="auto">
           <a:xfrm>
-            <a:off x="5657343" y="5578233"/>
+            <a:off x="5495940" y="3484836"/>
             <a:ext cx="1100043" cy="1100043"/>
           </a:xfrm>
           <a:prstGeom prst="rect">
@@ -16726,10 +16816,10 @@
       </p:pic>
       <p:pic>
         <p:nvPicPr>
-          <p:cNvPr id="1052" name="Picture 28" descr="Resultado de imagen para cotizacion icon">
+          <p:cNvPr id="1026" name="Picture 2" descr="Resultado de imagen para foco icono">
             <a:extLst>
               <a:ext uri="{FF2B5EF4-FFF2-40B4-BE49-F238E27FC236}">
-                <a16:creationId xmlns:a16="http://schemas.microsoft.com/office/drawing/2014/main" id="{46C3C692-AE42-4F4F-A981-C1F270CC8199}"/>
+                <a16:creationId xmlns:a16="http://schemas.microsoft.com/office/drawing/2014/main" id="{F6DEAD3D-19C0-4FDF-A01A-DABAAF6196EF}"/>
               </a:ext>
             </a:extLst>
           </p:cNvPr>
@@ -16739,7 +16829,7 @@
           <p:nvPr/>
         </p:nvPicPr>
         <p:blipFill>
-          <a:blip r:embed="rId16" cstate="print">
+          <a:blip r:embed="rId17" cstate="print">
             <a:extLst>
               <a:ext uri="{28A0092B-C50C-407E-A947-70E740481C1C}">
                 <a14:useLocalDpi xmlns:a14="http://schemas.microsoft.com/office/drawing/2010/main" val="0"/>
@@ -16753,8 +16843,8 @@
         </p:blipFill>
         <p:spPr bwMode="auto">
           <a:xfrm>
-            <a:off x="5124293" y="4424187"/>
-            <a:ext cx="555825" cy="555825"/>
+            <a:off x="5653309" y="1524277"/>
+            <a:ext cx="726691" cy="726691"/>
           </a:xfrm>
           <a:prstGeom prst="rect">
             <a:avLst/>
@@ -16773,54 +16863,57 @@
       </p:pic>
       <p:sp>
         <p:nvSpPr>
-          <p:cNvPr id="12" name="CuadroTexto 11">
+          <p:cNvPr id="3" name="Elipse 2">
             <a:extLst>
               <a:ext uri="{FF2B5EF4-FFF2-40B4-BE49-F238E27FC236}">
-                <a16:creationId xmlns:a16="http://schemas.microsoft.com/office/drawing/2014/main" id="{B80DE90D-EF99-420B-8D29-25B6647A04F0}"/>
+                <a16:creationId xmlns:a16="http://schemas.microsoft.com/office/drawing/2014/main" id="{33D7C233-0305-4205-87A7-95D147D0EFAE}"/>
               </a:ext>
             </a:extLst>
           </p:cNvPr>
-          <p:cNvSpPr txBox="1"/>
+          <p:cNvSpPr/>
           <p:nvPr/>
         </p:nvSpPr>
         <p:spPr>
           <a:xfrm>
-            <a:off x="5001440" y="4883999"/>
-            <a:ext cx="1069524" cy="369332"/>
+            <a:off x="3005828" y="916003"/>
+            <a:ext cx="2026920" cy="1832876"/>
           </a:xfrm>
-          <a:prstGeom prst="rect">
+          <a:prstGeom prst="ellipse">
             <a:avLst/>
           </a:prstGeom>
           <a:noFill/>
         </p:spPr>
+        <p:style>
+          <a:lnRef idx="2">
+            <a:schemeClr val="accent1">
+              <a:shade val="50000"/>
+            </a:schemeClr>
+          </a:lnRef>
+          <a:fillRef idx="1">
+            <a:schemeClr val="accent1"/>
+          </a:fillRef>
+          <a:effectRef idx="0">
+            <a:schemeClr val="accent1"/>
+          </a:effectRef>
+          <a:fontRef idx="minor">
+            <a:schemeClr val="lt1"/>
+          </a:fontRef>
+        </p:style>
         <p:txBody>
-          <a:bodyPr wrap="none" rtlCol="0">
-            <a:spAutoFit/>
-          </a:bodyPr>
+          <a:bodyPr rtlCol="0" anchor="ctr"/>
           <a:lstStyle/>
           <a:p>
-            <a:r>
-              <a:rPr lang="en-US" dirty="0" err="1">
-                <a:solidFill>
-                  <a:schemeClr val="bg2"/>
-                </a:solidFill>
-              </a:rPr>
-              <a:t>Contrato</a:t>
-            </a:r>
-            <a:endParaRPr lang="es-BO" dirty="0">
-              <a:solidFill>
-                <a:schemeClr val="bg2"/>
-              </a:solidFill>
-            </a:endParaRPr>
+            <a:pPr algn="ctr"/>
+            <a:endParaRPr lang="es-BO"/>
           </a:p>
         </p:txBody>
       </p:sp>
       <p:pic>
         <p:nvPicPr>
-          <p:cNvPr id="1054" name="Picture 30" descr="edsf">
+          <p:cNvPr id="4" name="Picture 4" descr="Resultado de imagen para persona icon">
             <a:extLst>
               <a:ext uri="{FF2B5EF4-FFF2-40B4-BE49-F238E27FC236}">
-                <a16:creationId xmlns:a16="http://schemas.microsoft.com/office/drawing/2014/main" id="{E2BA622C-AC7B-4BB0-8F32-48B3A14892CD}"/>
+                <a16:creationId xmlns:a16="http://schemas.microsoft.com/office/drawing/2014/main" id="{B8579D4D-174A-4094-B7D6-82D73F6A0EFF}"/>
               </a:ext>
             </a:extLst>
           </p:cNvPr>
@@ -16830,7 +16923,7 @@
           <p:nvPr/>
         </p:nvPicPr>
         <p:blipFill>
-          <a:blip r:embed="rId17" cstate="print">
+          <a:blip r:embed="rId18" cstate="print">
             <a:extLst>
               <a:ext uri="{28A0092B-C50C-407E-A947-70E740481C1C}">
                 <a14:useLocalDpi xmlns:a14="http://schemas.microsoft.com/office/drawing/2010/main" val="0"/>
@@ -16844,8 +16937,8 @@
         </p:blipFill>
         <p:spPr bwMode="auto">
           <a:xfrm>
-            <a:off x="715894" y="3773034"/>
-            <a:ext cx="871485" cy="871485"/>
+            <a:off x="4304149" y="2873837"/>
+            <a:ext cx="562096" cy="723912"/>
           </a:xfrm>
           <a:prstGeom prst="rect">
             <a:avLst/>
@@ -16864,10 +16957,10 @@
       </p:pic>
       <p:sp>
         <p:nvSpPr>
-          <p:cNvPr id="13" name="Flecha: a la izquierda y derecha 12">
+          <p:cNvPr id="27" name="Flecha: hacia arriba 26">
             <a:extLst>
               <a:ext uri="{FF2B5EF4-FFF2-40B4-BE49-F238E27FC236}">
-                <a16:creationId xmlns:a16="http://schemas.microsoft.com/office/drawing/2014/main" id="{2D1A6D4F-20B4-4AEC-A052-8E6A026626C0}"/>
+                <a16:creationId xmlns:a16="http://schemas.microsoft.com/office/drawing/2014/main" id="{0D151D08-91C6-46D3-9090-B230D37EE6B3}"/>
               </a:ext>
             </a:extLst>
           </p:cNvPr>
@@ -16875,12 +16968,15 @@
           <p:nvPr/>
         </p:nvSpPr>
         <p:spPr>
-          <a:xfrm rot="2877177">
-            <a:off x="1546718" y="4531067"/>
-            <a:ext cx="842221" cy="168609"/>
+          <a:xfrm rot="2359262">
+            <a:off x="3002050" y="2548195"/>
+            <a:ext cx="254093" cy="576996"/>
           </a:xfrm>
-          <a:prstGeom prst="leftRightArrow">
-            <a:avLst/>
+          <a:prstGeom prst="upArrow">
+            <a:avLst>
+              <a:gd name="adj1" fmla="val 28192"/>
+              <a:gd name="adj2" fmla="val 79729"/>
+            </a:avLst>
           </a:prstGeom>
         </p:spPr>
         <p:style>
@@ -16905,6 +17001,558 @@
           <a:p>
             <a:pPr algn="ctr"/>
             <a:endParaRPr lang="es-BO"/>
+          </a:p>
+        </p:txBody>
+      </p:sp>
+      <p:sp>
+        <p:nvSpPr>
+          <p:cNvPr id="28" name="Flecha: hacia arriba 27">
+            <a:extLst>
+              <a:ext uri="{FF2B5EF4-FFF2-40B4-BE49-F238E27FC236}">
+                <a16:creationId xmlns:a16="http://schemas.microsoft.com/office/drawing/2014/main" id="{6B8E688A-A8EA-4C97-ACE3-0626C3C3EC1C}"/>
+              </a:ext>
+            </a:extLst>
+          </p:cNvPr>
+          <p:cNvSpPr/>
+          <p:nvPr/>
+        </p:nvSpPr>
+        <p:spPr>
+          <a:xfrm rot="21184484">
+            <a:off x="4112848" y="2792176"/>
+            <a:ext cx="254093" cy="507247"/>
+          </a:xfrm>
+          <a:prstGeom prst="upArrow">
+            <a:avLst>
+              <a:gd name="adj1" fmla="val 28192"/>
+              <a:gd name="adj2" fmla="val 79729"/>
+            </a:avLst>
+          </a:prstGeom>
+        </p:spPr>
+        <p:style>
+          <a:lnRef idx="2">
+            <a:schemeClr val="accent1">
+              <a:shade val="50000"/>
+            </a:schemeClr>
+          </a:lnRef>
+          <a:fillRef idx="1">
+            <a:schemeClr val="accent1"/>
+          </a:fillRef>
+          <a:effectRef idx="0">
+            <a:schemeClr val="accent1"/>
+          </a:effectRef>
+          <a:fontRef idx="minor">
+            <a:schemeClr val="lt1"/>
+          </a:fontRef>
+        </p:style>
+        <p:txBody>
+          <a:bodyPr rtlCol="0" anchor="ctr"/>
+          <a:lstStyle/>
+          <a:p>
+            <a:pPr algn="ctr"/>
+            <a:endParaRPr lang="es-BO"/>
+          </a:p>
+        </p:txBody>
+      </p:sp>
+      <p:sp>
+        <p:nvSpPr>
+          <p:cNvPr id="29" name="Flecha: a la derecha 28">
+            <a:extLst>
+              <a:ext uri="{FF2B5EF4-FFF2-40B4-BE49-F238E27FC236}">
+                <a16:creationId xmlns:a16="http://schemas.microsoft.com/office/drawing/2014/main" id="{FDE02BE4-934E-4824-84BA-34FEDB83F78D}"/>
+              </a:ext>
+            </a:extLst>
+          </p:cNvPr>
+          <p:cNvSpPr/>
+          <p:nvPr/>
+        </p:nvSpPr>
+        <p:spPr>
+          <a:xfrm>
+            <a:off x="6380000" y="1741231"/>
+            <a:ext cx="489971" cy="292782"/>
+          </a:xfrm>
+          <a:prstGeom prst="rightArrow">
+            <a:avLst/>
+          </a:prstGeom>
+        </p:spPr>
+        <p:style>
+          <a:lnRef idx="2">
+            <a:schemeClr val="accent2">
+              <a:shade val="50000"/>
+            </a:schemeClr>
+          </a:lnRef>
+          <a:fillRef idx="1">
+            <a:schemeClr val="accent2"/>
+          </a:fillRef>
+          <a:effectRef idx="0">
+            <a:schemeClr val="accent2"/>
+          </a:effectRef>
+          <a:fontRef idx="minor">
+            <a:schemeClr val="lt1"/>
+          </a:fontRef>
+        </p:style>
+        <p:txBody>
+          <a:bodyPr rtlCol="0" anchor="ctr"/>
+          <a:lstStyle/>
+          <a:p>
+            <a:pPr algn="ctr"/>
+            <a:endParaRPr lang="es-BO"/>
+          </a:p>
+        </p:txBody>
+      </p:sp>
+      <p:pic>
+        <p:nvPicPr>
+          <p:cNvPr id="36" name="Picture 10" descr="Resultado de imagen para parque icon">
+            <a:extLst>
+              <a:ext uri="{FF2B5EF4-FFF2-40B4-BE49-F238E27FC236}">
+                <a16:creationId xmlns:a16="http://schemas.microsoft.com/office/drawing/2014/main" id="{ED217EA0-0AE6-4460-A3A3-63A5B9613323}"/>
+              </a:ext>
+            </a:extLst>
+          </p:cNvPr>
+          <p:cNvPicPr>
+            <a:picLocks noChangeAspect="1" noChangeArrowheads="1"/>
+          </p:cNvPicPr>
+          <p:nvPr/>
+        </p:nvPicPr>
+        <p:blipFill>
+          <a:blip r:embed="rId8" cstate="print">
+            <a:extLst>
+              <a:ext uri="{28A0092B-C50C-407E-A947-70E740481C1C}">
+                <a14:useLocalDpi xmlns:a14="http://schemas.microsoft.com/office/drawing/2010/main" val="0"/>
+              </a:ext>
+            </a:extLst>
+          </a:blip>
+          <a:srcRect/>
+          <a:stretch>
+            <a:fillRect/>
+          </a:stretch>
+        </p:blipFill>
+        <p:spPr bwMode="auto">
+          <a:xfrm>
+            <a:off x="8153400" y="939815"/>
+            <a:ext cx="228600" cy="228600"/>
+          </a:xfrm>
+          <a:prstGeom prst="rect">
+            <a:avLst/>
+          </a:prstGeom>
+          <a:noFill/>
+          <a:extLst>
+            <a:ext uri="{909E8E84-426E-40DD-AFC4-6F175D3DCCD1}">
+              <a14:hiddenFill xmlns:a14="http://schemas.microsoft.com/office/drawing/2010/main">
+                <a:solidFill>
+                  <a:srgbClr val="FFFFFF"/>
+                </a:solidFill>
+              </a14:hiddenFill>
+            </a:ext>
+          </a:extLst>
+        </p:spPr>
+      </p:pic>
+      <p:pic>
+        <p:nvPicPr>
+          <p:cNvPr id="37" name="Picture 14" descr="Resultado de imagen para acera icon">
+            <a:extLst>
+              <a:ext uri="{FF2B5EF4-FFF2-40B4-BE49-F238E27FC236}">
+                <a16:creationId xmlns:a16="http://schemas.microsoft.com/office/drawing/2014/main" id="{10E20E4B-54CF-49B0-8F2E-3BB24000A391}"/>
+              </a:ext>
+            </a:extLst>
+          </p:cNvPr>
+          <p:cNvPicPr>
+            <a:picLocks noChangeAspect="1" noChangeArrowheads="1"/>
+          </p:cNvPicPr>
+          <p:nvPr/>
+        </p:nvPicPr>
+        <p:blipFill>
+          <a:blip r:embed="rId10" cstate="print">
+            <a:extLst>
+              <a:ext uri="{28A0092B-C50C-407E-A947-70E740481C1C}">
+                <a14:useLocalDpi xmlns:a14="http://schemas.microsoft.com/office/drawing/2010/main" val="0"/>
+              </a:ext>
+            </a:extLst>
+          </a:blip>
+          <a:srcRect/>
+          <a:stretch>
+            <a:fillRect/>
+          </a:stretch>
+        </p:blipFill>
+        <p:spPr bwMode="auto">
+          <a:xfrm>
+            <a:off x="7875274" y="1204741"/>
+            <a:ext cx="229612" cy="229612"/>
+          </a:xfrm>
+          <a:prstGeom prst="rect">
+            <a:avLst/>
+          </a:prstGeom>
+          <a:noFill/>
+          <a:extLst>
+            <a:ext uri="{909E8E84-426E-40DD-AFC4-6F175D3DCCD1}">
+              <a14:hiddenFill xmlns:a14="http://schemas.microsoft.com/office/drawing/2010/main">
+                <a:solidFill>
+                  <a:srgbClr val="FFFFFF"/>
+                </a:solidFill>
+              </a14:hiddenFill>
+            </a:ext>
+          </a:extLst>
+        </p:spPr>
+      </p:pic>
+      <p:pic>
+        <p:nvPicPr>
+          <p:cNvPr id="38" name="Picture 16" descr="Resultado de imagen para casa icon">
+            <a:extLst>
+              <a:ext uri="{FF2B5EF4-FFF2-40B4-BE49-F238E27FC236}">
+                <a16:creationId xmlns:a16="http://schemas.microsoft.com/office/drawing/2014/main" id="{12752B25-B71F-4440-A13A-7375EE8ECC0D}"/>
+              </a:ext>
+            </a:extLst>
+          </p:cNvPr>
+          <p:cNvPicPr>
+            <a:picLocks noChangeAspect="1" noChangeArrowheads="1"/>
+          </p:cNvPicPr>
+          <p:nvPr/>
+        </p:nvPicPr>
+        <p:blipFill>
+          <a:blip r:embed="rId11" cstate="print">
+            <a:extLst>
+              <a:ext uri="{28A0092B-C50C-407E-A947-70E740481C1C}">
+                <a14:useLocalDpi xmlns:a14="http://schemas.microsoft.com/office/drawing/2010/main" val="0"/>
+              </a:ext>
+            </a:extLst>
+          </a:blip>
+          <a:srcRect/>
+          <a:stretch>
+            <a:fillRect/>
+          </a:stretch>
+        </p:blipFill>
+        <p:spPr bwMode="auto">
+          <a:xfrm>
+            <a:off x="7910099" y="962140"/>
+            <a:ext cx="206275" cy="206275"/>
+          </a:xfrm>
+          <a:prstGeom prst="rect">
+            <a:avLst/>
+          </a:prstGeom>
+          <a:noFill/>
+          <a:extLst>
+            <a:ext uri="{909E8E84-426E-40DD-AFC4-6F175D3DCCD1}">
+              <a14:hiddenFill xmlns:a14="http://schemas.microsoft.com/office/drawing/2010/main">
+                <a:solidFill>
+                  <a:srgbClr val="FFFFFF"/>
+                </a:solidFill>
+              </a14:hiddenFill>
+            </a:ext>
+          </a:extLst>
+        </p:spPr>
+      </p:pic>
+      <p:pic>
+        <p:nvPicPr>
+          <p:cNvPr id="39" name="Picture 18" descr="Resultado de imagen para edificio icon">
+            <a:extLst>
+              <a:ext uri="{FF2B5EF4-FFF2-40B4-BE49-F238E27FC236}">
+                <a16:creationId xmlns:a16="http://schemas.microsoft.com/office/drawing/2014/main" id="{940FD9C7-927C-4E8B-AD49-111F12D7E3A6}"/>
+              </a:ext>
+            </a:extLst>
+          </p:cNvPr>
+          <p:cNvPicPr>
+            <a:picLocks noChangeAspect="1" noChangeArrowheads="1"/>
+          </p:cNvPicPr>
+          <p:nvPr/>
+        </p:nvPicPr>
+        <p:blipFill rotWithShape="1">
+          <a:blip r:embed="rId12" cstate="print">
+            <a:extLst>
+              <a:ext uri="{28A0092B-C50C-407E-A947-70E740481C1C}">
+                <a14:useLocalDpi xmlns:a14="http://schemas.microsoft.com/office/drawing/2010/main" val="0"/>
+              </a:ext>
+            </a:extLst>
+          </a:blip>
+          <a:srcRect l="14568" t="-390" r="12857" b="390"/>
+          <a:stretch/>
+        </p:blipFill>
+        <p:spPr bwMode="auto">
+          <a:xfrm>
+            <a:off x="8140186" y="1203485"/>
+            <a:ext cx="200279" cy="275961"/>
+          </a:xfrm>
+          <a:prstGeom prst="rect">
+            <a:avLst/>
+          </a:prstGeom>
+          <a:noFill/>
+          <a:extLst>
+            <a:ext uri="{909E8E84-426E-40DD-AFC4-6F175D3DCCD1}">
+              <a14:hiddenFill xmlns:a14="http://schemas.microsoft.com/office/drawing/2010/main">
+                <a:solidFill>
+                  <a:srgbClr val="FFFFFF"/>
+                </a:solidFill>
+              </a14:hiddenFill>
+            </a:ext>
+          </a:extLst>
+        </p:spPr>
+      </p:pic>
+      <p:sp>
+        <p:nvSpPr>
+          <p:cNvPr id="40" name="Flecha: a la derecha 39">
+            <a:extLst>
+              <a:ext uri="{FF2B5EF4-FFF2-40B4-BE49-F238E27FC236}">
+                <a16:creationId xmlns:a16="http://schemas.microsoft.com/office/drawing/2014/main" id="{8C674D0F-D001-47C1-BD73-38C9FD03BFDE}"/>
+              </a:ext>
+            </a:extLst>
+          </p:cNvPr>
+          <p:cNvSpPr/>
+          <p:nvPr/>
+        </p:nvSpPr>
+        <p:spPr>
+          <a:xfrm rot="7546719">
+            <a:off x="6370406" y="3017945"/>
+            <a:ext cx="1105248" cy="292782"/>
+          </a:xfrm>
+          <a:prstGeom prst="rightArrow">
+            <a:avLst/>
+          </a:prstGeom>
+        </p:spPr>
+        <p:style>
+          <a:lnRef idx="2">
+            <a:schemeClr val="accent2">
+              <a:shade val="50000"/>
+            </a:schemeClr>
+          </a:lnRef>
+          <a:fillRef idx="1">
+            <a:schemeClr val="accent2"/>
+          </a:fillRef>
+          <a:effectRef idx="0">
+            <a:schemeClr val="accent2"/>
+          </a:effectRef>
+          <a:fontRef idx="minor">
+            <a:schemeClr val="lt1"/>
+          </a:fontRef>
+        </p:style>
+        <p:txBody>
+          <a:bodyPr rtlCol="0" anchor="ctr"/>
+          <a:lstStyle/>
+          <a:p>
+            <a:pPr algn="ctr"/>
+            <a:endParaRPr lang="es-BO"/>
+          </a:p>
+        </p:txBody>
+      </p:sp>
+      <p:sp>
+        <p:nvSpPr>
+          <p:cNvPr id="41" name="Flecha: hacia arriba 40">
+            <a:extLst>
+              <a:ext uri="{FF2B5EF4-FFF2-40B4-BE49-F238E27FC236}">
+                <a16:creationId xmlns:a16="http://schemas.microsoft.com/office/drawing/2014/main" id="{1806DD0F-DED0-4C9C-A971-5D3DEE0439A9}"/>
+              </a:ext>
+            </a:extLst>
+          </p:cNvPr>
+          <p:cNvSpPr/>
+          <p:nvPr/>
+        </p:nvSpPr>
+        <p:spPr>
+          <a:xfrm rot="13651085">
+            <a:off x="4793693" y="4401837"/>
+            <a:ext cx="254093" cy="1013420"/>
+          </a:xfrm>
+          <a:prstGeom prst="upArrow">
+            <a:avLst>
+              <a:gd name="adj1" fmla="val 28192"/>
+              <a:gd name="adj2" fmla="val 79729"/>
+            </a:avLst>
+          </a:prstGeom>
+        </p:spPr>
+        <p:style>
+          <a:lnRef idx="2">
+            <a:schemeClr val="accent1">
+              <a:shade val="50000"/>
+            </a:schemeClr>
+          </a:lnRef>
+          <a:fillRef idx="1">
+            <a:schemeClr val="accent1"/>
+          </a:fillRef>
+          <a:effectRef idx="0">
+            <a:schemeClr val="accent1"/>
+          </a:effectRef>
+          <a:fontRef idx="minor">
+            <a:schemeClr val="lt1"/>
+          </a:fontRef>
+        </p:style>
+        <p:txBody>
+          <a:bodyPr rtlCol="0" anchor="ctr"/>
+          <a:lstStyle/>
+          <a:p>
+            <a:pPr algn="ctr"/>
+            <a:endParaRPr lang="es-BO"/>
+          </a:p>
+        </p:txBody>
+      </p:sp>
+      <p:sp>
+        <p:nvSpPr>
+          <p:cNvPr id="42" name="Flecha: hacia arriba 41">
+            <a:extLst>
+              <a:ext uri="{FF2B5EF4-FFF2-40B4-BE49-F238E27FC236}">
+                <a16:creationId xmlns:a16="http://schemas.microsoft.com/office/drawing/2014/main" id="{2C72F995-8F51-4FA2-9794-BDE3B78D593E}"/>
+              </a:ext>
+            </a:extLst>
+          </p:cNvPr>
+          <p:cNvSpPr/>
+          <p:nvPr/>
+        </p:nvSpPr>
+        <p:spPr>
+          <a:xfrm rot="10800000">
+            <a:off x="5911131" y="4705465"/>
+            <a:ext cx="254093" cy="653023"/>
+          </a:xfrm>
+          <a:prstGeom prst="upArrow">
+            <a:avLst>
+              <a:gd name="adj1" fmla="val 28192"/>
+              <a:gd name="adj2" fmla="val 79729"/>
+            </a:avLst>
+          </a:prstGeom>
+        </p:spPr>
+        <p:style>
+          <a:lnRef idx="2">
+            <a:schemeClr val="accent1">
+              <a:shade val="50000"/>
+            </a:schemeClr>
+          </a:lnRef>
+          <a:fillRef idx="1">
+            <a:schemeClr val="accent1"/>
+          </a:fillRef>
+          <a:effectRef idx="0">
+            <a:schemeClr val="accent1"/>
+          </a:effectRef>
+          <a:fontRef idx="minor">
+            <a:schemeClr val="lt1"/>
+          </a:fontRef>
+        </p:style>
+        <p:txBody>
+          <a:bodyPr rtlCol="0" anchor="ctr"/>
+          <a:lstStyle/>
+          <a:p>
+            <a:pPr algn="ctr"/>
+            <a:endParaRPr lang="es-BO"/>
+          </a:p>
+        </p:txBody>
+      </p:sp>
+      <p:sp>
+        <p:nvSpPr>
+          <p:cNvPr id="43" name="CuadroTexto 42">
+            <a:extLst>
+              <a:ext uri="{FF2B5EF4-FFF2-40B4-BE49-F238E27FC236}">
+                <a16:creationId xmlns:a16="http://schemas.microsoft.com/office/drawing/2014/main" id="{98A37E65-80D4-4355-A4F9-3C2388D3722A}"/>
+              </a:ext>
+            </a:extLst>
+          </p:cNvPr>
+          <p:cNvSpPr txBox="1"/>
+          <p:nvPr/>
+        </p:nvSpPr>
+        <p:spPr>
+          <a:xfrm>
+            <a:off x="3679545" y="5966327"/>
+            <a:ext cx="1259271" cy="338554"/>
+          </a:xfrm>
+          <a:prstGeom prst="rect">
+            <a:avLst/>
+          </a:prstGeom>
+          <a:noFill/>
+        </p:spPr>
+        <p:txBody>
+          <a:bodyPr wrap="square" rtlCol="0">
+            <a:spAutoFit/>
+          </a:bodyPr>
+          <a:lstStyle/>
+          <a:p>
+            <a:r>
+              <a:rPr lang="en-US" sz="1600" dirty="0">
+                <a:solidFill>
+                  <a:schemeClr val="bg2"/>
+                </a:solidFill>
+              </a:rPr>
+              <a:t>Material</a:t>
+            </a:r>
+            <a:endParaRPr lang="es-BO" sz="1600" dirty="0">
+              <a:solidFill>
+                <a:schemeClr val="bg2"/>
+              </a:solidFill>
+            </a:endParaRPr>
+          </a:p>
+        </p:txBody>
+      </p:sp>
+      <p:sp>
+        <p:nvSpPr>
+          <p:cNvPr id="44" name="CuadroTexto 43">
+            <a:extLst>
+              <a:ext uri="{FF2B5EF4-FFF2-40B4-BE49-F238E27FC236}">
+                <a16:creationId xmlns:a16="http://schemas.microsoft.com/office/drawing/2014/main" id="{A6FE10D4-7C4A-4F26-85BE-219F947491AD}"/>
+              </a:ext>
+            </a:extLst>
+          </p:cNvPr>
+          <p:cNvSpPr txBox="1"/>
+          <p:nvPr/>
+        </p:nvSpPr>
+        <p:spPr>
+          <a:xfrm>
+            <a:off x="5426500" y="6151542"/>
+            <a:ext cx="1189952" cy="338554"/>
+          </a:xfrm>
+          <a:prstGeom prst="rect">
+            <a:avLst/>
+          </a:prstGeom>
+          <a:noFill/>
+        </p:spPr>
+        <p:txBody>
+          <a:bodyPr wrap="square" rtlCol="0">
+            <a:spAutoFit/>
+          </a:bodyPr>
+          <a:lstStyle/>
+          <a:p>
+            <a:r>
+              <a:rPr lang="en-US" sz="1600" dirty="0">
+                <a:solidFill>
+                  <a:schemeClr val="bg2"/>
+                </a:solidFill>
+              </a:rPr>
+              <a:t>Tiempo</a:t>
+            </a:r>
+            <a:endParaRPr lang="es-BO" sz="1600" dirty="0">
+              <a:solidFill>
+                <a:schemeClr val="bg2"/>
+              </a:solidFill>
+            </a:endParaRPr>
+          </a:p>
+        </p:txBody>
+      </p:sp>
+      <p:sp>
+        <p:nvSpPr>
+          <p:cNvPr id="45" name="CuadroTexto 44">
+            <a:extLst>
+              <a:ext uri="{FF2B5EF4-FFF2-40B4-BE49-F238E27FC236}">
+                <a16:creationId xmlns:a16="http://schemas.microsoft.com/office/drawing/2014/main" id="{1C2988F3-E807-47C6-A945-A87FC9D3F922}"/>
+              </a:ext>
+            </a:extLst>
+          </p:cNvPr>
+          <p:cNvSpPr txBox="1"/>
+          <p:nvPr/>
+        </p:nvSpPr>
+        <p:spPr>
+          <a:xfrm>
+            <a:off x="7052152" y="6045814"/>
+            <a:ext cx="1329847" cy="338554"/>
+          </a:xfrm>
+          <a:prstGeom prst="rect">
+            <a:avLst/>
+          </a:prstGeom>
+          <a:noFill/>
+        </p:spPr>
+        <p:txBody>
+          <a:bodyPr wrap="square" rtlCol="0">
+            <a:spAutoFit/>
+          </a:bodyPr>
+          <a:lstStyle/>
+          <a:p>
+            <a:r>
+              <a:rPr lang="es-BO" sz="1600" dirty="0">
+                <a:solidFill>
+                  <a:schemeClr val="bg2"/>
+                </a:solidFill>
+              </a:rPr>
+              <a:t>Económico</a:t>
+            </a:r>
           </a:p>
         </p:txBody>
       </p:sp>
@@ -16974,7 +17622,7 @@
                                           </p:stCondLst>
                                         </p:cTn>
                                         <p:tgtEl>
-                                          <p:spTgt spid="10"/>
+                                          <p:spTgt spid="1030"/>
                                         </p:tgtEl>
                                         <p:attrNameLst>
                                           <p:attrName>style.visibility</p:attrName>
@@ -17001,7 +17649,7 @@
                                           </p:stCondLst>
                                         </p:cTn>
                                         <p:tgtEl>
-                                          <p:spTgt spid="1030"/>
+                                          <p:spTgt spid="10"/>
                                         </p:tgtEl>
                                         <p:attrNameLst>
                                           <p:attrName>style.visibility</p:attrName>
@@ -17046,7 +17694,7 @@
                                           </p:stCondLst>
                                         </p:cTn>
                                         <p:tgtEl>
-                                          <p:spTgt spid="1032"/>
+                                          <p:spTgt spid="1042"/>
                                         </p:tgtEl>
                                         <p:attrNameLst>
                                           <p:attrName>style.visibility</p:attrName>
@@ -17060,7 +17708,7 @@
                                 </p:cTn>
                               </p:par>
                               <p:par>
-                                <p:cTn id="15" presetID="1" presetClass="entr" presetSubtype="0" fill="hold" grpId="0" nodeType="withEffect">
+                                <p:cTn id="15" presetID="1" presetClass="entr" presetSubtype="0" fill="hold" nodeType="withEffect">
                                   <p:stCondLst>
                                     <p:cond delay="0"/>
                                   </p:stCondLst>
@@ -17073,7 +17721,7 @@
                                           </p:stCondLst>
                                         </p:cTn>
                                         <p:tgtEl>
-                                          <p:spTgt spid="8"/>
+                                          <p:spTgt spid="1038"/>
                                         </p:tgtEl>
                                         <p:attrNameLst>
                                           <p:attrName>style.visibility</p:attrName>
@@ -17087,7 +17735,7 @@
                                 </p:cTn>
                               </p:par>
                               <p:par>
-                                <p:cTn id="17" presetID="1" presetClass="entr" presetSubtype="0" fill="hold" grpId="0" nodeType="withEffect">
+                                <p:cTn id="17" presetID="1" presetClass="entr" presetSubtype="0" fill="hold" nodeType="withEffect">
                                   <p:stCondLst>
                                     <p:cond delay="0"/>
                                   </p:stCondLst>
@@ -17100,7 +17748,61 @@
                                           </p:stCondLst>
                                         </p:cTn>
                                         <p:tgtEl>
-                                          <p:spTgt spid="7"/>
+                                          <p:spTgt spid="1040"/>
+                                        </p:tgtEl>
+                                        <p:attrNameLst>
+                                          <p:attrName>style.visibility</p:attrName>
+                                        </p:attrNameLst>
+                                      </p:cBhvr>
+                                      <p:to>
+                                        <p:strVal val="visible"/>
+                                      </p:to>
+                                    </p:set>
+                                  </p:childTnLst>
+                                </p:cTn>
+                              </p:par>
+                              <p:par>
+                                <p:cTn id="19" presetID="1" presetClass="entr" presetSubtype="0" fill="hold" nodeType="withEffect">
+                                  <p:stCondLst>
+                                    <p:cond delay="0"/>
+                                  </p:stCondLst>
+                                  <p:childTnLst>
+                                    <p:set>
+                                      <p:cBhvr>
+                                        <p:cTn id="20" dur="1" fill="hold">
+                                          <p:stCondLst>
+                                            <p:cond delay="0"/>
+                                          </p:stCondLst>
+                                        </p:cTn>
+                                        <p:tgtEl>
+                                          <p:spTgt spid="1034"/>
+                                        </p:tgtEl>
+                                        <p:attrNameLst>
+                                          <p:attrName>style.visibility</p:attrName>
+                                        </p:attrNameLst>
+                                      </p:cBhvr>
+                                      <p:to>
+                                        <p:strVal val="visible"/>
+                                      </p:to>
+                                    </p:set>
+                                  </p:childTnLst>
+                                </p:cTn>
+                              </p:par>
+                              <p:par>
+                                <p:cTn id="21" presetID="1" presetClass="entr" presetSubtype="0" fill="hold" grpId="0" nodeType="withEffect">
+                                  <p:stCondLst>
+                                    <p:cond delay="0"/>
+                                  </p:stCondLst>
+                                  <p:childTnLst>
+                                    <p:set>
+                                      <p:cBhvr>
+                                        <p:cTn id="22" dur="1" fill="hold">
+                                          <p:stCondLst>
+                                            <p:cond delay="0"/>
+                                          </p:stCondLst>
+                                        </p:cTn>
+                                        <p:tgtEl>
+                                          <p:spTgt spid="3"/>
                                         </p:tgtEl>
                                         <p:attrNameLst>
                                           <p:attrName>style.visibility</p:attrName>
@@ -17120,73 +17822,19 @@
                     </p:cTn>
                   </p:par>
                   <p:par>
-                    <p:cTn id="19" fill="hold">
+                    <p:cTn id="23" fill="hold">
                       <p:stCondLst>
                         <p:cond delay="indefinite"/>
                       </p:stCondLst>
                       <p:childTnLst>
                         <p:par>
-                          <p:cTn id="20" fill="hold">
+                          <p:cTn id="24" fill="hold">
                             <p:stCondLst>
                               <p:cond delay="0"/>
                             </p:stCondLst>
                             <p:childTnLst>
                               <p:par>
-                                <p:cTn id="21" presetID="1" presetClass="entr" presetSubtype="0" fill="hold" nodeType="clickEffect">
-                                  <p:stCondLst>
-                                    <p:cond delay="0"/>
-                                  </p:stCondLst>
-                                  <p:childTnLst>
-                                    <p:set>
-                                      <p:cBhvr>
-                                        <p:cTn id="22" dur="1" fill="hold">
-                                          <p:stCondLst>
-                                            <p:cond delay="0"/>
-                                          </p:stCondLst>
-                                        </p:cTn>
-                                        <p:tgtEl>
-                                          <p:spTgt spid="1036"/>
-                                        </p:tgtEl>
-                                        <p:attrNameLst>
-                                          <p:attrName>style.visibility</p:attrName>
-                                        </p:attrNameLst>
-                                      </p:cBhvr>
-                                      <p:to>
-                                        <p:strVal val="visible"/>
-                                      </p:to>
-                                    </p:set>
-                                  </p:childTnLst>
-                                </p:cTn>
-                              </p:par>
-                              <p:par>
-                                <p:cTn id="23" presetID="1" presetClass="entr" presetSubtype="0" fill="hold" nodeType="withEffect">
-                                  <p:stCondLst>
-                                    <p:cond delay="0"/>
-                                  </p:stCondLst>
-                                  <p:childTnLst>
-                                    <p:set>
-                                      <p:cBhvr>
-                                        <p:cTn id="24" dur="1" fill="hold">
-                                          <p:stCondLst>
-                                            <p:cond delay="0"/>
-                                          </p:stCondLst>
-                                        </p:cTn>
-                                        <p:tgtEl>
-                                          <p:spTgt spid="1034"/>
-                                        </p:tgtEl>
-                                        <p:attrNameLst>
-                                          <p:attrName>style.visibility</p:attrName>
-                                        </p:attrNameLst>
-                                      </p:cBhvr>
-                                      <p:to>
-                                        <p:strVal val="visible"/>
-                                      </p:to>
-                                    </p:set>
-                                  </p:childTnLst>
-                                </p:cTn>
-                              </p:par>
-                              <p:par>
-                                <p:cTn id="25" presetID="1" presetClass="entr" presetSubtype="0" fill="hold" nodeType="withEffect">
+                                <p:cTn id="25" presetID="1" presetClass="entr" presetSubtype="0" fill="hold" grpId="0" nodeType="clickEffect">
                                   <p:stCondLst>
                                     <p:cond delay="0"/>
                                   </p:stCondLst>
@@ -17199,7 +17847,7 @@
                                           </p:stCondLst>
                                         </p:cTn>
                                         <p:tgtEl>
-                                          <p:spTgt spid="1042"/>
+                                          <p:spTgt spid="27"/>
                                         </p:tgtEl>
                                         <p:attrNameLst>
                                           <p:attrName>style.visibility</p:attrName>
@@ -17226,7 +17874,7 @@
                                           </p:stCondLst>
                                         </p:cTn>
                                         <p:tgtEl>
-                                          <p:spTgt spid="1038"/>
+                                          <p:spTgt spid="1036"/>
                                         </p:tgtEl>
                                         <p:attrNameLst>
                                           <p:attrName>style.visibility</p:attrName>
@@ -17240,7 +17888,7 @@
                                 </p:cTn>
                               </p:par>
                               <p:par>
-                                <p:cTn id="29" presetID="1" presetClass="entr" presetSubtype="0" fill="hold" nodeType="withEffect">
+                                <p:cTn id="29" presetID="1" presetClass="entr" presetSubtype="0" fill="hold" grpId="0" nodeType="withEffect">
                                   <p:stCondLst>
                                     <p:cond delay="0"/>
                                   </p:stCondLst>
@@ -17253,7 +17901,34 @@
                                           </p:stCondLst>
                                         </p:cTn>
                                         <p:tgtEl>
-                                          <p:spTgt spid="1040"/>
+                                          <p:spTgt spid="28"/>
+                                        </p:tgtEl>
+                                        <p:attrNameLst>
+                                          <p:attrName>style.visibility</p:attrName>
+                                        </p:attrNameLst>
+                                      </p:cBhvr>
+                                      <p:to>
+                                        <p:strVal val="visible"/>
+                                      </p:to>
+                                    </p:set>
+                                  </p:childTnLst>
+                                </p:cTn>
+                              </p:par>
+                              <p:par>
+                                <p:cTn id="31" presetID="1" presetClass="entr" presetSubtype="0" fill="hold" nodeType="withEffect">
+                                  <p:stCondLst>
+                                    <p:cond delay="0"/>
+                                  </p:stCondLst>
+                                  <p:childTnLst>
+                                    <p:set>
+                                      <p:cBhvr>
+                                        <p:cTn id="32" dur="1" fill="hold">
+                                          <p:stCondLst>
+                                            <p:cond delay="0"/>
+                                          </p:stCondLst>
+                                        </p:cTn>
+                                        <p:tgtEl>
+                                          <p:spTgt spid="4"/>
                                         </p:tgtEl>
                                         <p:attrNameLst>
                                           <p:attrName>style.visibility</p:attrName>
@@ -17273,32 +17948,32 @@
                     </p:cTn>
                   </p:par>
                   <p:par>
-                    <p:cTn id="31" fill="hold">
+                    <p:cTn id="33" fill="hold">
                       <p:stCondLst>
                         <p:cond delay="indefinite"/>
                       </p:stCondLst>
                       <p:childTnLst>
                         <p:par>
-                          <p:cTn id="32" fill="hold">
+                          <p:cTn id="34" fill="hold">
                             <p:stCondLst>
                               <p:cond delay="0"/>
                             </p:stCondLst>
                             <p:childTnLst>
                               <p:par>
-                                <p:cTn id="33" presetID="1" presetClass="entr" presetSubtype="0" fill="hold" grpId="0" nodeType="clickEffect">
+                                <p:cTn id="35" presetID="1" presetClass="entr" presetSubtype="0" fill="hold" grpId="0" nodeType="clickEffect">
                                   <p:stCondLst>
                                     <p:cond delay="0"/>
                                   </p:stCondLst>
                                   <p:childTnLst>
                                     <p:set>
                                       <p:cBhvr>
-                                        <p:cTn id="34" dur="1" fill="hold">
+                                        <p:cTn id="36" dur="1" fill="hold">
                                           <p:stCondLst>
                                             <p:cond delay="0"/>
                                           </p:stCondLst>
                                         </p:cTn>
                                         <p:tgtEl>
-                                          <p:spTgt spid="12"/>
+                                          <p:spTgt spid="7"/>
                                         </p:tgtEl>
                                         <p:attrNameLst>
                                           <p:attrName>style.visibility</p:attrName>
@@ -17312,20 +17987,20 @@
                                 </p:cTn>
                               </p:par>
                               <p:par>
-                                <p:cTn id="35" presetID="1" presetClass="entr" presetSubtype="0" fill="hold" nodeType="withEffect">
+                                <p:cTn id="37" presetID="1" presetClass="entr" presetSubtype="0" fill="hold" nodeType="withEffect">
                                   <p:stCondLst>
                                     <p:cond delay="0"/>
                                   </p:stCondLst>
                                   <p:childTnLst>
                                     <p:set>
                                       <p:cBhvr>
-                                        <p:cTn id="36" dur="1" fill="hold">
+                                        <p:cTn id="38" dur="1" fill="hold">
                                           <p:stCondLst>
                                             <p:cond delay="0"/>
                                           </p:stCondLst>
                                         </p:cTn>
                                         <p:tgtEl>
-                                          <p:spTgt spid="1052"/>
+                                          <p:spTgt spid="1026"/>
                                         </p:tgtEl>
                                         <p:attrNameLst>
                                           <p:attrName>style.visibility</p:attrName>
@@ -17338,62 +18013,26 @@
                                   </p:childTnLst>
                                 </p:cTn>
                               </p:par>
+                            </p:childTnLst>
+                          </p:cTn>
+                        </p:par>
+                      </p:childTnLst>
+                    </p:cTn>
+                  </p:par>
+                  <p:par>
+                    <p:cTn id="39" fill="hold">
+                      <p:stCondLst>
+                        <p:cond delay="indefinite"/>
+                      </p:stCondLst>
+                      <p:childTnLst>
+                        <p:par>
+                          <p:cTn id="40" fill="hold">
+                            <p:stCondLst>
+                              <p:cond delay="0"/>
+                            </p:stCondLst>
+                            <p:childTnLst>
                               <p:par>
-                                <p:cTn id="37" presetID="1" presetClass="entr" presetSubtype="0" fill="hold" grpId="0" nodeType="withEffect">
-                                  <p:stCondLst>
-                                    <p:cond delay="0"/>
-                                  </p:stCondLst>
-                                  <p:childTnLst>
-                                    <p:set>
-                                      <p:cBhvr>
-                                        <p:cTn id="38" dur="1" fill="hold">
-                                          <p:stCondLst>
-                                            <p:cond delay="0"/>
-                                          </p:stCondLst>
-                                        </p:cTn>
-                                        <p:tgtEl>
-                                          <p:spTgt spid="9"/>
-                                        </p:tgtEl>
-                                        <p:attrNameLst>
-                                          <p:attrName>style.visibility</p:attrName>
-                                        </p:attrNameLst>
-                                      </p:cBhvr>
-                                      <p:to>
-                                        <p:strVal val="visible"/>
-                                      </p:to>
-                                    </p:set>
-                                  </p:childTnLst>
-                                </p:cTn>
-                              </p:par>
-                              <p:par>
-                                <p:cTn id="39" presetID="1" presetClass="entr" presetSubtype="0" fill="hold" nodeType="withEffect">
-                                  <p:stCondLst>
-                                    <p:cond delay="0"/>
-                                  </p:stCondLst>
-                                  <p:childTnLst>
-                                    <p:set>
-                                      <p:cBhvr>
-                                        <p:cTn id="40" dur="1" fill="hold">
-                                          <p:stCondLst>
-                                            <p:cond delay="0"/>
-                                          </p:stCondLst>
-                                        </p:cTn>
-                                        <p:tgtEl>
-                                          <p:spTgt spid="1046"/>
-                                        </p:tgtEl>
-                                        <p:attrNameLst>
-                                          <p:attrName>style.visibility</p:attrName>
-                                        </p:attrNameLst>
-                                      </p:cBhvr>
-                                      <p:to>
-                                        <p:strVal val="visible"/>
-                                      </p:to>
-                                    </p:set>
-                                  </p:childTnLst>
-                                </p:cTn>
-                              </p:par>
-                              <p:par>
-                                <p:cTn id="41" presetID="1" presetClass="entr" presetSubtype="0" fill="hold" nodeType="withEffect">
+                                <p:cTn id="41" presetID="1" presetClass="entr" presetSubtype="0" fill="hold" grpId="0" nodeType="clickEffect">
                                   <p:stCondLst>
                                     <p:cond delay="0"/>
                                   </p:stCondLst>
@@ -17406,7 +18045,7 @@
                                           </p:stCondLst>
                                         </p:cTn>
                                         <p:tgtEl>
-                                          <p:spTgt spid="1048"/>
+                                          <p:spTgt spid="29"/>
                                         </p:tgtEl>
                                         <p:attrNameLst>
                                           <p:attrName>style.visibility</p:attrName>
@@ -17433,7 +18072,7 @@
                                           </p:stCondLst>
                                         </p:cTn>
                                         <p:tgtEl>
-                                          <p:spTgt spid="1044"/>
+                                          <p:spTgt spid="1032"/>
                                         </p:tgtEl>
                                         <p:attrNameLst>
                                           <p:attrName>style.visibility</p:attrName>
@@ -17447,7 +18086,7 @@
                                 </p:cTn>
                               </p:par>
                               <p:par>
-                                <p:cTn id="45" presetID="1" presetClass="entr" presetSubtype="0" fill="hold" grpId="0" nodeType="withEffect">
+                                <p:cTn id="45" presetID="1" presetClass="entr" presetSubtype="0" fill="hold" nodeType="withEffect">
                                   <p:stCondLst>
                                     <p:cond delay="0"/>
                                   </p:stCondLst>
@@ -17460,7 +18099,7 @@
                                           </p:stCondLst>
                                         </p:cTn>
                                         <p:tgtEl>
-                                          <p:spTgt spid="13"/>
+                                          <p:spTgt spid="38"/>
                                         </p:tgtEl>
                                         <p:attrNameLst>
                                           <p:attrName>style.visibility</p:attrName>
@@ -17487,7 +18126,115 @@
                                           </p:stCondLst>
                                         </p:cTn>
                                         <p:tgtEl>
-                                          <p:spTgt spid="1054"/>
+                                          <p:spTgt spid="36"/>
+                                        </p:tgtEl>
+                                        <p:attrNameLst>
+                                          <p:attrName>style.visibility</p:attrName>
+                                        </p:attrNameLst>
+                                      </p:cBhvr>
+                                      <p:to>
+                                        <p:strVal val="visible"/>
+                                      </p:to>
+                                    </p:set>
+                                  </p:childTnLst>
+                                </p:cTn>
+                              </p:par>
+                              <p:par>
+                                <p:cTn id="49" presetID="1" presetClass="entr" presetSubtype="0" fill="hold" nodeType="withEffect">
+                                  <p:stCondLst>
+                                    <p:cond delay="0"/>
+                                  </p:stCondLst>
+                                  <p:childTnLst>
+                                    <p:set>
+                                      <p:cBhvr>
+                                        <p:cTn id="50" dur="1" fill="hold">
+                                          <p:stCondLst>
+                                            <p:cond delay="0"/>
+                                          </p:stCondLst>
+                                        </p:cTn>
+                                        <p:tgtEl>
+                                          <p:spTgt spid="39"/>
+                                        </p:tgtEl>
+                                        <p:attrNameLst>
+                                          <p:attrName>style.visibility</p:attrName>
+                                        </p:attrNameLst>
+                                      </p:cBhvr>
+                                      <p:to>
+                                        <p:strVal val="visible"/>
+                                      </p:to>
+                                    </p:set>
+                                  </p:childTnLst>
+                                </p:cTn>
+                              </p:par>
+                              <p:par>
+                                <p:cTn id="51" presetID="1" presetClass="entr" presetSubtype="0" fill="hold" nodeType="withEffect">
+                                  <p:stCondLst>
+                                    <p:cond delay="0"/>
+                                  </p:stCondLst>
+                                  <p:childTnLst>
+                                    <p:set>
+                                      <p:cBhvr>
+                                        <p:cTn id="52" dur="1" fill="hold">
+                                          <p:stCondLst>
+                                            <p:cond delay="0"/>
+                                          </p:stCondLst>
+                                        </p:cTn>
+                                        <p:tgtEl>
+                                          <p:spTgt spid="37"/>
+                                        </p:tgtEl>
+                                        <p:attrNameLst>
+                                          <p:attrName>style.visibility</p:attrName>
+                                        </p:attrNameLst>
+                                      </p:cBhvr>
+                                      <p:to>
+                                        <p:strVal val="visible"/>
+                                      </p:to>
+                                    </p:set>
+                                  </p:childTnLst>
+                                </p:cTn>
+                              </p:par>
+                              <p:par>
+                                <p:cTn id="53" presetID="1" presetClass="entr" presetSubtype="0" fill="hold" nodeType="withEffect">
+                                  <p:stCondLst>
+                                    <p:cond delay="0"/>
+                                  </p:stCondLst>
+                                  <p:childTnLst>
+                                    <p:set>
+                                      <p:cBhvr>
+                                        <p:cTn id="54" dur="1" fill="hold">
+                                          <p:stCondLst>
+                                            <p:cond delay="0"/>
+                                          </p:stCondLst>
+                                        </p:cTn>
+                                        <p:tgtEl>
+                                          <p:spTgt spid="5"/>
+                                        </p:tgtEl>
+                                        <p:attrNameLst>
+                                          <p:attrName>style.visibility</p:attrName>
+                                        </p:attrNameLst>
+                                      </p:cBhvr>
+                                      <p:to>
+                                        <p:strVal val="visible"/>
+                                      </p:to>
+                                    </p:set>
+                                  </p:childTnLst>
+                                </p:cTn>
+                              </p:par>
+                              <p:par>
+                                <p:cTn id="55" presetID="1" presetClass="entr" presetSubtype="0" fill="hold" grpId="0" nodeType="withEffect">
+                                  <p:stCondLst>
+                                    <p:cond delay="0"/>
+                                  </p:stCondLst>
+                                  <p:childTnLst>
+                                    <p:set>
+                                      <p:cBhvr>
+                                        <p:cTn id="56" dur="1" fill="hold">
+                                          <p:stCondLst>
+                                            <p:cond delay="0"/>
+                                          </p:stCondLst>
+                                        </p:cTn>
+                                        <p:tgtEl>
+                                          <p:spTgt spid="8"/>
                                         </p:tgtEl>
                                         <p:attrNameLst>
                                           <p:attrName>style.visibility</p:attrName>
@@ -17507,26 +18254,53 @@
                     </p:cTn>
                   </p:par>
                   <p:par>
-                    <p:cTn id="49" fill="hold">
+                    <p:cTn id="57" fill="hold">
                       <p:stCondLst>
                         <p:cond delay="indefinite"/>
                       </p:stCondLst>
                       <p:childTnLst>
                         <p:par>
-                          <p:cTn id="50" fill="hold">
+                          <p:cTn id="58" fill="hold">
                             <p:stCondLst>
                               <p:cond delay="0"/>
                             </p:stCondLst>
                             <p:childTnLst>
                               <p:par>
-                                <p:cTn id="51" presetID="1" presetClass="entr" presetSubtype="0" fill="hold" nodeType="clickEffect">
+                                <p:cTn id="59" presetID="1" presetClass="entr" presetSubtype="0" fill="hold" grpId="0" nodeType="clickEffect">
                                   <p:stCondLst>
                                     <p:cond delay="0"/>
                                   </p:stCondLst>
                                   <p:childTnLst>
                                     <p:set>
                                       <p:cBhvr>
-                                        <p:cTn id="52" dur="1" fill="hold">
+                                        <p:cTn id="60" dur="1" fill="hold">
+                                          <p:stCondLst>
+                                            <p:cond delay="0"/>
+                                          </p:stCondLst>
+                                        </p:cTn>
+                                        <p:tgtEl>
+                                          <p:spTgt spid="40"/>
+                                        </p:tgtEl>
+                                        <p:attrNameLst>
+                                          <p:attrName>style.visibility</p:attrName>
+                                        </p:attrNameLst>
+                                      </p:cBhvr>
+                                      <p:to>
+                                        <p:strVal val="visible"/>
+                                      </p:to>
+                                    </p:set>
+                                  </p:childTnLst>
+                                </p:cTn>
+                              </p:par>
+                              <p:par>
+                                <p:cTn id="61" presetID="1" presetClass="entr" presetSubtype="0" fill="hold" nodeType="withEffect">
+                                  <p:stCondLst>
+                                    <p:cond delay="0"/>
+                                  </p:stCondLst>
+                                  <p:childTnLst>
+                                    <p:set>
+                                      <p:cBhvr>
+                                        <p:cTn id="62" dur="1" fill="hold">
                                           <p:stCondLst>
                                             <p:cond delay="0"/>
                                           </p:stCondLst>
@@ -17545,15 +18319,285 @@
                                   </p:childTnLst>
                                 </p:cTn>
                               </p:par>
+                            </p:childTnLst>
+                          </p:cTn>
+                        </p:par>
+                      </p:childTnLst>
+                    </p:cTn>
+                  </p:par>
+                  <p:par>
+                    <p:cTn id="63" fill="hold">
+                      <p:stCondLst>
+                        <p:cond delay="indefinite"/>
+                      </p:stCondLst>
+                      <p:childTnLst>
+                        <p:par>
+                          <p:cTn id="64" fill="hold">
+                            <p:stCondLst>
+                              <p:cond delay="0"/>
+                            </p:stCondLst>
+                            <p:childTnLst>
                               <p:par>
-                                <p:cTn id="53" presetID="1" presetClass="entr" presetSubtype="0" fill="hold" grpId="0" nodeType="withEffect">
+                                <p:cTn id="65" presetID="1" presetClass="entr" presetSubtype="0" fill="hold" grpId="0" nodeType="clickEffect">
                                   <p:stCondLst>
                                     <p:cond delay="0"/>
                                   </p:stCondLst>
                                   <p:childTnLst>
                                     <p:set>
                                       <p:cBhvr>
-                                        <p:cTn id="54" dur="1" fill="hold">
+                                        <p:cTn id="66" dur="1" fill="hold">
+                                          <p:stCondLst>
+                                            <p:cond delay="0"/>
+                                          </p:stCondLst>
+                                        </p:cTn>
+                                        <p:tgtEl>
+                                          <p:spTgt spid="41"/>
+                                        </p:tgtEl>
+                                        <p:attrNameLst>
+                                          <p:attrName>style.visibility</p:attrName>
+                                        </p:attrNameLst>
+                                      </p:cBhvr>
+                                      <p:to>
+                                        <p:strVal val="visible"/>
+                                      </p:to>
+                                    </p:set>
+                                  </p:childTnLst>
+                                </p:cTn>
+                              </p:par>
+                              <p:par>
+                                <p:cTn id="67" presetID="1" presetClass="entr" presetSubtype="0" fill="hold" nodeType="withEffect">
+                                  <p:stCondLst>
+                                    <p:cond delay="0"/>
+                                  </p:stCondLst>
+                                  <p:childTnLst>
+                                    <p:set>
+                                      <p:cBhvr>
+                                        <p:cTn id="68" dur="1" fill="hold">
+                                          <p:stCondLst>
+                                            <p:cond delay="0"/>
+                                          </p:stCondLst>
+                                        </p:cTn>
+                                        <p:tgtEl>
+                                          <p:spTgt spid="1044"/>
+                                        </p:tgtEl>
+                                        <p:attrNameLst>
+                                          <p:attrName>style.visibility</p:attrName>
+                                        </p:attrNameLst>
+                                      </p:cBhvr>
+                                      <p:to>
+                                        <p:strVal val="visible"/>
+                                      </p:to>
+                                    </p:set>
+                                  </p:childTnLst>
+                                </p:cTn>
+                              </p:par>
+                              <p:par>
+                                <p:cTn id="69" presetID="1" presetClass="entr" presetSubtype="0" fill="hold" grpId="0" nodeType="withEffect">
+                                  <p:stCondLst>
+                                    <p:cond delay="0"/>
+                                  </p:stCondLst>
+                                  <p:childTnLst>
+                                    <p:set>
+                                      <p:cBhvr>
+                                        <p:cTn id="70" dur="1" fill="hold">
+                                          <p:stCondLst>
+                                            <p:cond delay="0"/>
+                                          </p:stCondLst>
+                                        </p:cTn>
+                                        <p:tgtEl>
+                                          <p:spTgt spid="43"/>
+                                        </p:tgtEl>
+                                        <p:attrNameLst>
+                                          <p:attrName>style.visibility</p:attrName>
+                                        </p:attrNameLst>
+                                      </p:cBhvr>
+                                      <p:to>
+                                        <p:strVal val="visible"/>
+                                      </p:to>
+                                    </p:set>
+                                  </p:childTnLst>
+                                </p:cTn>
+                              </p:par>
+                            </p:childTnLst>
+                          </p:cTn>
+                        </p:par>
+                      </p:childTnLst>
+                    </p:cTn>
+                  </p:par>
+                  <p:par>
+                    <p:cTn id="71" fill="hold">
+                      <p:stCondLst>
+                        <p:cond delay="indefinite"/>
+                      </p:stCondLst>
+                      <p:childTnLst>
+                        <p:par>
+                          <p:cTn id="72" fill="hold">
+                            <p:stCondLst>
+                              <p:cond delay="0"/>
+                            </p:stCondLst>
+                            <p:childTnLst>
+                              <p:par>
+                                <p:cTn id="73" presetID="1" presetClass="entr" presetSubtype="0" fill="hold" grpId="0" nodeType="clickEffect">
+                                  <p:stCondLst>
+                                    <p:cond delay="0"/>
+                                  </p:stCondLst>
+                                  <p:childTnLst>
+                                    <p:set>
+                                      <p:cBhvr>
+                                        <p:cTn id="74" dur="1" fill="hold">
+                                          <p:stCondLst>
+                                            <p:cond delay="0"/>
+                                          </p:stCondLst>
+                                        </p:cTn>
+                                        <p:tgtEl>
+                                          <p:spTgt spid="44"/>
+                                        </p:tgtEl>
+                                        <p:attrNameLst>
+                                          <p:attrName>style.visibility</p:attrName>
+                                        </p:attrNameLst>
+                                      </p:cBhvr>
+                                      <p:to>
+                                        <p:strVal val="visible"/>
+                                      </p:to>
+                                    </p:set>
+                                  </p:childTnLst>
+                                </p:cTn>
+                              </p:par>
+                              <p:par>
+                                <p:cTn id="75" presetID="1" presetClass="entr" presetSubtype="0" fill="hold" nodeType="withEffect">
+                                  <p:stCondLst>
+                                    <p:cond delay="0"/>
+                                  </p:stCondLst>
+                                  <p:childTnLst>
+                                    <p:set>
+                                      <p:cBhvr>
+                                        <p:cTn id="76" dur="1" fill="hold">
+                                          <p:stCondLst>
+                                            <p:cond delay="0"/>
+                                          </p:stCondLst>
+                                        </p:cTn>
+                                        <p:tgtEl>
+                                          <p:spTgt spid="1048"/>
+                                        </p:tgtEl>
+                                        <p:attrNameLst>
+                                          <p:attrName>style.visibility</p:attrName>
+                                        </p:attrNameLst>
+                                      </p:cBhvr>
+                                      <p:to>
+                                        <p:strVal val="visible"/>
+                                      </p:to>
+                                    </p:set>
+                                  </p:childTnLst>
+                                </p:cTn>
+                              </p:par>
+                              <p:par>
+                                <p:cTn id="77" presetID="1" presetClass="entr" presetSubtype="0" fill="hold" grpId="0" nodeType="withEffect">
+                                  <p:stCondLst>
+                                    <p:cond delay="0"/>
+                                  </p:stCondLst>
+                                  <p:childTnLst>
+                                    <p:set>
+                                      <p:cBhvr>
+                                        <p:cTn id="78" dur="1" fill="hold">
+                                          <p:stCondLst>
+                                            <p:cond delay="0"/>
+                                          </p:stCondLst>
+                                        </p:cTn>
+                                        <p:tgtEl>
+                                          <p:spTgt spid="42"/>
+                                        </p:tgtEl>
+                                        <p:attrNameLst>
+                                          <p:attrName>style.visibility</p:attrName>
+                                        </p:attrNameLst>
+                                      </p:cBhvr>
+                                      <p:to>
+                                        <p:strVal val="visible"/>
+                                      </p:to>
+                                    </p:set>
+                                  </p:childTnLst>
+                                </p:cTn>
+                              </p:par>
+                            </p:childTnLst>
+                          </p:cTn>
+                        </p:par>
+                      </p:childTnLst>
+                    </p:cTn>
+                  </p:par>
+                  <p:par>
+                    <p:cTn id="79" fill="hold">
+                      <p:stCondLst>
+                        <p:cond delay="indefinite"/>
+                      </p:stCondLst>
+                      <p:childTnLst>
+                        <p:par>
+                          <p:cTn id="80" fill="hold">
+                            <p:stCondLst>
+                              <p:cond delay="0"/>
+                            </p:stCondLst>
+                            <p:childTnLst>
+                              <p:par>
+                                <p:cTn id="81" presetID="1" presetClass="entr" presetSubtype="0" fill="hold" grpId="0" nodeType="clickEffect">
+                                  <p:stCondLst>
+                                    <p:cond delay="0"/>
+                                  </p:stCondLst>
+                                  <p:childTnLst>
+                                    <p:set>
+                                      <p:cBhvr>
+                                        <p:cTn id="82" dur="1" fill="hold">
+                                          <p:stCondLst>
+                                            <p:cond delay="0"/>
+                                          </p:stCondLst>
+                                        </p:cTn>
+                                        <p:tgtEl>
+                                          <p:spTgt spid="45"/>
+                                        </p:tgtEl>
+                                        <p:attrNameLst>
+                                          <p:attrName>style.visibility</p:attrName>
+                                        </p:attrNameLst>
+                                      </p:cBhvr>
+                                      <p:to>
+                                        <p:strVal val="visible"/>
+                                      </p:to>
+                                    </p:set>
+                                  </p:childTnLst>
+                                </p:cTn>
+                              </p:par>
+                              <p:par>
+                                <p:cTn id="83" presetID="1" presetClass="entr" presetSubtype="0" fill="hold" nodeType="withEffect">
+                                  <p:stCondLst>
+                                    <p:cond delay="0"/>
+                                  </p:stCondLst>
+                                  <p:childTnLst>
+                                    <p:set>
+                                      <p:cBhvr>
+                                        <p:cTn id="84" dur="1" fill="hold">
+                                          <p:stCondLst>
+                                            <p:cond delay="0"/>
+                                          </p:stCondLst>
+                                        </p:cTn>
+                                        <p:tgtEl>
+                                          <p:spTgt spid="1046"/>
+                                        </p:tgtEl>
+                                        <p:attrNameLst>
+                                          <p:attrName>style.visibility</p:attrName>
+                                        </p:attrNameLst>
+                                      </p:cBhvr>
+                                      <p:to>
+                                        <p:strVal val="visible"/>
+                                      </p:to>
+                                    </p:set>
+                                  </p:childTnLst>
+                                </p:cTn>
+                              </p:par>
+                              <p:par>
+                                <p:cTn id="85" presetID="1" presetClass="entr" presetSubtype="0" fill="hold" grpId="0" nodeType="withEffect">
+                                  <p:stCondLst>
+                                    <p:cond delay="0"/>
+                                  </p:stCondLst>
+                                  <p:childTnLst>
+                                    <p:set>
+                                      <p:cBhvr>
+                                        <p:cTn id="86" dur="1" fill="hold">
                                           <p:stCondLst>
                                             <p:cond delay="0"/>
                                           </p:stCondLst>
@@ -17602,16 +18646,115 @@
     <p:bldLst>
       <p:bldP spid="7" grpId="0" animBg="1"/>
       <p:bldP spid="8" grpId="0"/>
-      <p:bldP spid="9" grpId="0" animBg="1"/>
       <p:bldP spid="11" grpId="0" animBg="1"/>
-      <p:bldP spid="12" grpId="0"/>
-      <p:bldP spid="13" grpId="0" animBg="1"/>
+      <p:bldP spid="3" grpId="0" animBg="1"/>
+      <p:bldP spid="27" grpId="0" animBg="1"/>
+      <p:bldP spid="28" grpId="0" animBg="1"/>
+      <p:bldP spid="29" grpId="0" animBg="1"/>
+      <p:bldP spid="40" grpId="0" animBg="1"/>
+      <p:bldP spid="41" grpId="0" animBg="1"/>
+      <p:bldP spid="42" grpId="0" animBg="1"/>
+      <p:bldP spid="43" grpId="0"/>
+      <p:bldP spid="44" grpId="0"/>
+      <p:bldP spid="45" grpId="0"/>
     </p:bldLst>
   </p:timing>
 </p:sld>
 </file>
 
 <file path=ppt/slides/slide20.xml><?xml version="1.0" encoding="utf-8"?>
+<p:sld xmlns:a="http://schemas.openxmlformats.org/drawingml/2006/main" xmlns:r="http://schemas.openxmlformats.org/officeDocument/2006/relationships" xmlns:p="http://schemas.openxmlformats.org/presentationml/2006/main">
+  <p:cSld>
+    <p:spTree>
+      <p:nvGrpSpPr>
+        <p:cNvPr id="1" name=""/>
+        <p:cNvGrpSpPr/>
+        <p:nvPr/>
+      </p:nvGrpSpPr>
+      <p:grpSpPr>
+        <a:xfrm>
+          <a:off x="0" y="0"/>
+          <a:ext cx="0" cy="0"/>
+          <a:chOff x="0" y="0"/>
+          <a:chExt cx="0" cy="0"/>
+        </a:xfrm>
+      </p:grpSpPr>
+      <p:sp>
+        <p:nvSpPr>
+          <p:cNvPr id="2" name="Rectángulo 1"/>
+          <p:cNvSpPr>
+            <a:spLocks noGrp="1"/>
+          </p:cNvSpPr>
+          <p:nvPr>
+            <p:ph type="title"/>
+          </p:nvPr>
+        </p:nvSpPr>
+        <p:spPr>
+          <a:xfrm>
+            <a:off x="472440" y="265160"/>
+            <a:ext cx="4937760" cy="799306"/>
+          </a:xfrm>
+        </p:spPr>
+        <p:txBody>
+          <a:bodyPr rtlCol="0"/>
+          <a:lstStyle/>
+          <a:p>
+            <a:pPr rtl="0"/>
+            <a:r>
+              <a:rPr lang="es-ES" dirty="0"/>
+              <a:t>1 Incremento</a:t>
+            </a:r>
+          </a:p>
+        </p:txBody>
+      </p:sp>
+      <p:pic>
+        <p:nvPicPr>
+          <p:cNvPr id="3" name="Imagen 2">
+            <a:extLst>
+              <a:ext uri="{FF2B5EF4-FFF2-40B4-BE49-F238E27FC236}">
+                <a16:creationId xmlns:a16="http://schemas.microsoft.com/office/drawing/2014/main" id="{66C01843-BD15-4AF5-81A2-DBA0D0184A15}"/>
+              </a:ext>
+            </a:extLst>
+          </p:cNvPr>
+          <p:cNvPicPr>
+            <a:picLocks noChangeAspect="1"/>
+          </p:cNvPicPr>
+          <p:nvPr/>
+        </p:nvPicPr>
+        <p:blipFill rotWithShape="1">
+          <a:blip r:embed="rId3"/>
+          <a:srcRect l="10000" t="6043" r="6667" b="1299"/>
+          <a:stretch/>
+        </p:blipFill>
+        <p:spPr>
+          <a:xfrm>
+            <a:off x="685800" y="1143000"/>
+            <a:ext cx="2057400" cy="3785617"/>
+          </a:xfrm>
+          <a:prstGeom prst="rect">
+            <a:avLst/>
+          </a:prstGeom>
+          <a:ln>
+            <a:solidFill>
+              <a:schemeClr val="bg2"/>
+            </a:solidFill>
+          </a:ln>
+        </p:spPr>
+      </p:pic>
+    </p:spTree>
+    <p:extLst>
+      <p:ext uri="{BB962C8B-B14F-4D97-AF65-F5344CB8AC3E}">
+        <p14:creationId xmlns:p14="http://schemas.microsoft.com/office/powerpoint/2010/main" val="2437329868"/>
+      </p:ext>
+    </p:extLst>
+  </p:cSld>
+  <p:clrMapOvr>
+    <a:masterClrMapping/>
+  </p:clrMapOvr>
+</p:sld>
+</file>
+
+<file path=ppt/slides/slide21.xml><?xml version="1.0" encoding="utf-8"?>
 <p:sld xmlns:a="http://schemas.openxmlformats.org/drawingml/2006/main" xmlns:r="http://schemas.openxmlformats.org/officeDocument/2006/relationships" xmlns:p="http://schemas.openxmlformats.org/presentationml/2006/main">
   <p:cSld>
     <p:spTree>
@@ -17710,7 +18853,7 @@
 </p:sld>
 </file>
 
-<file path=ppt/slides/slide21.xml><?xml version="1.0" encoding="utf-8"?>
+<file path=ppt/slides/slide22.xml><?xml version="1.0" encoding="utf-8"?>
 <p:sld xmlns:a="http://schemas.openxmlformats.org/drawingml/2006/main" xmlns:r="http://schemas.openxmlformats.org/officeDocument/2006/relationships" xmlns:p="http://schemas.openxmlformats.org/presentationml/2006/main">
   <p:cSld>
     <p:spTree>
@@ -17796,7 +18939,7 @@
 </p:sld>
 </file>
 
-<file path=ppt/slides/slide22.xml><?xml version="1.0" encoding="utf-8"?>
+<file path=ppt/slides/slide23.xml><?xml version="1.0" encoding="utf-8"?>
 <p:sld xmlns:a="http://schemas.openxmlformats.org/drawingml/2006/main" xmlns:r="http://schemas.openxmlformats.org/officeDocument/2006/relationships" xmlns:p="http://schemas.openxmlformats.org/presentationml/2006/main">
   <p:cSld>
     <p:spTree>
@@ -17987,7 +19130,7 @@
 </p:sld>
 </file>
 
-<file path=ppt/slides/slide23.xml><?xml version="1.0" encoding="utf-8"?>
+<file path=ppt/slides/slide24.xml><?xml version="1.0" encoding="utf-8"?>
 <p:sld xmlns:a="http://schemas.openxmlformats.org/drawingml/2006/main" xmlns:r="http://schemas.openxmlformats.org/officeDocument/2006/relationships" xmlns:p="http://schemas.openxmlformats.org/presentationml/2006/main">
   <p:cSld>
     <p:spTree>
@@ -18184,7 +19327,7 @@
 </p:sld>
 </file>
 
-<file path=ppt/slides/slide24.xml><?xml version="1.0" encoding="utf-8"?>
+<file path=ppt/slides/slide25.xml><?xml version="1.0" encoding="utf-8"?>
 <p:sld xmlns:a="http://schemas.openxmlformats.org/drawingml/2006/main" xmlns:r="http://schemas.openxmlformats.org/officeDocument/2006/relationships" xmlns:p="http://schemas.openxmlformats.org/presentationml/2006/main">
   <p:cSld>
     <p:spTree>
@@ -18299,7 +19442,7 @@
           <p:nvPr/>
         </p:nvPicPr>
         <p:blipFill>
-          <a:blip r:embed="rId3">
+          <a:blip r:embed="rId3" cstate="print">
             <a:extLst>
               <a:ext uri="{28A0092B-C50C-407E-A947-70E740481C1C}">
                 <a14:useLocalDpi xmlns:a14="http://schemas.microsoft.com/office/drawing/2010/main" val="0"/>
@@ -18313,8 +19456,8 @@
         </p:blipFill>
         <p:spPr bwMode="auto">
           <a:xfrm>
-            <a:off x="852067" y="3880112"/>
-            <a:ext cx="1338606" cy="871538"/>
+            <a:off x="3370514" y="5472031"/>
+            <a:ext cx="1003882" cy="653606"/>
           </a:xfrm>
           <a:prstGeom prst="rect">
             <a:avLst/>
@@ -18360,7 +19503,7 @@
         </p:blipFill>
         <p:spPr bwMode="auto">
           <a:xfrm>
-            <a:off x="2989042" y="3866421"/>
+            <a:off x="4893279" y="5346577"/>
             <a:ext cx="1003881" cy="1003881"/>
           </a:xfrm>
           <a:prstGeom prst="rect">
@@ -18380,10 +19523,10 @@
       </p:pic>
       <p:pic>
         <p:nvPicPr>
-          <p:cNvPr id="2054" name="Picture 6" descr="Resultado de imagen para lista inventario icon">
+          <p:cNvPr id="2056" name="Picture 8" descr="Resultado de imagen para excel icon">
             <a:extLst>
               <a:ext uri="{FF2B5EF4-FFF2-40B4-BE49-F238E27FC236}">
-                <a16:creationId xmlns:a16="http://schemas.microsoft.com/office/drawing/2014/main" id="{3E74A244-9D72-4D46-9B5E-BCA364A9BB49}"/>
+                <a16:creationId xmlns:a16="http://schemas.microsoft.com/office/drawing/2014/main" id="{E1889452-88F7-4DFC-8EE3-ECE326BAD4E1}"/>
               </a:ext>
             </a:extLst>
           </p:cNvPr>
@@ -18393,7 +19536,7 @@
           <p:nvPr/>
         </p:nvPicPr>
         <p:blipFill>
-          <a:blip r:embed="rId5">
+          <a:blip r:embed="rId5" cstate="print">
             <a:extLst>
               <a:ext uri="{28A0092B-C50C-407E-A947-70E740481C1C}">
                 <a14:useLocalDpi xmlns:a14="http://schemas.microsoft.com/office/drawing/2010/main" val="0"/>
@@ -18407,144 +19550,8 @@
         </p:blipFill>
         <p:spPr bwMode="auto">
           <a:xfrm>
-            <a:off x="838200" y="1624667"/>
-            <a:ext cx="1304925" cy="1304925"/>
-          </a:xfrm>
-          <a:prstGeom prst="rect">
-            <a:avLst/>
-          </a:prstGeom>
-          <a:noFill/>
-          <a:extLst>
-            <a:ext uri="{909E8E84-426E-40DD-AFC4-6F175D3DCCD1}">
-              <a14:hiddenFill xmlns:a14="http://schemas.microsoft.com/office/drawing/2010/main">
-                <a:solidFill>
-                  <a:srgbClr val="FFFFFF"/>
-                </a:solidFill>
-              </a14:hiddenFill>
-            </a:ext>
-          </a:extLst>
-        </p:spPr>
-      </p:pic>
-      <p:sp>
-        <p:nvSpPr>
-          <p:cNvPr id="4" name="CuadroTexto 3">
-            <a:extLst>
-              <a:ext uri="{FF2B5EF4-FFF2-40B4-BE49-F238E27FC236}">
-                <a16:creationId xmlns:a16="http://schemas.microsoft.com/office/drawing/2014/main" id="{FF7BD447-1993-4874-89AA-6C1F4F0E2F3E}"/>
-              </a:ext>
-            </a:extLst>
-          </p:cNvPr>
-          <p:cNvSpPr txBox="1"/>
-          <p:nvPr/>
-        </p:nvSpPr>
-        <p:spPr>
-          <a:xfrm>
-            <a:off x="1981510" y="2811849"/>
-            <a:ext cx="1249060" cy="369332"/>
-          </a:xfrm>
-          <a:prstGeom prst="rect">
-            <a:avLst/>
-          </a:prstGeom>
-          <a:noFill/>
-        </p:spPr>
-        <p:txBody>
-          <a:bodyPr wrap="none" rtlCol="0">
-            <a:spAutoFit/>
-          </a:bodyPr>
-          <a:lstStyle/>
-          <a:p>
-            <a:r>
-              <a:rPr lang="en-US" dirty="0">
-                <a:solidFill>
-                  <a:schemeClr val="bg2"/>
-                </a:solidFill>
-              </a:rPr>
-              <a:t>Materiales</a:t>
-            </a:r>
-            <a:endParaRPr lang="es-BO" dirty="0">
-              <a:solidFill>
-                <a:schemeClr val="bg2"/>
-              </a:solidFill>
-            </a:endParaRPr>
-          </a:p>
-        </p:txBody>
-      </p:sp>
-      <p:pic>
-        <p:nvPicPr>
-          <p:cNvPr id="2056" name="Picture 8" descr="Resultado de imagen para excel icon">
-            <a:extLst>
-              <a:ext uri="{FF2B5EF4-FFF2-40B4-BE49-F238E27FC236}">
-                <a16:creationId xmlns:a16="http://schemas.microsoft.com/office/drawing/2014/main" id="{E1889452-88F7-4DFC-8EE3-ECE326BAD4E1}"/>
-              </a:ext>
-            </a:extLst>
-          </p:cNvPr>
-          <p:cNvPicPr>
-            <a:picLocks noChangeAspect="1" noChangeArrowheads="1"/>
-          </p:cNvPicPr>
-          <p:nvPr/>
-        </p:nvPicPr>
-        <p:blipFill>
-          <a:blip r:embed="rId6" cstate="print">
-            <a:extLst>
-              <a:ext uri="{28A0092B-C50C-407E-A947-70E740481C1C}">
-                <a14:useLocalDpi xmlns:a14="http://schemas.microsoft.com/office/drawing/2010/main" val="0"/>
-              </a:ext>
-            </a:extLst>
-          </a:blip>
-          <a:srcRect/>
-          <a:stretch>
-            <a:fillRect/>
-          </a:stretch>
-        </p:blipFill>
-        <p:spPr bwMode="auto">
-          <a:xfrm>
-            <a:off x="2884651" y="1827594"/>
-            <a:ext cx="838201" cy="838201"/>
-          </a:xfrm>
-          <a:prstGeom prst="rect">
-            <a:avLst/>
-          </a:prstGeom>
-          <a:noFill/>
-          <a:extLst>
-            <a:ext uri="{909E8E84-426E-40DD-AFC4-6F175D3DCCD1}">
-              <a14:hiddenFill xmlns:a14="http://schemas.microsoft.com/office/drawing/2010/main">
-                <a:solidFill>
-                  <a:srgbClr val="FFFFFF"/>
-                </a:solidFill>
-              </a14:hiddenFill>
-            </a:ext>
-          </a:extLst>
-        </p:spPr>
-      </p:pic>
-      <p:pic>
-        <p:nvPicPr>
-          <p:cNvPr id="10" name="Picture 22" descr="Resultado de imagen para dollar icon">
-            <a:extLst>
-              <a:ext uri="{FF2B5EF4-FFF2-40B4-BE49-F238E27FC236}">
-                <a16:creationId xmlns:a16="http://schemas.microsoft.com/office/drawing/2014/main" id="{1760853B-0876-4C36-88AE-BA1D5C3481C6}"/>
-              </a:ext>
-            </a:extLst>
-          </p:cNvPr>
-          <p:cNvPicPr>
-            <a:picLocks noChangeAspect="1" noChangeArrowheads="1"/>
-          </p:cNvPicPr>
-          <p:nvPr/>
-        </p:nvPicPr>
-        <p:blipFill rotWithShape="1">
-          <a:blip r:embed="rId7" cstate="print">
-            <a:extLst>
-              <a:ext uri="{28A0092B-C50C-407E-A947-70E740481C1C}">
-                <a14:useLocalDpi xmlns:a14="http://schemas.microsoft.com/office/drawing/2010/main" val="0"/>
-              </a:ext>
-            </a:extLst>
-          </a:blip>
-          <a:srcRect b="8270"/>
-          <a:stretch/>
-        </p:blipFill>
-        <p:spPr bwMode="auto">
-          <a:xfrm>
-            <a:off x="1121581" y="2419609"/>
-            <a:ext cx="250019" cy="247391"/>
+            <a:off x="512799" y="4003113"/>
+            <a:ext cx="641891" cy="641891"/>
           </a:xfrm>
           <a:prstGeom prst="rect">
             <a:avLst/>
@@ -18574,9 +19581,9 @@
           <p:nvPr/>
         </p:nvSpPr>
         <p:spPr>
-          <a:xfrm>
-            <a:off x="2362200" y="2127633"/>
-            <a:ext cx="487680" cy="238125"/>
+          <a:xfrm rot="5400000">
+            <a:off x="1801312" y="2348036"/>
+            <a:ext cx="487680" cy="238126"/>
           </a:xfrm>
           <a:prstGeom prst="rightArrow">
             <a:avLst/>
@@ -18622,7 +19629,7 @@
           <p:nvPr/>
         </p:nvPicPr>
         <p:blipFill>
-          <a:blip r:embed="rId8" cstate="print">
+          <a:blip r:embed="rId6" cstate="print">
             <a:extLst>
               <a:ext uri="{28A0092B-C50C-407E-A947-70E740481C1C}">
                 <a14:useLocalDpi xmlns:a14="http://schemas.microsoft.com/office/drawing/2010/main" val="0"/>
@@ -18636,8 +19643,8 @@
         </p:blipFill>
         <p:spPr bwMode="auto">
           <a:xfrm>
-            <a:off x="6346907" y="1216363"/>
-            <a:ext cx="838201" cy="691768"/>
+            <a:off x="522088" y="2328215"/>
+            <a:ext cx="641891" cy="529753"/>
           </a:xfrm>
           <a:prstGeom prst="rect">
             <a:avLst/>
@@ -18669,7 +19676,7 @@
           <p:nvPr/>
         </p:nvPicPr>
         <p:blipFill>
-          <a:blip r:embed="rId8" cstate="print">
+          <a:blip r:embed="rId6" cstate="print">
             <a:extLst>
               <a:ext uri="{28A0092B-C50C-407E-A947-70E740481C1C}">
                 <a14:useLocalDpi xmlns:a14="http://schemas.microsoft.com/office/drawing/2010/main" val="0"/>
@@ -18683,55 +19690,8 @@
         </p:blipFill>
         <p:spPr bwMode="auto">
           <a:xfrm>
-            <a:off x="6346908" y="1881445"/>
-            <a:ext cx="838201" cy="691768"/>
-          </a:xfrm>
-          <a:prstGeom prst="rect">
-            <a:avLst/>
-          </a:prstGeom>
-          <a:noFill/>
-          <a:extLst>
-            <a:ext uri="{909E8E84-426E-40DD-AFC4-6F175D3DCCD1}">
-              <a14:hiddenFill xmlns:a14="http://schemas.microsoft.com/office/drawing/2010/main">
-                <a:solidFill>
-                  <a:srgbClr val="FFFFFF"/>
-                </a:solidFill>
-              </a14:hiddenFill>
-            </a:ext>
-          </a:extLst>
-        </p:spPr>
-      </p:pic>
-      <p:pic>
-        <p:nvPicPr>
-          <p:cNvPr id="15" name="Picture 10" descr="Resultado de imagen para industria icon">
-            <a:extLst>
-              <a:ext uri="{FF2B5EF4-FFF2-40B4-BE49-F238E27FC236}">
-                <a16:creationId xmlns:a16="http://schemas.microsoft.com/office/drawing/2014/main" id="{41965177-F191-4F2A-BD08-AFF266A787BE}"/>
-              </a:ext>
-            </a:extLst>
-          </p:cNvPr>
-          <p:cNvPicPr>
-            <a:picLocks noChangeAspect="1" noChangeArrowheads="1"/>
-          </p:cNvPicPr>
-          <p:nvPr/>
-        </p:nvPicPr>
-        <p:blipFill>
-          <a:blip r:embed="rId8" cstate="print">
-            <a:extLst>
-              <a:ext uri="{28A0092B-C50C-407E-A947-70E740481C1C}">
-                <a14:useLocalDpi xmlns:a14="http://schemas.microsoft.com/office/drawing/2010/main" val="0"/>
-              </a:ext>
-            </a:extLst>
-          </a:blip>
-          <a:srcRect/>
-          <a:stretch>
-            <a:fillRect/>
-          </a:stretch>
-        </p:blipFill>
-        <p:spPr bwMode="auto">
-          <a:xfrm>
-            <a:off x="6346908" y="2637476"/>
-            <a:ext cx="838201" cy="691768"/>
+            <a:off x="512799" y="3012726"/>
+            <a:ext cx="641891" cy="529753"/>
           </a:xfrm>
           <a:prstGeom prst="rect">
             <a:avLst/>
@@ -18763,7 +19723,7 @@
           <p:nvPr/>
         </p:nvPicPr>
         <p:blipFill>
-          <a:blip r:embed="rId9" cstate="print">
+          <a:blip r:embed="rId7" cstate="print">
             <a:extLst>
               <a:ext uri="{28A0092B-C50C-407E-A947-70E740481C1C}">
                 <a14:useLocalDpi xmlns:a14="http://schemas.microsoft.com/office/drawing/2010/main" val="0"/>
@@ -18777,193 +19737,8 @@
         </p:blipFill>
         <p:spPr bwMode="auto">
           <a:xfrm>
-            <a:off x="4560989" y="1781210"/>
-            <a:ext cx="826552" cy="826552"/>
-          </a:xfrm>
-          <a:prstGeom prst="rect">
-            <a:avLst/>
-          </a:prstGeom>
-          <a:noFill/>
-          <a:extLst>
-            <a:ext uri="{909E8E84-426E-40DD-AFC4-6F175D3DCCD1}">
-              <a14:hiddenFill xmlns:a14="http://schemas.microsoft.com/office/drawing/2010/main">
-                <a:solidFill>
-                  <a:srgbClr val="FFFFFF"/>
-                </a:solidFill>
-              </a14:hiddenFill>
-            </a:ext>
-          </a:extLst>
-        </p:spPr>
-      </p:pic>
-      <p:sp>
-        <p:nvSpPr>
-          <p:cNvPr id="17" name="Flecha: a la derecha 16">
-            <a:extLst>
-              <a:ext uri="{FF2B5EF4-FFF2-40B4-BE49-F238E27FC236}">
-                <a16:creationId xmlns:a16="http://schemas.microsoft.com/office/drawing/2014/main" id="{ACD96DB1-39F4-48BB-9520-7BB0AA0F040B}"/>
-              </a:ext>
-            </a:extLst>
-          </p:cNvPr>
-          <p:cNvSpPr/>
-          <p:nvPr/>
-        </p:nvSpPr>
-        <p:spPr>
-          <a:xfrm>
-            <a:off x="3890656" y="2131684"/>
-            <a:ext cx="487680" cy="238125"/>
-          </a:xfrm>
-          <a:prstGeom prst="rightArrow">
-            <a:avLst/>
-          </a:prstGeom>
-        </p:spPr>
-        <p:style>
-          <a:lnRef idx="2">
-            <a:schemeClr val="accent1">
-              <a:shade val="50000"/>
-            </a:schemeClr>
-          </a:lnRef>
-          <a:fillRef idx="1">
-            <a:schemeClr val="accent1"/>
-          </a:fillRef>
-          <a:effectRef idx="0">
-            <a:schemeClr val="accent1"/>
-          </a:effectRef>
-          <a:fontRef idx="minor">
-            <a:schemeClr val="lt1"/>
-          </a:fontRef>
-        </p:style>
-        <p:txBody>
-          <a:bodyPr rtlCol="0" anchor="ctr"/>
-          <a:lstStyle/>
-          <a:p>
-            <a:pPr algn="ctr"/>
-            <a:endParaRPr lang="es-BO"/>
-          </a:p>
-        </p:txBody>
-      </p:sp>
-      <p:pic>
-        <p:nvPicPr>
-          <p:cNvPr id="18" name="Picture 6" descr="Resultado de imagen para lista inventario icon">
-            <a:extLst>
-              <a:ext uri="{FF2B5EF4-FFF2-40B4-BE49-F238E27FC236}">
-                <a16:creationId xmlns:a16="http://schemas.microsoft.com/office/drawing/2014/main" id="{F877EE32-491F-4A13-9985-5CADFF8D86DD}"/>
-              </a:ext>
-            </a:extLst>
-          </p:cNvPr>
-          <p:cNvPicPr>
-            <a:picLocks noChangeAspect="1" noChangeArrowheads="1"/>
-          </p:cNvPicPr>
-          <p:nvPr/>
-        </p:nvPicPr>
-        <p:blipFill>
-          <a:blip r:embed="rId10" cstate="print">
-            <a:extLst>
-              <a:ext uri="{28A0092B-C50C-407E-A947-70E740481C1C}">
-                <a14:useLocalDpi xmlns:a14="http://schemas.microsoft.com/office/drawing/2010/main" val="0"/>
-              </a:ext>
-            </a:extLst>
-          </a:blip>
-          <a:srcRect/>
-          <a:stretch>
-            <a:fillRect/>
-          </a:stretch>
-        </p:blipFill>
-        <p:spPr bwMode="auto">
-          <a:xfrm>
-            <a:off x="5101255" y="2377176"/>
-            <a:ext cx="461169" cy="461169"/>
-          </a:xfrm>
-          <a:prstGeom prst="rect">
-            <a:avLst/>
-          </a:prstGeom>
-          <a:noFill/>
-          <a:extLst>
-            <a:ext uri="{909E8E84-426E-40DD-AFC4-6F175D3DCCD1}">
-              <a14:hiddenFill xmlns:a14="http://schemas.microsoft.com/office/drawing/2010/main">
-                <a:solidFill>
-                  <a:srgbClr val="FFFFFF"/>
-                </a:solidFill>
-              </a14:hiddenFill>
-            </a:ext>
-          </a:extLst>
-        </p:spPr>
-      </p:pic>
-      <p:pic>
-        <p:nvPicPr>
-          <p:cNvPr id="35" name="Picture 14" descr="Resultado de imagen para dato computadora icono">
-            <a:extLst>
-              <a:ext uri="{FF2B5EF4-FFF2-40B4-BE49-F238E27FC236}">
-                <a16:creationId xmlns:a16="http://schemas.microsoft.com/office/drawing/2014/main" id="{F67AA693-4B89-4C34-8994-C1868F102346}"/>
-              </a:ext>
-            </a:extLst>
-          </p:cNvPr>
-          <p:cNvPicPr>
-            <a:picLocks noChangeAspect="1" noChangeArrowheads="1"/>
-          </p:cNvPicPr>
-          <p:nvPr/>
-        </p:nvPicPr>
-        <p:blipFill rotWithShape="1">
-          <a:blip r:embed="rId11">
-            <a:extLst>
-              <a:ext uri="{28A0092B-C50C-407E-A947-70E740481C1C}">
-                <a14:useLocalDpi xmlns:a14="http://schemas.microsoft.com/office/drawing/2010/main" val="0"/>
-              </a:ext>
-            </a:extLst>
-          </a:blip>
-          <a:srcRect l="6155" t="10289" r="3132" b="14910"/>
-          <a:stretch/>
-        </p:blipFill>
-        <p:spPr bwMode="auto">
-          <a:xfrm>
-            <a:off x="7883080" y="3562354"/>
-            <a:ext cx="1013185" cy="869654"/>
-          </a:xfrm>
-          <a:prstGeom prst="rect">
-            <a:avLst/>
-          </a:prstGeom>
-          <a:noFill/>
-          <a:extLst>
-            <a:ext uri="{909E8E84-426E-40DD-AFC4-6F175D3DCCD1}">
-              <a14:hiddenFill xmlns:a14="http://schemas.microsoft.com/office/drawing/2010/main">
-                <a:solidFill>
-                  <a:srgbClr val="FFFFFF"/>
-                </a:solidFill>
-              </a14:hiddenFill>
-            </a:ext>
-          </a:extLst>
-        </p:spPr>
-      </p:pic>
-      <p:pic>
-        <p:nvPicPr>
-          <p:cNvPr id="38" name="Picture 8" descr="Resultado de imagen para excel icon">
-            <a:extLst>
-              <a:ext uri="{FF2B5EF4-FFF2-40B4-BE49-F238E27FC236}">
-                <a16:creationId xmlns:a16="http://schemas.microsoft.com/office/drawing/2014/main" id="{9F325F6E-2296-4DAD-9163-8749B4ABB6A8}"/>
-              </a:ext>
-            </a:extLst>
-          </p:cNvPr>
-          <p:cNvPicPr>
-            <a:picLocks noChangeAspect="1" noChangeArrowheads="1"/>
-          </p:cNvPicPr>
-          <p:nvPr/>
-        </p:nvPicPr>
-        <p:blipFill>
-          <a:blip r:embed="rId6" cstate="print">
-            <a:extLst>
-              <a:ext uri="{28A0092B-C50C-407E-A947-70E740481C1C}">
-                <a14:useLocalDpi xmlns:a14="http://schemas.microsoft.com/office/drawing/2010/main" val="0"/>
-              </a:ext>
-            </a:extLst>
-          </a:blip>
-          <a:srcRect/>
-          <a:stretch>
-            <a:fillRect/>
-          </a:stretch>
-        </p:blipFill>
-        <p:spPr bwMode="auto">
-          <a:xfrm>
-            <a:off x="6080074" y="3557371"/>
-            <a:ext cx="838201" cy="838201"/>
+            <a:off x="1692706" y="2759171"/>
+            <a:ext cx="632970" cy="632970"/>
           </a:xfrm>
           <a:prstGeom prst="rect">
             <a:avLst/>
@@ -18993,9 +19768,9 @@
           <p:nvPr/>
         </p:nvSpPr>
         <p:spPr>
-          <a:xfrm rot="2983447">
-            <a:off x="5256589" y="3137052"/>
-            <a:ext cx="939586" cy="238125"/>
+          <a:xfrm rot="5400000">
+            <a:off x="1806671" y="3599147"/>
+            <a:ext cx="405039" cy="182355"/>
           </a:xfrm>
           <a:prstGeom prst="rightArrow">
             <a:avLst/>
@@ -19042,8 +19817,8 @@
         </p:nvCxnSpPr>
         <p:spPr>
           <a:xfrm flipV="1">
-            <a:off x="5381848" y="1562248"/>
-            <a:ext cx="946274" cy="423885"/>
+            <a:off x="1209680" y="3205151"/>
+            <a:ext cx="461269" cy="66021"/>
           </a:xfrm>
           <a:prstGeom prst="straightConnector1">
             <a:avLst/>
@@ -19078,15 +19853,14 @@
             </a:extLst>
           </p:cNvPr>
           <p:cNvCxnSpPr>
-            <a:stCxn id="2060" idx="3"/>
-            <a:endCxn id="14" idx="1"/>
+            <a:cxnSpLocks/>
           </p:cNvCxnSpPr>
           <p:nvPr/>
         </p:nvCxnSpPr>
         <p:spPr>
           <a:xfrm>
-            <a:off x="5387541" y="2194486"/>
-            <a:ext cx="959367" cy="32843"/>
+            <a:off x="1199498" y="2753773"/>
+            <a:ext cx="471451" cy="72569"/>
           </a:xfrm>
           <a:prstGeom prst="straightConnector1">
             <a:avLst/>
@@ -19111,56 +19885,105 @@
           </a:fontRef>
         </p:style>
       </p:cxnSp>
-      <p:cxnSp>
-        <p:nvCxnSpPr>
-          <p:cNvPr id="41" name="Conector recto de flecha 40">
+      <p:pic>
+        <p:nvPicPr>
+          <p:cNvPr id="2066" name="Picture 18" descr="Resultado de imagen para aceptado icono">
             <a:extLst>
               <a:ext uri="{FF2B5EF4-FFF2-40B4-BE49-F238E27FC236}">
-                <a16:creationId xmlns:a16="http://schemas.microsoft.com/office/drawing/2014/main" id="{8D7C4149-ACE2-4598-AA4C-7A28F51FD83E}"/>
+                <a16:creationId xmlns:a16="http://schemas.microsoft.com/office/drawing/2014/main" id="{F663BB0B-108B-43BD-824D-9760E9F80EDB}"/>
               </a:ext>
             </a:extLst>
           </p:cNvPr>
-          <p:cNvCxnSpPr>
-            <a:cxnSpLocks/>
-            <a:stCxn id="18" idx="0"/>
-            <a:endCxn id="15" idx="1"/>
-          </p:cNvCxnSpPr>
+          <p:cNvPicPr>
+            <a:picLocks noChangeAspect="1" noChangeArrowheads="1"/>
+          </p:cNvPicPr>
           <p:nvPr/>
-        </p:nvCxnSpPr>
+        </p:nvPicPr>
+        <p:blipFill>
+          <a:blip r:embed="rId8">
+            <a:extLst>
+              <a:ext uri="{28A0092B-C50C-407E-A947-70E740481C1C}">
+                <a14:useLocalDpi xmlns:a14="http://schemas.microsoft.com/office/drawing/2010/main" val="0"/>
+              </a:ext>
+            </a:extLst>
+          </a:blip>
+          <a:srcRect/>
+          <a:stretch>
+            <a:fillRect/>
+          </a:stretch>
+        </p:blipFill>
+        <p:spPr bwMode="auto">
+          <a:xfrm>
+            <a:off x="6191474" y="5291728"/>
+            <a:ext cx="1003881" cy="1003881"/>
+          </a:xfrm>
+          <a:prstGeom prst="rect">
+            <a:avLst/>
+          </a:prstGeom>
+          <a:noFill/>
+          <a:extLst>
+            <a:ext uri="{909E8E84-426E-40DD-AFC4-6F175D3DCCD1}">
+              <a14:hiddenFill xmlns:a14="http://schemas.microsoft.com/office/drawing/2010/main">
+                <a:solidFill>
+                  <a:srgbClr val="FFFFFF"/>
+                </a:solidFill>
+              </a14:hiddenFill>
+            </a:ext>
+          </a:extLst>
+        </p:spPr>
+      </p:pic>
+      <p:sp>
+        <p:nvSpPr>
+          <p:cNvPr id="54" name="Flecha: a la derecha 53">
+            <a:extLst>
+              <a:ext uri="{FF2B5EF4-FFF2-40B4-BE49-F238E27FC236}">
+                <a16:creationId xmlns:a16="http://schemas.microsoft.com/office/drawing/2014/main" id="{6F8C41B6-647A-4259-8846-A1B94FA6A655}"/>
+              </a:ext>
+            </a:extLst>
+          </p:cNvPr>
+          <p:cNvSpPr/>
+          <p:nvPr/>
+        </p:nvSpPr>
         <p:spPr>
           <a:xfrm>
-            <a:off x="5331840" y="2377176"/>
-            <a:ext cx="1015068" cy="606184"/>
+            <a:off x="2534407" y="4142486"/>
+            <a:ext cx="682804" cy="238125"/>
           </a:xfrm>
-          <a:prstGeom prst="straightConnector1">
+          <a:prstGeom prst="rightArrow">
             <a:avLst/>
           </a:prstGeom>
-          <a:ln>
-            <a:headEnd type="triangle"/>
-            <a:tailEnd type="triangle"/>
-          </a:ln>
         </p:spPr>
         <p:style>
-          <a:lnRef idx="1">
-            <a:schemeClr val="accent1"/>
+          <a:lnRef idx="2">
+            <a:schemeClr val="accent1">
+              <a:shade val="50000"/>
+            </a:schemeClr>
           </a:lnRef>
-          <a:fillRef idx="0">
+          <a:fillRef idx="1">
             <a:schemeClr val="accent1"/>
           </a:fillRef>
           <a:effectRef idx="0">
             <a:schemeClr val="accent1"/>
           </a:effectRef>
           <a:fontRef idx="minor">
-            <a:schemeClr val="tx1"/>
+            <a:schemeClr val="lt1"/>
           </a:fontRef>
         </p:style>
-      </p:cxnSp>
+        <p:txBody>
+          <a:bodyPr rtlCol="0" anchor="ctr"/>
+          <a:lstStyle/>
+          <a:p>
+            <a:pPr algn="ctr"/>
+            <a:endParaRPr lang="es-BO"/>
+          </a:p>
+        </p:txBody>
+      </p:sp>
       <p:sp>
         <p:nvSpPr>
-          <p:cNvPr id="52" name="Flecha: a la derecha 51">
+          <p:cNvPr id="56" name="Flecha: a la derecha 55">
             <a:extLst>
               <a:ext uri="{FF2B5EF4-FFF2-40B4-BE49-F238E27FC236}">
-                <a16:creationId xmlns:a16="http://schemas.microsoft.com/office/drawing/2014/main" id="{9F605A6A-56C2-4299-9B9A-D6940A5F4153}"/>
+                <a16:creationId xmlns:a16="http://schemas.microsoft.com/office/drawing/2014/main" id="{4F1448DD-E279-49EC-8B43-14B0475BB5CA}"/>
               </a:ext>
             </a:extLst>
           </p:cNvPr>
@@ -19169,8 +19992,8 @@
         </p:nvSpPr>
         <p:spPr>
           <a:xfrm>
-            <a:off x="7086600" y="3782813"/>
-            <a:ext cx="487680" cy="238125"/>
+            <a:off x="4519714" y="5716676"/>
+            <a:ext cx="385366" cy="238125"/>
           </a:xfrm>
           <a:prstGeom prst="rightArrow">
             <a:avLst/>
@@ -19203,10 +20026,10 @@
       </p:sp>
       <p:pic>
         <p:nvPicPr>
-          <p:cNvPr id="2066" name="Picture 18" descr="Resultado de imagen para aceptado icono">
+          <p:cNvPr id="32" name="Picture 20" descr="Resultado de imagen para ladrillo icon">
             <a:extLst>
               <a:ext uri="{FF2B5EF4-FFF2-40B4-BE49-F238E27FC236}">
-                <a16:creationId xmlns:a16="http://schemas.microsoft.com/office/drawing/2014/main" id="{F663BB0B-108B-43BD-824D-9760E9F80EDB}"/>
+                <a16:creationId xmlns:a16="http://schemas.microsoft.com/office/drawing/2014/main" id="{67CB021E-50A7-4FC0-9E73-36ACCC31AB50}"/>
               </a:ext>
             </a:extLst>
           </p:cNvPr>
@@ -19216,7 +20039,7 @@
           <p:nvPr/>
         </p:nvPicPr>
         <p:blipFill>
-          <a:blip r:embed="rId12">
+          <a:blip r:embed="rId9" cstate="print">
             <a:extLst>
               <a:ext uri="{28A0092B-C50C-407E-A947-70E740481C1C}">
                 <a14:useLocalDpi xmlns:a14="http://schemas.microsoft.com/office/drawing/2010/main" val="0"/>
@@ -19230,8 +20053,53 @@
         </p:blipFill>
         <p:spPr bwMode="auto">
           <a:xfrm>
-            <a:off x="2849880" y="5030797"/>
-            <a:ext cx="1003881" cy="1003881"/>
+            <a:off x="1625731" y="1518111"/>
+            <a:ext cx="685801" cy="685801"/>
+          </a:xfrm>
+          <a:prstGeom prst="rect">
+            <a:avLst/>
+          </a:prstGeom>
+          <a:noFill/>
+          <a:extLst>
+            <a:ext uri="{909E8E84-426E-40DD-AFC4-6F175D3DCCD1}">
+              <a14:hiddenFill xmlns:a14="http://schemas.microsoft.com/office/drawing/2010/main">
+                <a:solidFill>
+                  <a:srgbClr val="FFFFFF"/>
+                </a:solidFill>
+              </a14:hiddenFill>
+            </a:ext>
+          </a:extLst>
+        </p:spPr>
+      </p:pic>
+      <p:pic>
+        <p:nvPicPr>
+          <p:cNvPr id="10" name="Picture 22" descr="Resultado de imagen para dollar icon">
+            <a:extLst>
+              <a:ext uri="{FF2B5EF4-FFF2-40B4-BE49-F238E27FC236}">
+                <a16:creationId xmlns:a16="http://schemas.microsoft.com/office/drawing/2014/main" id="{1760853B-0876-4C36-88AE-BA1D5C3481C6}"/>
+              </a:ext>
+            </a:extLst>
+          </p:cNvPr>
+          <p:cNvPicPr>
+            <a:picLocks noChangeAspect="1" noChangeArrowheads="1"/>
+          </p:cNvPicPr>
+          <p:nvPr/>
+        </p:nvPicPr>
+        <p:blipFill rotWithShape="1">
+          <a:blip r:embed="rId10" cstate="print">
+            <a:extLst>
+              <a:ext uri="{28A0092B-C50C-407E-A947-70E740481C1C}">
+                <a14:useLocalDpi xmlns:a14="http://schemas.microsoft.com/office/drawing/2010/main" val="0"/>
+              </a:ext>
+            </a:extLst>
+          </a:blip>
+          <a:srcRect b="8270"/>
+          <a:stretch/>
+        </p:blipFill>
+        <p:spPr bwMode="auto">
+          <a:xfrm>
+            <a:off x="2051861" y="1912313"/>
+            <a:ext cx="250019" cy="247391"/>
           </a:xfrm>
           <a:prstGeom prst="rect">
             <a:avLst/>
@@ -19250,10 +20118,54 @@
       </p:pic>
       <p:sp>
         <p:nvSpPr>
-          <p:cNvPr id="54" name="Flecha: a la derecha 53">
+          <p:cNvPr id="4" name="CuadroTexto 3">
             <a:extLst>
               <a:ext uri="{FF2B5EF4-FFF2-40B4-BE49-F238E27FC236}">
-                <a16:creationId xmlns:a16="http://schemas.microsoft.com/office/drawing/2014/main" id="{6F8C41B6-647A-4259-8846-A1B94FA6A655}"/>
+                <a16:creationId xmlns:a16="http://schemas.microsoft.com/office/drawing/2014/main" id="{FF7BD447-1993-4874-89AA-6C1F4F0E2F3E}"/>
+              </a:ext>
+            </a:extLst>
+          </p:cNvPr>
+          <p:cNvSpPr txBox="1"/>
+          <p:nvPr/>
+        </p:nvSpPr>
+        <p:spPr>
+          <a:xfrm>
+            <a:off x="1515559" y="1335663"/>
+            <a:ext cx="817673" cy="307777"/>
+          </a:xfrm>
+          <a:prstGeom prst="rect">
+            <a:avLst/>
+          </a:prstGeom>
+          <a:noFill/>
+        </p:spPr>
+        <p:txBody>
+          <a:bodyPr wrap="square" rtlCol="0">
+            <a:spAutoFit/>
+          </a:bodyPr>
+          <a:lstStyle/>
+          <a:p>
+            <a:r>
+              <a:rPr lang="en-US" sz="1400" dirty="0">
+                <a:solidFill>
+                  <a:schemeClr val="bg2"/>
+                </a:solidFill>
+              </a:rPr>
+              <a:t>Material</a:t>
+            </a:r>
+            <a:endParaRPr lang="es-BO" sz="1400" dirty="0">
+              <a:solidFill>
+                <a:schemeClr val="bg2"/>
+              </a:solidFill>
+            </a:endParaRPr>
+          </a:p>
+        </p:txBody>
+      </p:sp>
+      <p:sp>
+        <p:nvSpPr>
+          <p:cNvPr id="30" name="Flecha: hacia arriba 29">
+            <a:extLst>
+              <a:ext uri="{FF2B5EF4-FFF2-40B4-BE49-F238E27FC236}">
+                <a16:creationId xmlns:a16="http://schemas.microsoft.com/office/drawing/2014/main" id="{6B943B83-75B2-4B8C-AEC8-388CBF9204F2}"/>
               </a:ext>
             </a:extLst>
           </p:cNvPr>
@@ -19261,9 +20173,377 @@
           <p:nvPr/>
         </p:nvSpPr>
         <p:spPr>
-          <a:xfrm rot="1957062">
-            <a:off x="2180092" y="5100666"/>
-            <a:ext cx="682804" cy="238125"/>
+          <a:xfrm rot="13056024">
+            <a:off x="4313264" y="3212683"/>
+            <a:ext cx="202918" cy="1032720"/>
+          </a:xfrm>
+          <a:prstGeom prst="upArrow">
+            <a:avLst>
+              <a:gd name="adj1" fmla="val 29922"/>
+              <a:gd name="adj2" fmla="val 90156"/>
+            </a:avLst>
+          </a:prstGeom>
+        </p:spPr>
+        <p:style>
+          <a:lnRef idx="2">
+            <a:schemeClr val="accent1">
+              <a:shade val="50000"/>
+            </a:schemeClr>
+          </a:lnRef>
+          <a:fillRef idx="1">
+            <a:schemeClr val="accent1"/>
+          </a:fillRef>
+          <a:effectRef idx="0">
+            <a:schemeClr val="accent1"/>
+          </a:effectRef>
+          <a:fontRef idx="minor">
+            <a:schemeClr val="lt1"/>
+          </a:fontRef>
+        </p:style>
+        <p:txBody>
+          <a:bodyPr rtlCol="0" anchor="ctr"/>
+          <a:lstStyle/>
+          <a:p>
+            <a:pPr algn="ctr"/>
+            <a:endParaRPr lang="es-BO"/>
+          </a:p>
+        </p:txBody>
+      </p:sp>
+      <p:pic>
+        <p:nvPicPr>
+          <p:cNvPr id="31" name="Picture 28" descr="Resultado de imagen para cotizacion icon">
+            <a:extLst>
+              <a:ext uri="{FF2B5EF4-FFF2-40B4-BE49-F238E27FC236}">
+                <a16:creationId xmlns:a16="http://schemas.microsoft.com/office/drawing/2014/main" id="{19C24497-B018-4FEA-972D-27332F20AEE4}"/>
+              </a:ext>
+            </a:extLst>
+          </p:cNvPr>
+          <p:cNvPicPr>
+            <a:picLocks noChangeAspect="1" noChangeArrowheads="1"/>
+          </p:cNvPicPr>
+          <p:nvPr/>
+        </p:nvPicPr>
+        <p:blipFill>
+          <a:blip r:embed="rId11" cstate="print">
+            <a:extLst>
+              <a:ext uri="{28A0092B-C50C-407E-A947-70E740481C1C}">
+                <a14:useLocalDpi xmlns:a14="http://schemas.microsoft.com/office/drawing/2010/main" val="0"/>
+              </a:ext>
+            </a:extLst>
+          </a:blip>
+          <a:srcRect/>
+          <a:stretch>
+            <a:fillRect/>
+          </a:stretch>
+        </p:blipFill>
+        <p:spPr bwMode="auto">
+          <a:xfrm>
+            <a:off x="3367176" y="3993893"/>
+            <a:ext cx="555825" cy="555825"/>
+          </a:xfrm>
+          <a:prstGeom prst="rect">
+            <a:avLst/>
+          </a:prstGeom>
+          <a:noFill/>
+          <a:extLst>
+            <a:ext uri="{909E8E84-426E-40DD-AFC4-6F175D3DCCD1}">
+              <a14:hiddenFill xmlns:a14="http://schemas.microsoft.com/office/drawing/2010/main">
+                <a:solidFill>
+                  <a:srgbClr val="FFFFFF"/>
+                </a:solidFill>
+              </a14:hiddenFill>
+            </a:ext>
+          </a:extLst>
+        </p:spPr>
+      </p:pic>
+      <p:pic>
+        <p:nvPicPr>
+          <p:cNvPr id="41" name="Picture 22" descr="Resultado de imagen para dollar icon">
+            <a:extLst>
+              <a:ext uri="{FF2B5EF4-FFF2-40B4-BE49-F238E27FC236}">
+                <a16:creationId xmlns:a16="http://schemas.microsoft.com/office/drawing/2014/main" id="{A5132B18-76E9-4ADB-9528-568AD990D845}"/>
+              </a:ext>
+            </a:extLst>
+          </p:cNvPr>
+          <p:cNvPicPr>
+            <a:picLocks noChangeAspect="1" noChangeArrowheads="1"/>
+          </p:cNvPicPr>
+          <p:nvPr/>
+        </p:nvPicPr>
+        <p:blipFill rotWithShape="1">
+          <a:blip r:embed="rId10" cstate="print">
+            <a:extLst>
+              <a:ext uri="{28A0092B-C50C-407E-A947-70E740481C1C}">
+                <a14:useLocalDpi xmlns:a14="http://schemas.microsoft.com/office/drawing/2010/main" val="0"/>
+              </a:ext>
+            </a:extLst>
+          </a:blip>
+          <a:srcRect b="8270"/>
+          <a:stretch/>
+        </p:blipFill>
+        <p:spPr bwMode="auto">
+          <a:xfrm>
+            <a:off x="4703805" y="1556535"/>
+            <a:ext cx="590291" cy="584085"/>
+          </a:xfrm>
+          <a:prstGeom prst="rect">
+            <a:avLst/>
+          </a:prstGeom>
+          <a:noFill/>
+          <a:extLst>
+            <a:ext uri="{909E8E84-426E-40DD-AFC4-6F175D3DCCD1}">
+              <a14:hiddenFill xmlns:a14="http://schemas.microsoft.com/office/drawing/2010/main">
+                <a:solidFill>
+                  <a:srgbClr val="FFFFFF"/>
+                </a:solidFill>
+              </a14:hiddenFill>
+            </a:ext>
+          </a:extLst>
+        </p:spPr>
+      </p:pic>
+      <p:pic>
+        <p:nvPicPr>
+          <p:cNvPr id="42" name="Picture 24" descr="Resultado de imagen para reloj de arena icon">
+            <a:extLst>
+              <a:ext uri="{FF2B5EF4-FFF2-40B4-BE49-F238E27FC236}">
+                <a16:creationId xmlns:a16="http://schemas.microsoft.com/office/drawing/2014/main" id="{51480AFD-6394-484E-8AF8-4F2F7EE452A6}"/>
+              </a:ext>
+            </a:extLst>
+          </p:cNvPr>
+          <p:cNvPicPr>
+            <a:picLocks noChangeAspect="1" noChangeArrowheads="1"/>
+          </p:cNvPicPr>
+          <p:nvPr/>
+        </p:nvPicPr>
+        <p:blipFill>
+          <a:blip r:embed="rId12" cstate="print">
+            <a:extLst>
+              <a:ext uri="{28A0092B-C50C-407E-A947-70E740481C1C}">
+                <a14:useLocalDpi xmlns:a14="http://schemas.microsoft.com/office/drawing/2010/main" val="0"/>
+              </a:ext>
+            </a:extLst>
+          </a:blip>
+          <a:srcRect/>
+          <a:stretch>
+            <a:fillRect/>
+          </a:stretch>
+        </p:blipFill>
+        <p:spPr bwMode="auto">
+          <a:xfrm>
+            <a:off x="3272229" y="1542562"/>
+            <a:ext cx="590291" cy="590291"/>
+          </a:xfrm>
+          <a:prstGeom prst="rect">
+            <a:avLst/>
+          </a:prstGeom>
+          <a:noFill/>
+          <a:extLst>
+            <a:ext uri="{909E8E84-426E-40DD-AFC4-6F175D3DCCD1}">
+              <a14:hiddenFill xmlns:a14="http://schemas.microsoft.com/office/drawing/2010/main">
+                <a:solidFill>
+                  <a:srgbClr val="FFFFFF"/>
+                </a:solidFill>
+              </a14:hiddenFill>
+            </a:ext>
+          </a:extLst>
+        </p:spPr>
+      </p:pic>
+      <p:sp>
+        <p:nvSpPr>
+          <p:cNvPr id="43" name="CuadroTexto 42">
+            <a:extLst>
+              <a:ext uri="{FF2B5EF4-FFF2-40B4-BE49-F238E27FC236}">
+                <a16:creationId xmlns:a16="http://schemas.microsoft.com/office/drawing/2014/main" id="{5A077F32-E20E-46B0-B4DF-A0FBD8E16257}"/>
+              </a:ext>
+            </a:extLst>
+          </p:cNvPr>
+          <p:cNvSpPr txBox="1"/>
+          <p:nvPr/>
+        </p:nvSpPr>
+        <p:spPr>
+          <a:xfrm>
+            <a:off x="3150533" y="1270273"/>
+            <a:ext cx="769284" cy="307777"/>
+          </a:xfrm>
+          <a:prstGeom prst="rect">
+            <a:avLst/>
+          </a:prstGeom>
+          <a:noFill/>
+        </p:spPr>
+        <p:txBody>
+          <a:bodyPr wrap="square" rtlCol="0">
+            <a:spAutoFit/>
+          </a:bodyPr>
+          <a:lstStyle/>
+          <a:p>
+            <a:r>
+              <a:rPr lang="en-US" sz="1400" dirty="0">
+                <a:solidFill>
+                  <a:schemeClr val="bg2"/>
+                </a:solidFill>
+              </a:rPr>
+              <a:t>Tiempo</a:t>
+            </a:r>
+            <a:endParaRPr lang="es-BO" sz="1400" dirty="0">
+              <a:solidFill>
+                <a:schemeClr val="bg2"/>
+              </a:solidFill>
+            </a:endParaRPr>
+          </a:p>
+        </p:txBody>
+      </p:sp>
+      <p:sp>
+        <p:nvSpPr>
+          <p:cNvPr id="44" name="CuadroTexto 43">
+            <a:extLst>
+              <a:ext uri="{FF2B5EF4-FFF2-40B4-BE49-F238E27FC236}">
+                <a16:creationId xmlns:a16="http://schemas.microsoft.com/office/drawing/2014/main" id="{AD73D185-4602-4887-9BFA-9E59A82CBB90}"/>
+              </a:ext>
+            </a:extLst>
+          </p:cNvPr>
+          <p:cNvSpPr txBox="1"/>
+          <p:nvPr/>
+        </p:nvSpPr>
+        <p:spPr>
+          <a:xfrm>
+            <a:off x="4532631" y="1270272"/>
+            <a:ext cx="1065283" cy="307777"/>
+          </a:xfrm>
+          <a:prstGeom prst="rect">
+            <a:avLst/>
+          </a:prstGeom>
+          <a:noFill/>
+        </p:spPr>
+        <p:txBody>
+          <a:bodyPr wrap="square" rtlCol="0">
+            <a:spAutoFit/>
+          </a:bodyPr>
+          <a:lstStyle/>
+          <a:p>
+            <a:r>
+              <a:rPr lang="en-US" sz="1400" dirty="0" err="1">
+                <a:solidFill>
+                  <a:schemeClr val="bg2"/>
+                </a:solidFill>
+              </a:rPr>
+              <a:t>Economico</a:t>
+            </a:r>
+            <a:endParaRPr lang="es-BO" dirty="0">
+              <a:solidFill>
+                <a:schemeClr val="bg2"/>
+              </a:solidFill>
+            </a:endParaRPr>
+          </a:p>
+        </p:txBody>
+      </p:sp>
+      <p:sp>
+        <p:nvSpPr>
+          <p:cNvPr id="46" name="Flecha: a la derecha 45">
+            <a:extLst>
+              <a:ext uri="{FF2B5EF4-FFF2-40B4-BE49-F238E27FC236}">
+                <a16:creationId xmlns:a16="http://schemas.microsoft.com/office/drawing/2014/main" id="{51CA6864-0154-4C1A-B526-E15C8377822C}"/>
+              </a:ext>
+            </a:extLst>
+          </p:cNvPr>
+          <p:cNvSpPr/>
+          <p:nvPr/>
+        </p:nvSpPr>
+        <p:spPr>
+          <a:xfrm rot="5400000">
+            <a:off x="3293290" y="2437179"/>
+            <a:ext cx="587083" cy="180768"/>
+          </a:xfrm>
+          <a:prstGeom prst="rightArrow">
+            <a:avLst/>
+          </a:prstGeom>
+        </p:spPr>
+        <p:style>
+          <a:lnRef idx="2">
+            <a:schemeClr val="accent1">
+              <a:shade val="50000"/>
+            </a:schemeClr>
+          </a:lnRef>
+          <a:fillRef idx="1">
+            <a:schemeClr val="accent1"/>
+          </a:fillRef>
+          <a:effectRef idx="0">
+            <a:schemeClr val="accent1"/>
+          </a:effectRef>
+          <a:fontRef idx="minor">
+            <a:schemeClr val="lt1"/>
+          </a:fontRef>
+        </p:style>
+        <p:txBody>
+          <a:bodyPr rtlCol="0" anchor="ctr"/>
+          <a:lstStyle/>
+          <a:p>
+            <a:pPr algn="ctr"/>
+            <a:endParaRPr lang="es-BO"/>
+          </a:p>
+        </p:txBody>
+      </p:sp>
+      <p:sp>
+        <p:nvSpPr>
+          <p:cNvPr id="47" name="Flecha: a la derecha 46">
+            <a:extLst>
+              <a:ext uri="{FF2B5EF4-FFF2-40B4-BE49-F238E27FC236}">
+                <a16:creationId xmlns:a16="http://schemas.microsoft.com/office/drawing/2014/main" id="{E937489D-A234-4A98-B497-2EECF9B82C30}"/>
+              </a:ext>
+            </a:extLst>
+          </p:cNvPr>
+          <p:cNvSpPr/>
+          <p:nvPr/>
+        </p:nvSpPr>
+        <p:spPr>
+          <a:xfrm rot="5400000">
+            <a:off x="4773835" y="2356900"/>
+            <a:ext cx="522021" cy="238125"/>
+          </a:xfrm>
+          <a:prstGeom prst="rightArrow">
+            <a:avLst/>
+          </a:prstGeom>
+        </p:spPr>
+        <p:style>
+          <a:lnRef idx="2">
+            <a:schemeClr val="accent1">
+              <a:shade val="50000"/>
+            </a:schemeClr>
+          </a:lnRef>
+          <a:fillRef idx="1">
+            <a:schemeClr val="accent1"/>
+          </a:fillRef>
+          <a:effectRef idx="0">
+            <a:schemeClr val="accent1"/>
+          </a:effectRef>
+          <a:fontRef idx="minor">
+            <a:schemeClr val="lt1"/>
+          </a:fontRef>
+        </p:style>
+        <p:txBody>
+          <a:bodyPr rtlCol="0" anchor="ctr"/>
+          <a:lstStyle/>
+          <a:p>
+            <a:pPr algn="ctr"/>
+            <a:endParaRPr lang="es-BO"/>
+          </a:p>
+        </p:txBody>
+      </p:sp>
+      <p:sp>
+        <p:nvSpPr>
+          <p:cNvPr id="48" name="Flecha: a la derecha 47">
+            <a:extLst>
+              <a:ext uri="{FF2B5EF4-FFF2-40B4-BE49-F238E27FC236}">
+                <a16:creationId xmlns:a16="http://schemas.microsoft.com/office/drawing/2014/main" id="{BA4ED7DA-8CF9-4AEB-A4AC-94379E978E77}"/>
+              </a:ext>
+            </a:extLst>
+          </p:cNvPr>
+          <p:cNvSpPr/>
+          <p:nvPr/>
+        </p:nvSpPr>
+        <p:spPr>
+          <a:xfrm rot="5400000" flipV="1">
+            <a:off x="3349116" y="4919675"/>
+            <a:ext cx="751244" cy="159299"/>
           </a:xfrm>
           <a:prstGeom prst="rightArrow">
             <a:avLst/>
@@ -19296,10 +20576,10 @@
       </p:sp>
       <p:pic>
         <p:nvPicPr>
-          <p:cNvPr id="2068" name="Picture 20" descr="Resultado de imagen para modulos icono">
+          <p:cNvPr id="51" name="Picture 30" descr="edsf">
             <a:extLst>
               <a:ext uri="{FF2B5EF4-FFF2-40B4-BE49-F238E27FC236}">
-                <a16:creationId xmlns:a16="http://schemas.microsoft.com/office/drawing/2014/main" id="{73B888D0-A238-4A80-BE6F-CD5194507545}"/>
+                <a16:creationId xmlns:a16="http://schemas.microsoft.com/office/drawing/2014/main" id="{AC7F2237-2040-4839-B0C5-DB3AE7B3E33E}"/>
               </a:ext>
             </a:extLst>
           </p:cNvPr>
@@ -19309,7 +20589,7 @@
           <p:nvPr/>
         </p:nvPicPr>
         <p:blipFill>
-          <a:blip r:embed="rId13">
+          <a:blip r:embed="rId13" cstate="print">
             <a:extLst>
               <a:ext uri="{28A0092B-C50C-407E-A947-70E740481C1C}">
                 <a14:useLocalDpi xmlns:a14="http://schemas.microsoft.com/office/drawing/2010/main" val="0"/>
@@ -19322,9 +20602,9 @@
           </a:stretch>
         </p:blipFill>
         <p:spPr bwMode="auto">
-          <a:xfrm rot="13559410">
-            <a:off x="4580625" y="5184039"/>
-            <a:ext cx="1447800" cy="1447800"/>
+          <a:xfrm>
+            <a:off x="1670949" y="3928127"/>
+            <a:ext cx="799306" cy="799306"/>
           </a:xfrm>
           <a:prstGeom prst="rect">
             <a:avLst/>
@@ -19343,10 +20623,10 @@
       </p:pic>
       <p:sp>
         <p:nvSpPr>
-          <p:cNvPr id="56" name="Flecha: a la derecha 55">
+          <p:cNvPr id="17" name="Flecha: a la derecha 16">
             <a:extLst>
               <a:ext uri="{FF2B5EF4-FFF2-40B4-BE49-F238E27FC236}">
-                <a16:creationId xmlns:a16="http://schemas.microsoft.com/office/drawing/2014/main" id="{4F1448DD-E279-49EC-8B43-14B0475BB5CA}"/>
+                <a16:creationId xmlns:a16="http://schemas.microsoft.com/office/drawing/2014/main" id="{ACD96DB1-39F4-48BB-9520-7BB0AA0F040B}"/>
               </a:ext>
             </a:extLst>
           </p:cNvPr>
@@ -19355,8 +20635,8 @@
         </p:nvSpPr>
         <p:spPr>
           <a:xfrm>
-            <a:off x="3981698" y="5491839"/>
-            <a:ext cx="563491" cy="238125"/>
+            <a:off x="5857035" y="5744560"/>
+            <a:ext cx="320727" cy="182355"/>
           </a:xfrm>
           <a:prstGeom prst="rightArrow">
             <a:avLst/>
@@ -19389,10 +20669,10 @@
       </p:sp>
       <p:pic>
         <p:nvPicPr>
-          <p:cNvPr id="2070" name="Picture 22" descr="Resultado de imagen para calendario icono">
+          <p:cNvPr id="7" name="Picture 2" descr="Resultado de imagen para PROYECTO icono">
             <a:extLst>
               <a:ext uri="{FF2B5EF4-FFF2-40B4-BE49-F238E27FC236}">
-                <a16:creationId xmlns:a16="http://schemas.microsoft.com/office/drawing/2014/main" id="{8521E14D-D685-418E-9709-856AFE1B40D3}"/>
+                <a16:creationId xmlns:a16="http://schemas.microsoft.com/office/drawing/2014/main" id="{86B24DF4-BE5B-43F5-A8B1-A6188F56B117}"/>
               </a:ext>
             </a:extLst>
           </p:cNvPr>
@@ -19416,8 +20696,8 @@
         </p:blipFill>
         <p:spPr bwMode="auto">
           <a:xfrm>
-            <a:off x="4406962" y="4629848"/>
-            <a:ext cx="480907" cy="480907"/>
+            <a:off x="7676949" y="5361425"/>
+            <a:ext cx="892856" cy="892856"/>
           </a:xfrm>
           <a:prstGeom prst="rect">
             <a:avLst/>
@@ -19434,54 +20714,103 @@
           </a:extLst>
         </p:spPr>
       </p:pic>
-      <p:cxnSp>
-        <p:nvCxnSpPr>
-          <p:cNvPr id="45" name="Conector recto de flecha 44">
+      <p:sp>
+        <p:nvSpPr>
+          <p:cNvPr id="55" name="Flecha: a la derecha 54">
             <a:extLst>
               <a:ext uri="{FF2B5EF4-FFF2-40B4-BE49-F238E27FC236}">
-                <a16:creationId xmlns:a16="http://schemas.microsoft.com/office/drawing/2014/main" id="{7EF16057-0BC4-4DC8-94C4-5452FE61FEC6}"/>
+                <a16:creationId xmlns:a16="http://schemas.microsoft.com/office/drawing/2014/main" id="{07E8C762-B6B8-4933-B54B-3A3FCCF8F29B}"/>
               </a:ext>
             </a:extLst>
           </p:cNvPr>
-          <p:cNvCxnSpPr>
-            <a:cxnSpLocks/>
-          </p:cNvCxnSpPr>
+          <p:cNvSpPr/>
           <p:nvPr/>
-        </p:nvCxnSpPr>
+        </p:nvSpPr>
         <p:spPr>
-          <a:xfrm flipH="1" flipV="1">
-            <a:off x="4887869" y="5075385"/>
-            <a:ext cx="214454" cy="344725"/>
+          <a:xfrm>
+            <a:off x="7176041" y="5716676"/>
+            <a:ext cx="320727" cy="182355"/>
           </a:xfrm>
-          <a:prstGeom prst="straightConnector1">
+          <a:prstGeom prst="rightArrow">
             <a:avLst/>
           </a:prstGeom>
-          <a:ln>
-            <a:headEnd type="triangle"/>
-            <a:tailEnd type="triangle"/>
-          </a:ln>
         </p:spPr>
         <p:style>
-          <a:lnRef idx="1">
-            <a:schemeClr val="accent1"/>
+          <a:lnRef idx="2">
+            <a:schemeClr val="accent1">
+              <a:shade val="50000"/>
+            </a:schemeClr>
           </a:lnRef>
-          <a:fillRef idx="0">
+          <a:fillRef idx="1">
             <a:schemeClr val="accent1"/>
           </a:fillRef>
           <a:effectRef idx="0">
             <a:schemeClr val="accent1"/>
           </a:effectRef>
           <a:fontRef idx="minor">
-            <a:schemeClr val="tx1"/>
+            <a:schemeClr val="lt1"/>
           </a:fontRef>
         </p:style>
-      </p:cxnSp>
+        <p:txBody>
+          <a:bodyPr rtlCol="0" anchor="ctr"/>
+          <a:lstStyle/>
+          <a:p>
+            <a:pPr algn="ctr"/>
+            <a:endParaRPr lang="es-BO"/>
+          </a:p>
+        </p:txBody>
+      </p:sp>
+      <p:pic>
+        <p:nvPicPr>
+          <p:cNvPr id="1030" name="Picture 6" descr="Resultado de imagen para calculadora icono">
+            <a:extLst>
+              <a:ext uri="{FF2B5EF4-FFF2-40B4-BE49-F238E27FC236}">
+                <a16:creationId xmlns:a16="http://schemas.microsoft.com/office/drawing/2014/main" id="{324FAB06-CCF4-4BFF-94C7-F36BA984CFAC}"/>
+              </a:ext>
+            </a:extLst>
+          </p:cNvPr>
+          <p:cNvPicPr>
+            <a:picLocks noChangeAspect="1" noChangeArrowheads="1"/>
+          </p:cNvPicPr>
+          <p:nvPr/>
+        </p:nvPicPr>
+        <p:blipFill rotWithShape="1">
+          <a:blip r:embed="rId15" cstate="print">
+            <a:extLst>
+              <a:ext uri="{28A0092B-C50C-407E-A947-70E740481C1C}">
+                <a14:useLocalDpi xmlns:a14="http://schemas.microsoft.com/office/drawing/2010/main" val="0"/>
+              </a:ext>
+            </a:extLst>
+          </a:blip>
+          <a:srcRect l="12076" r="12209"/>
+          <a:stretch/>
+        </p:blipFill>
+        <p:spPr bwMode="auto">
+          <a:xfrm>
+            <a:off x="4776061" y="2765913"/>
+            <a:ext cx="486009" cy="641890"/>
+          </a:xfrm>
+          <a:prstGeom prst="rect">
+            <a:avLst/>
+          </a:prstGeom>
+          <a:noFill/>
+          <a:extLst>
+            <a:ext uri="{909E8E84-426E-40DD-AFC4-6F175D3DCCD1}">
+              <a14:hiddenFill xmlns:a14="http://schemas.microsoft.com/office/drawing/2010/main">
+                <a:solidFill>
+                  <a:srgbClr val="FFFFFF"/>
+                </a:solidFill>
+              </a14:hiddenFill>
+            </a:ext>
+          </a:extLst>
+        </p:spPr>
+      </p:pic>
       <p:sp>
         <p:nvSpPr>
-          <p:cNvPr id="49" name="Flecha: a la izquierda y derecha 48">
+          <p:cNvPr id="9" name="Flecha: a la izquierda y derecha 8">
             <a:extLst>
               <a:ext uri="{FF2B5EF4-FFF2-40B4-BE49-F238E27FC236}">
-                <a16:creationId xmlns:a16="http://schemas.microsoft.com/office/drawing/2014/main" id="{6977ACE5-1345-4127-B1EA-EAEE846CF1E8}"/>
+                <a16:creationId xmlns:a16="http://schemas.microsoft.com/office/drawing/2014/main" id="{241DDE65-FD46-4AC7-A369-A7C67120119D}"/>
               </a:ext>
             </a:extLst>
           </p:cNvPr>
@@ -19490,8 +20819,8 @@
         </p:nvSpPr>
         <p:spPr>
           <a:xfrm>
-            <a:off x="2370295" y="4215374"/>
-            <a:ext cx="703474" cy="285335"/>
+            <a:off x="1199498" y="4200053"/>
+            <a:ext cx="407299" cy="180558"/>
           </a:xfrm>
           <a:prstGeom prst="leftRightArrow">
             <a:avLst/>
@@ -19524,10 +20853,10 @@
       </p:sp>
       <p:pic>
         <p:nvPicPr>
-          <p:cNvPr id="1026" name="Picture 2" descr="Resultado de imagen para trabajo a mano logo">
+          <p:cNvPr id="1032" name="Picture 8" descr="Resultado de imagen para calendario icono">
             <a:extLst>
               <a:ext uri="{FF2B5EF4-FFF2-40B4-BE49-F238E27FC236}">
-                <a16:creationId xmlns:a16="http://schemas.microsoft.com/office/drawing/2014/main" id="{03F5C9FE-28D7-4A4D-9BE4-436F18B61582}"/>
+                <a16:creationId xmlns:a16="http://schemas.microsoft.com/office/drawing/2014/main" id="{EDB9A09F-C035-433E-9E15-C58A8FF628C6}"/>
               </a:ext>
             </a:extLst>
           </p:cNvPr>
@@ -19536,21 +20865,70 @@
           </p:cNvPicPr>
           <p:nvPr/>
         </p:nvPicPr>
-        <p:blipFill rotWithShape="1">
-          <a:blip r:embed="rId15">
+        <p:blipFill>
+          <a:blip r:embed="rId16" cstate="print">
             <a:extLst>
               <a:ext uri="{28A0092B-C50C-407E-A947-70E740481C1C}">
                 <a14:useLocalDpi xmlns:a14="http://schemas.microsoft.com/office/drawing/2010/main" val="0"/>
               </a:ext>
             </a:extLst>
           </a:blip>
-          <a:srcRect l="7810" r="11456" b="35892"/>
-          <a:stretch/>
+          <a:srcRect/>
+          <a:stretch>
+            <a:fillRect/>
+          </a:stretch>
         </p:blipFill>
         <p:spPr bwMode="auto">
           <a:xfrm>
-            <a:off x="6211380" y="4638326"/>
-            <a:ext cx="762863" cy="641890"/>
+            <a:off x="3650484" y="2802339"/>
+            <a:ext cx="473958" cy="473958"/>
+          </a:xfrm>
+          <a:prstGeom prst="rect">
+            <a:avLst/>
+          </a:prstGeom>
+          <a:noFill/>
+          <a:extLst>
+            <a:ext uri="{909E8E84-426E-40DD-AFC4-6F175D3DCCD1}">
+              <a14:hiddenFill xmlns:a14="http://schemas.microsoft.com/office/drawing/2010/main">
+                <a:solidFill>
+                  <a:srgbClr val="FFFFFF"/>
+                </a:solidFill>
+              </a14:hiddenFill>
+            </a:ext>
+          </a:extLst>
+        </p:spPr>
+      </p:pic>
+      <p:pic>
+        <p:nvPicPr>
+          <p:cNvPr id="1034" name="Picture 10" descr="Resultado de imagen para calendario icono">
+            <a:extLst>
+              <a:ext uri="{FF2B5EF4-FFF2-40B4-BE49-F238E27FC236}">
+                <a16:creationId xmlns:a16="http://schemas.microsoft.com/office/drawing/2014/main" id="{4AC864F4-6EC2-4091-B822-0109C4B0AB53}"/>
+              </a:ext>
+            </a:extLst>
+          </p:cNvPr>
+          <p:cNvPicPr>
+            <a:picLocks noChangeAspect="1" noChangeArrowheads="1"/>
+          </p:cNvPicPr>
+          <p:nvPr/>
+        </p:nvPicPr>
+        <p:blipFill>
+          <a:blip r:embed="rId17" cstate="print">
+            <a:extLst>
+              <a:ext uri="{28A0092B-C50C-407E-A947-70E740481C1C}">
+                <a14:useLocalDpi xmlns:a14="http://schemas.microsoft.com/office/drawing/2010/main" val="0"/>
+              </a:ext>
+            </a:extLst>
+          </a:blip>
+          <a:srcRect/>
+          <a:stretch>
+            <a:fillRect/>
+          </a:stretch>
+        </p:blipFill>
+        <p:spPr bwMode="auto">
+          <a:xfrm>
+            <a:off x="3127253" y="2844588"/>
+            <a:ext cx="420833" cy="420833"/>
           </a:xfrm>
           <a:prstGeom prst="rect">
             <a:avLst/>
@@ -19569,10 +20947,10 @@
       </p:pic>
       <p:sp>
         <p:nvSpPr>
-          <p:cNvPr id="3" name="Flecha: hacia la izquierda 2">
+          <p:cNvPr id="60" name="Flecha: a la derecha 59">
             <a:extLst>
               <a:ext uri="{FF2B5EF4-FFF2-40B4-BE49-F238E27FC236}">
-                <a16:creationId xmlns:a16="http://schemas.microsoft.com/office/drawing/2014/main" id="{6B7A14A5-235C-4D74-9674-C5B6CD2BCE82}"/>
+                <a16:creationId xmlns:a16="http://schemas.microsoft.com/office/drawing/2014/main" id="{F1D09EFE-675B-4DB3-8339-1DC44BFAAC9C}"/>
               </a:ext>
             </a:extLst>
           </p:cNvPr>
@@ -19580,11 +20958,11 @@
           <p:nvPr/>
         </p:nvSpPr>
         <p:spPr>
-          <a:xfrm>
-            <a:off x="5227320" y="4681107"/>
-            <a:ext cx="763677" cy="278164"/>
+          <a:xfrm rot="5400000">
+            <a:off x="3336460" y="3511304"/>
+            <a:ext cx="587083" cy="180768"/>
           </a:xfrm>
-          <a:prstGeom prst="leftArrow">
+          <a:prstGeom prst="rightArrow">
             <a:avLst/>
           </a:prstGeom>
         </p:spPr>
@@ -19657,7 +21035,7 @@
                                           </p:stCondLst>
                                         </p:cTn>
                                         <p:tgtEl>
-                                          <p:spTgt spid="2054"/>
+                                          <p:spTgt spid="41"/>
                                         </p:tgtEl>
                                         <p:attrNameLst>
                                           <p:attrName>style.visibility</p:attrName>
@@ -19684,6 +21062,60 @@
                                           </p:stCondLst>
                                         </p:cTn>
                                         <p:tgtEl>
+                                          <p:spTgt spid="44"/>
+                                        </p:tgtEl>
+                                        <p:attrNameLst>
+                                          <p:attrName>style.visibility</p:attrName>
+                                        </p:attrNameLst>
+                                      </p:cBhvr>
+                                      <p:to>
+                                        <p:strVal val="visible"/>
+                                      </p:to>
+                                    </p:set>
+                                  </p:childTnLst>
+                                </p:cTn>
+                              </p:par>
+                              <p:par>
+                                <p:cTn id="9" presetID="1" presetClass="entr" presetSubtype="0" fill="hold" grpId="0" nodeType="withEffect">
+                                  <p:stCondLst>
+                                    <p:cond delay="0"/>
+                                  </p:stCondLst>
+                                  <p:childTnLst>
+                                    <p:set>
+                                      <p:cBhvr>
+                                        <p:cTn id="10" dur="1" fill="hold">
+                                          <p:stCondLst>
+                                            <p:cond delay="0"/>
+                                          </p:stCondLst>
+                                        </p:cTn>
+                                        <p:tgtEl>
+                                          <p:spTgt spid="43"/>
+                                        </p:tgtEl>
+                                        <p:attrNameLst>
+                                          <p:attrName>style.visibility</p:attrName>
+                                        </p:attrNameLst>
+                                      </p:cBhvr>
+                                      <p:to>
+                                        <p:strVal val="visible"/>
+                                      </p:to>
+                                    </p:set>
+                                  </p:childTnLst>
+                                </p:cTn>
+                              </p:par>
+                              <p:par>
+                                <p:cTn id="11" presetID="1" presetClass="entr" presetSubtype="0" fill="hold" grpId="0" nodeType="withEffect">
+                                  <p:stCondLst>
+                                    <p:cond delay="0"/>
+                                  </p:stCondLst>
+                                  <p:childTnLst>
+                                    <p:set>
+                                      <p:cBhvr>
+                                        <p:cTn id="12" dur="1" fill="hold">
+                                          <p:stCondLst>
+                                            <p:cond delay="0"/>
+                                          </p:stCondLst>
+                                        </p:cTn>
+                                        <p:tgtEl>
                                           <p:spTgt spid="4"/>
                                         </p:tgtEl>
                                         <p:attrNameLst>
@@ -19698,14 +21130,113 @@
                                 </p:cTn>
                               </p:par>
                               <p:par>
-                                <p:cTn id="9" presetID="1" presetClass="entr" presetSubtype="0" fill="hold" nodeType="withEffect">
+                                <p:cTn id="13" presetID="1" presetClass="entr" presetSubtype="0" fill="hold" nodeType="withEffect">
                                   <p:stCondLst>
                                     <p:cond delay="0"/>
                                   </p:stCondLst>
                                   <p:childTnLst>
                                     <p:set>
                                       <p:cBhvr>
-                                        <p:cTn id="10" dur="1" fill="hold">
+                                        <p:cTn id="14" dur="1" fill="hold">
+                                          <p:stCondLst>
+                                            <p:cond delay="0"/>
+                                          </p:stCondLst>
+                                        </p:cTn>
+                                        <p:tgtEl>
+                                          <p:spTgt spid="32"/>
+                                        </p:tgtEl>
+                                        <p:attrNameLst>
+                                          <p:attrName>style.visibility</p:attrName>
+                                        </p:attrNameLst>
+                                      </p:cBhvr>
+                                      <p:to>
+                                        <p:strVal val="visible"/>
+                                      </p:to>
+                                    </p:set>
+                                  </p:childTnLst>
+                                </p:cTn>
+                              </p:par>
+                              <p:par>
+                                <p:cTn id="15" presetID="1" presetClass="entr" presetSubtype="0" fill="hold" nodeType="withEffect">
+                                  <p:stCondLst>
+                                    <p:cond delay="0"/>
+                                  </p:stCondLst>
+                                  <p:childTnLst>
+                                    <p:set>
+                                      <p:cBhvr>
+                                        <p:cTn id="16" dur="1" fill="hold">
+                                          <p:stCondLst>
+                                            <p:cond delay="0"/>
+                                          </p:stCondLst>
+                                        </p:cTn>
+                                        <p:tgtEl>
+                                          <p:spTgt spid="10"/>
+                                        </p:tgtEl>
+                                        <p:attrNameLst>
+                                          <p:attrName>style.visibility</p:attrName>
+                                        </p:attrNameLst>
+                                      </p:cBhvr>
+                                      <p:to>
+                                        <p:strVal val="visible"/>
+                                      </p:to>
+                                    </p:set>
+                                  </p:childTnLst>
+                                </p:cTn>
+                              </p:par>
+                              <p:par>
+                                <p:cTn id="17" presetID="1" presetClass="entr" presetSubtype="0" fill="hold" nodeType="withEffect">
+                                  <p:stCondLst>
+                                    <p:cond delay="0"/>
+                                  </p:stCondLst>
+                                  <p:childTnLst>
+                                    <p:set>
+                                      <p:cBhvr>
+                                        <p:cTn id="18" dur="1" fill="hold">
+                                          <p:stCondLst>
+                                            <p:cond delay="0"/>
+                                          </p:stCondLst>
+                                        </p:cTn>
+                                        <p:tgtEl>
+                                          <p:spTgt spid="42"/>
+                                        </p:tgtEl>
+                                        <p:attrNameLst>
+                                          <p:attrName>style.visibility</p:attrName>
+                                        </p:attrNameLst>
+                                      </p:cBhvr>
+                                      <p:to>
+                                        <p:strVal val="visible"/>
+                                      </p:to>
+                                    </p:set>
+                                  </p:childTnLst>
+                                </p:cTn>
+                              </p:par>
+                            </p:childTnLst>
+                          </p:cTn>
+                        </p:par>
+                      </p:childTnLst>
+                    </p:cTn>
+                  </p:par>
+                  <p:par>
+                    <p:cTn id="19" fill="hold">
+                      <p:stCondLst>
+                        <p:cond delay="indefinite"/>
+                      </p:stCondLst>
+                      <p:childTnLst>
+                        <p:par>
+                          <p:cTn id="20" fill="hold">
+                            <p:stCondLst>
+                              <p:cond delay="0"/>
+                            </p:stCondLst>
+                            <p:childTnLst>
+                              <p:par>
+                                <p:cTn id="21" presetID="1" presetClass="entr" presetSubtype="0" fill="hold" nodeType="clickEffect">
+                                  <p:stCondLst>
+                                    <p:cond delay="0"/>
+                                  </p:stCondLst>
+                                  <p:childTnLst>
+                                    <p:set>
+                                      <p:cBhvr>
+                                        <p:cTn id="22" dur="1" fill="hold">
                                           <p:stCondLst>
                                             <p:cond delay="0"/>
                                           </p:stCondLst>
@@ -19725,41 +21256,14 @@
                                 </p:cTn>
                               </p:par>
                               <p:par>
-                                <p:cTn id="11" presetID="1" presetClass="entr" presetSubtype="0" fill="hold" nodeType="withEffect">
+                                <p:cTn id="23" presetID="1" presetClass="entr" presetSubtype="0" fill="hold" grpId="0" nodeType="withEffect">
                                   <p:stCondLst>
                                     <p:cond delay="0"/>
                                   </p:stCondLst>
                                   <p:childTnLst>
                                     <p:set>
                                       <p:cBhvr>
-                                        <p:cTn id="12" dur="1" fill="hold">
-                                          <p:stCondLst>
-                                            <p:cond delay="0"/>
-                                          </p:stCondLst>
-                                        </p:cTn>
-                                        <p:tgtEl>
-                                          <p:spTgt spid="10"/>
-                                        </p:tgtEl>
-                                        <p:attrNameLst>
-                                          <p:attrName>style.visibility</p:attrName>
-                                        </p:attrNameLst>
-                                      </p:cBhvr>
-                                      <p:to>
-                                        <p:strVal val="visible"/>
-                                      </p:to>
-                                    </p:set>
-                                  </p:childTnLst>
-                                </p:cTn>
-                              </p:par>
-                              <p:par>
-                                <p:cTn id="13" presetID="1" presetClass="entr" presetSubtype="0" fill="hold" grpId="0" nodeType="withEffect">
-                                  <p:stCondLst>
-                                    <p:cond delay="0"/>
-                                  </p:stCondLst>
-                                  <p:childTnLst>
-                                    <p:set>
-                                      <p:cBhvr>
-                                        <p:cTn id="14" dur="1" fill="hold">
+                                        <p:cTn id="24" dur="1" fill="hold">
                                           <p:stCondLst>
                                             <p:cond delay="0"/>
                                           </p:stCondLst>
@@ -19778,134 +21282,8 @@
                                   </p:childTnLst>
                                 </p:cTn>
                               </p:par>
-                            </p:childTnLst>
-                          </p:cTn>
-                        </p:par>
-                      </p:childTnLst>
-                    </p:cTn>
-                  </p:par>
-                  <p:par>
-                    <p:cTn id="15" fill="hold">
-                      <p:stCondLst>
-                        <p:cond delay="indefinite"/>
-                      </p:stCondLst>
-                      <p:childTnLst>
-                        <p:par>
-                          <p:cTn id="16" fill="hold">
-                            <p:stCondLst>
-                              <p:cond delay="0"/>
-                            </p:stCondLst>
-                            <p:childTnLst>
                               <p:par>
-                                <p:cTn id="17" presetID="1" presetClass="entr" presetSubtype="0" fill="hold" nodeType="clickEffect">
-                                  <p:stCondLst>
-                                    <p:cond delay="0"/>
-                                  </p:stCondLst>
-                                  <p:childTnLst>
-                                    <p:set>
-                                      <p:cBhvr>
-                                        <p:cTn id="18" dur="1" fill="hold">
-                                          <p:stCondLst>
-                                            <p:cond delay="0"/>
-                                          </p:stCondLst>
-                                        </p:cTn>
-                                        <p:tgtEl>
-                                          <p:spTgt spid="2058"/>
-                                        </p:tgtEl>
-                                        <p:attrNameLst>
-                                          <p:attrName>style.visibility</p:attrName>
-                                        </p:attrNameLst>
-                                      </p:cBhvr>
-                                      <p:to>
-                                        <p:strVal val="visible"/>
-                                      </p:to>
-                                    </p:set>
-                                  </p:childTnLst>
-                                </p:cTn>
-                              </p:par>
-                              <p:par>
-                                <p:cTn id="19" presetID="1" presetClass="entr" presetSubtype="0" fill="hold" nodeType="withEffect">
-                                  <p:stCondLst>
-                                    <p:cond delay="0"/>
-                                  </p:stCondLst>
-                                  <p:childTnLst>
-                                    <p:set>
-                                      <p:cBhvr>
-                                        <p:cTn id="20" dur="1" fill="hold">
-                                          <p:stCondLst>
-                                            <p:cond delay="0"/>
-                                          </p:stCondLst>
-                                        </p:cTn>
-                                        <p:tgtEl>
-                                          <p:spTgt spid="14"/>
-                                        </p:tgtEl>
-                                        <p:attrNameLst>
-                                          <p:attrName>style.visibility</p:attrName>
-                                        </p:attrNameLst>
-                                      </p:cBhvr>
-                                      <p:to>
-                                        <p:strVal val="visible"/>
-                                      </p:to>
-                                    </p:set>
-                                  </p:childTnLst>
-                                </p:cTn>
-                              </p:par>
-                              <p:par>
-                                <p:cTn id="21" presetID="1" presetClass="entr" presetSubtype="0" fill="hold" nodeType="withEffect">
-                                  <p:stCondLst>
-                                    <p:cond delay="0"/>
-                                  </p:stCondLst>
-                                  <p:childTnLst>
-                                    <p:set>
-                                      <p:cBhvr>
-                                        <p:cTn id="22" dur="1" fill="hold">
-                                          <p:stCondLst>
-                                            <p:cond delay="0"/>
-                                          </p:stCondLst>
-                                        </p:cTn>
-                                        <p:tgtEl>
-                                          <p:spTgt spid="15"/>
-                                        </p:tgtEl>
-                                        <p:attrNameLst>
-                                          <p:attrName>style.visibility</p:attrName>
-                                        </p:attrNameLst>
-                                      </p:cBhvr>
-                                      <p:to>
-                                        <p:strVal val="visible"/>
-                                      </p:to>
-                                    </p:set>
-                                  </p:childTnLst>
-                                </p:cTn>
-                              </p:par>
-                              <p:par>
-                                <p:cTn id="23" presetID="1" presetClass="entr" presetSubtype="0" fill="hold" nodeType="withEffect">
-                                  <p:stCondLst>
-                                    <p:cond delay="0"/>
-                                  </p:stCondLst>
-                                  <p:childTnLst>
-                                    <p:set>
-                                      <p:cBhvr>
-                                        <p:cTn id="24" dur="1" fill="hold">
-                                          <p:stCondLst>
-                                            <p:cond delay="0"/>
-                                          </p:stCondLst>
-                                        </p:cTn>
-                                        <p:tgtEl>
-                                          <p:spTgt spid="2060"/>
-                                        </p:tgtEl>
-                                        <p:attrNameLst>
-                                          <p:attrName>style.visibility</p:attrName>
-                                        </p:attrNameLst>
-                                      </p:cBhvr>
-                                      <p:to>
-                                        <p:strVal val="visible"/>
-                                      </p:to>
-                                    </p:set>
-                                  </p:childTnLst>
-                                </p:cTn>
-                              </p:par>
-                              <p:par>
-                                <p:cTn id="25" presetID="1" presetClass="entr" presetSubtype="0" fill="hold" grpId="0" nodeType="withEffect">
+                                <p:cTn id="25" presetID="1" presetClass="entr" presetSubtype="0" fill="hold" nodeType="withEffect">
                                   <p:stCondLst>
                                     <p:cond delay="0"/>
                                   </p:stCondLst>
@@ -19918,7 +21296,7 @@
                                           </p:stCondLst>
                                         </p:cTn>
                                         <p:tgtEl>
-                                          <p:spTgt spid="17"/>
+                                          <p:spTgt spid="2058"/>
                                         </p:tgtEl>
                                         <p:attrNameLst>
                                           <p:attrName>style.visibility</p:attrName>
@@ -19945,7 +21323,7 @@
                                           </p:stCondLst>
                                         </p:cTn>
                                         <p:tgtEl>
-                                          <p:spTgt spid="18"/>
+                                          <p:spTgt spid="14"/>
                                         </p:tgtEl>
                                         <p:attrNameLst>
                                           <p:attrName>style.visibility</p:attrName>
@@ -19972,7 +21350,7 @@
                                           </p:stCondLst>
                                         </p:cTn>
                                         <p:tgtEl>
-                                          <p:spTgt spid="34"/>
+                                          <p:spTgt spid="2060"/>
                                         </p:tgtEl>
                                         <p:attrNameLst>
                                           <p:attrName>style.visibility</p:attrName>
@@ -19986,7 +21364,7 @@
                                 </p:cTn>
                               </p:par>
                               <p:par>
-                                <p:cTn id="31" presetID="1" presetClass="entr" presetSubtype="0" fill="hold" nodeType="withEffect">
+                                <p:cTn id="31" presetID="1" presetClass="entr" presetSubtype="0" fill="hold" grpId="0" nodeType="withEffect">
                                   <p:stCondLst>
                                     <p:cond delay="0"/>
                                   </p:stCondLst>
@@ -19999,7 +21377,7 @@
                                           </p:stCondLst>
                                         </p:cTn>
                                         <p:tgtEl>
-                                          <p:spTgt spid="37"/>
+                                          <p:spTgt spid="39"/>
                                         </p:tgtEl>
                                         <p:attrNameLst>
                                           <p:attrName>style.visibility</p:attrName>
@@ -20026,7 +21404,88 @@
                                           </p:stCondLst>
                                         </p:cTn>
                                         <p:tgtEl>
-                                          <p:spTgt spid="41"/>
+                                          <p:spTgt spid="34"/>
+                                        </p:tgtEl>
+                                        <p:attrNameLst>
+                                          <p:attrName>style.visibility</p:attrName>
+                                        </p:attrNameLst>
+                                      </p:cBhvr>
+                                      <p:to>
+                                        <p:strVal val="visible"/>
+                                      </p:to>
+                                    </p:set>
+                                  </p:childTnLst>
+                                </p:cTn>
+                              </p:par>
+                              <p:par>
+                                <p:cTn id="35" presetID="1" presetClass="entr" presetSubtype="0" fill="hold" nodeType="withEffect">
+                                  <p:stCondLst>
+                                    <p:cond delay="0"/>
+                                  </p:stCondLst>
+                                  <p:childTnLst>
+                                    <p:set>
+                                      <p:cBhvr>
+                                        <p:cTn id="36" dur="1" fill="hold">
+                                          <p:stCondLst>
+                                            <p:cond delay="0"/>
+                                          </p:stCondLst>
+                                        </p:cTn>
+                                        <p:tgtEl>
+                                          <p:spTgt spid="37"/>
+                                        </p:tgtEl>
+                                        <p:attrNameLst>
+                                          <p:attrName>style.visibility</p:attrName>
+                                        </p:attrNameLst>
+                                      </p:cBhvr>
+                                      <p:to>
+                                        <p:strVal val="visible"/>
+                                      </p:to>
+                                    </p:set>
+                                  </p:childTnLst>
+                                </p:cTn>
+                              </p:par>
+                              <p:par>
+                                <p:cTn id="37" presetID="1" presetClass="entr" presetSubtype="0" fill="hold" nodeType="withEffect">
+                                  <p:stCondLst>
+                                    <p:cond delay="0"/>
+                                  </p:stCondLst>
+                                  <p:childTnLst>
+                                    <p:set>
+                                      <p:cBhvr>
+                                        <p:cTn id="38" dur="1" fill="hold">
+                                          <p:stCondLst>
+                                            <p:cond delay="0"/>
+                                          </p:stCondLst>
+                                        </p:cTn>
+                                        <p:tgtEl>
+                                          <p:spTgt spid="51"/>
+                                        </p:tgtEl>
+                                        <p:attrNameLst>
+                                          <p:attrName>style.visibility</p:attrName>
+                                        </p:attrNameLst>
+                                      </p:cBhvr>
+                                      <p:to>
+                                        <p:strVal val="visible"/>
+                                      </p:to>
+                                    </p:set>
+                                  </p:childTnLst>
+                                </p:cTn>
+                              </p:par>
+                              <p:par>
+                                <p:cTn id="39" presetID="1" presetClass="entr" presetSubtype="0" fill="hold" grpId="0" nodeType="withEffect">
+                                  <p:stCondLst>
+                                    <p:cond delay="0"/>
+                                  </p:stCondLst>
+                                  <p:childTnLst>
+                                    <p:set>
+                                      <p:cBhvr>
+                                        <p:cTn id="40" dur="1" fill="hold">
+                                          <p:stCondLst>
+                                            <p:cond delay="0"/>
+                                          </p:stCondLst>
+                                        </p:cTn>
+                                        <p:tgtEl>
+                                          <p:spTgt spid="9"/>
                                         </p:tgtEl>
                                         <p:attrNameLst>
                                           <p:attrName>style.visibility</p:attrName>
@@ -20046,32 +21505,32 @@
                     </p:cTn>
                   </p:par>
                   <p:par>
-                    <p:cTn id="35" fill="hold">
+                    <p:cTn id="41" fill="hold">
                       <p:stCondLst>
                         <p:cond delay="indefinite"/>
                       </p:stCondLst>
                       <p:childTnLst>
                         <p:par>
-                          <p:cTn id="36" fill="hold">
+                          <p:cTn id="42" fill="hold">
                             <p:stCondLst>
                               <p:cond delay="0"/>
                             </p:stCondLst>
                             <p:childTnLst>
                               <p:par>
-                                <p:cTn id="37" presetID="1" presetClass="entr" presetSubtype="0" fill="hold" grpId="0" nodeType="clickEffect">
+                                <p:cTn id="43" presetID="1" presetClass="entr" presetSubtype="0" fill="hold" nodeType="clickEffect">
                                   <p:stCondLst>
                                     <p:cond delay="0"/>
                                   </p:stCondLst>
                                   <p:childTnLst>
                                     <p:set>
                                       <p:cBhvr>
-                                        <p:cTn id="38" dur="1" fill="hold">
+                                        <p:cTn id="44" dur="1" fill="hold">
                                           <p:stCondLst>
                                             <p:cond delay="0"/>
                                           </p:stCondLst>
                                         </p:cTn>
                                         <p:tgtEl>
-                                          <p:spTgt spid="39"/>
+                                          <p:spTgt spid="1034"/>
                                         </p:tgtEl>
                                         <p:attrNameLst>
                                           <p:attrName>style.visibility</p:attrName>
@@ -20085,20 +21544,20 @@
                                 </p:cTn>
                               </p:par>
                               <p:par>
-                                <p:cTn id="39" presetID="1" presetClass="entr" presetSubtype="0" fill="hold" nodeType="withEffect">
+                                <p:cTn id="45" presetID="1" presetClass="entr" presetSubtype="0" fill="hold" nodeType="withEffect">
                                   <p:stCondLst>
                                     <p:cond delay="0"/>
                                   </p:stCondLst>
                                   <p:childTnLst>
                                     <p:set>
                                       <p:cBhvr>
-                                        <p:cTn id="40" dur="1" fill="hold">
+                                        <p:cTn id="46" dur="1" fill="hold">
                                           <p:stCondLst>
                                             <p:cond delay="0"/>
                                           </p:stCondLst>
                                         </p:cTn>
                                         <p:tgtEl>
-                                          <p:spTgt spid="38"/>
+                                          <p:spTgt spid="1032"/>
                                         </p:tgtEl>
                                         <p:attrNameLst>
                                           <p:attrName>style.visibility</p:attrName>
@@ -20112,47 +21571,20 @@
                                 </p:cTn>
                               </p:par>
                               <p:par>
-                                <p:cTn id="41" presetID="1" presetClass="entr" presetSubtype="0" fill="hold" grpId="0" nodeType="withEffect">
+                                <p:cTn id="47" presetID="1" presetClass="entr" presetSubtype="0" fill="hold" grpId="0" nodeType="withEffect">
                                   <p:stCondLst>
                                     <p:cond delay="0"/>
                                   </p:stCondLst>
                                   <p:childTnLst>
                                     <p:set>
                                       <p:cBhvr>
-                                        <p:cTn id="42" dur="1" fill="hold">
+                                        <p:cTn id="48" dur="1" fill="hold">
                                           <p:stCondLst>
                                             <p:cond delay="0"/>
                                           </p:stCondLst>
                                         </p:cTn>
                                         <p:tgtEl>
-                                          <p:spTgt spid="52"/>
-                                        </p:tgtEl>
-                                        <p:attrNameLst>
-                                          <p:attrName>style.visibility</p:attrName>
-                                        </p:attrNameLst>
-                                      </p:cBhvr>
-                                      <p:to>
-                                        <p:strVal val="visible"/>
-                                      </p:to>
-                                    </p:set>
-                                  </p:childTnLst>
-                                </p:cTn>
-                              </p:par>
-                              <p:par>
-                                <p:cTn id="43" presetID="1" presetClass="entr" presetSubtype="0" fill="hold" nodeType="withEffect">
-                                  <p:stCondLst>
-                                    <p:cond delay="0"/>
-                                  </p:stCondLst>
-                                  <p:childTnLst>
-                                    <p:set>
-                                      <p:cBhvr>
-                                        <p:cTn id="44" dur="1" fill="hold">
-                                          <p:stCondLst>
-                                            <p:cond delay="0"/>
-                                          </p:stCondLst>
-                                        </p:cTn>
-                                        <p:tgtEl>
-                                          <p:spTgt spid="35"/>
+                                          <p:spTgt spid="46"/>
                                         </p:tgtEl>
                                         <p:attrNameLst>
                                           <p:attrName>style.visibility</p:attrName>
@@ -20172,32 +21604,32 @@
                     </p:cTn>
                   </p:par>
                   <p:par>
-                    <p:cTn id="45" fill="hold">
+                    <p:cTn id="49" fill="hold">
                       <p:stCondLst>
                         <p:cond delay="indefinite"/>
                       </p:stCondLst>
                       <p:childTnLst>
                         <p:par>
-                          <p:cTn id="46" fill="hold">
+                          <p:cTn id="50" fill="hold">
                             <p:stCondLst>
                               <p:cond delay="0"/>
                             </p:stCondLst>
                             <p:childTnLst>
                               <p:par>
-                                <p:cTn id="47" presetID="1" presetClass="entr" presetSubtype="0" fill="hold" nodeType="clickEffect">
+                                <p:cTn id="51" presetID="1" presetClass="entr" presetSubtype="0" fill="hold" grpId="0" nodeType="clickEffect">
                                   <p:stCondLst>
                                     <p:cond delay="0"/>
                                   </p:stCondLst>
                                   <p:childTnLst>
                                     <p:set>
                                       <p:cBhvr>
-                                        <p:cTn id="48" dur="1" fill="hold">
+                                        <p:cTn id="52" dur="1" fill="hold">
                                           <p:stCondLst>
                                             <p:cond delay="0"/>
                                           </p:stCondLst>
                                         </p:cTn>
                                         <p:tgtEl>
-                                          <p:spTgt spid="2050"/>
+                                          <p:spTgt spid="47"/>
                                         </p:tgtEl>
                                         <p:attrNameLst>
                                           <p:attrName>style.visibility</p:attrName>
@@ -20211,47 +21643,20 @@
                                 </p:cTn>
                               </p:par>
                               <p:par>
-                                <p:cTn id="49" presetID="1" presetClass="entr" presetSubtype="0" fill="hold" grpId="0" nodeType="withEffect">
+                                <p:cTn id="53" presetID="1" presetClass="entr" presetSubtype="0" fill="hold" nodeType="withEffect">
                                   <p:stCondLst>
                                     <p:cond delay="0"/>
                                   </p:stCondLst>
                                   <p:childTnLst>
                                     <p:set>
                                       <p:cBhvr>
-                                        <p:cTn id="50" dur="1" fill="hold">
+                                        <p:cTn id="54" dur="1" fill="hold">
                                           <p:stCondLst>
                                             <p:cond delay="0"/>
                                           </p:stCondLst>
                                         </p:cTn>
                                         <p:tgtEl>
-                                          <p:spTgt spid="49"/>
-                                        </p:tgtEl>
-                                        <p:attrNameLst>
-                                          <p:attrName>style.visibility</p:attrName>
-                                        </p:attrNameLst>
-                                      </p:cBhvr>
-                                      <p:to>
-                                        <p:strVal val="visible"/>
-                                      </p:to>
-                                    </p:set>
-                                  </p:childTnLst>
-                                </p:cTn>
-                              </p:par>
-                              <p:par>
-                                <p:cTn id="51" presetID="1" presetClass="entr" presetSubtype="0" fill="hold" nodeType="withEffect">
-                                  <p:stCondLst>
-                                    <p:cond delay="0"/>
-                                  </p:stCondLst>
-                                  <p:childTnLst>
-                                    <p:set>
-                                      <p:cBhvr>
-                                        <p:cTn id="52" dur="1" fill="hold">
-                                          <p:stCondLst>
-                                            <p:cond delay="0"/>
-                                          </p:stCondLst>
-                                        </p:cTn>
-                                        <p:tgtEl>
-                                          <p:spTgt spid="2052"/>
+                                          <p:spTgt spid="1030"/>
                                         </p:tgtEl>
                                         <p:attrNameLst>
                                           <p:attrName>style.visibility</p:attrName>
@@ -20271,32 +21676,32 @@
                     </p:cTn>
                   </p:par>
                   <p:par>
-                    <p:cTn id="53" fill="hold">
+                    <p:cTn id="55" fill="hold">
                       <p:stCondLst>
                         <p:cond delay="indefinite"/>
                       </p:stCondLst>
                       <p:childTnLst>
                         <p:par>
-                          <p:cTn id="54" fill="hold">
+                          <p:cTn id="56" fill="hold">
                             <p:stCondLst>
                               <p:cond delay="0"/>
                             </p:stCondLst>
                             <p:childTnLst>
                               <p:par>
-                                <p:cTn id="55" presetID="1" presetClass="entr" presetSubtype="0" fill="hold" grpId="0" nodeType="clickEffect">
+                                <p:cTn id="57" presetID="1" presetClass="entr" presetSubtype="0" fill="hold" grpId="0" nodeType="clickEffect">
                                   <p:stCondLst>
                                     <p:cond delay="0"/>
                                   </p:stCondLst>
                                   <p:childTnLst>
                                     <p:set>
                                       <p:cBhvr>
-                                        <p:cTn id="56" dur="1" fill="hold">
+                                        <p:cTn id="58" dur="1" fill="hold">
                                           <p:stCondLst>
                                             <p:cond delay="0"/>
                                           </p:stCondLst>
                                         </p:cTn>
                                         <p:tgtEl>
-                                          <p:spTgt spid="54"/>
+                                          <p:spTgt spid="30"/>
                                         </p:tgtEl>
                                         <p:attrNameLst>
                                           <p:attrName>style.visibility</p:attrName>
@@ -20310,20 +21715,20 @@
                                 </p:cTn>
                               </p:par>
                               <p:par>
-                                <p:cTn id="57" presetID="1" presetClass="entr" presetSubtype="0" fill="hold" nodeType="withEffect">
+                                <p:cTn id="59" presetID="1" presetClass="entr" presetSubtype="0" fill="hold" grpId="0" nodeType="withEffect">
                                   <p:stCondLst>
                                     <p:cond delay="0"/>
                                   </p:stCondLst>
                                   <p:childTnLst>
                                     <p:set>
                                       <p:cBhvr>
-                                        <p:cTn id="58" dur="1" fill="hold">
+                                        <p:cTn id="60" dur="1" fill="hold">
                                           <p:stCondLst>
                                             <p:cond delay="0"/>
                                           </p:stCondLst>
                                         </p:cTn>
                                         <p:tgtEl>
-                                          <p:spTgt spid="2066"/>
+                                          <p:spTgt spid="60"/>
                                         </p:tgtEl>
                                         <p:attrNameLst>
                                           <p:attrName>style.visibility</p:attrName>
@@ -20336,26 +21741,8 @@
                                   </p:childTnLst>
                                 </p:cTn>
                               </p:par>
-                            </p:childTnLst>
-                          </p:cTn>
-                        </p:par>
-                      </p:childTnLst>
-                    </p:cTn>
-                  </p:par>
-                  <p:par>
-                    <p:cTn id="59" fill="hold">
-                      <p:stCondLst>
-                        <p:cond delay="indefinite"/>
-                      </p:stCondLst>
-                      <p:childTnLst>
-                        <p:par>
-                          <p:cTn id="60" fill="hold">
-                            <p:stCondLst>
-                              <p:cond delay="0"/>
-                            </p:stCondLst>
-                            <p:childTnLst>
                               <p:par>
-                                <p:cTn id="61" presetID="1" presetClass="entr" presetSubtype="0" fill="hold" nodeType="clickEffect">
+                                <p:cTn id="61" presetID="1" presetClass="entr" presetSubtype="0" fill="hold" grpId="0" nodeType="withEffect">
                                   <p:stCondLst>
                                     <p:cond delay="0"/>
                                   </p:stCondLst>
@@ -20368,7 +21755,7 @@
                                           </p:stCondLst>
                                         </p:cTn>
                                         <p:tgtEl>
-                                          <p:spTgt spid="45"/>
+                                          <p:spTgt spid="54"/>
                                         </p:tgtEl>
                                         <p:attrNameLst>
                                           <p:attrName>style.visibility</p:attrName>
@@ -20395,61 +21782,7 @@
                                           </p:stCondLst>
                                         </p:cTn>
                                         <p:tgtEl>
-                                          <p:spTgt spid="2068"/>
-                                        </p:tgtEl>
-                                        <p:attrNameLst>
-                                          <p:attrName>style.visibility</p:attrName>
-                                        </p:attrNameLst>
-                                      </p:cBhvr>
-                                      <p:to>
-                                        <p:strVal val="visible"/>
-                                      </p:to>
-                                    </p:set>
-                                  </p:childTnLst>
-                                </p:cTn>
-                              </p:par>
-                              <p:par>
-                                <p:cTn id="65" presetID="1" presetClass="entr" presetSubtype="0" fill="hold" nodeType="withEffect">
-                                  <p:stCondLst>
-                                    <p:cond delay="0"/>
-                                  </p:stCondLst>
-                                  <p:childTnLst>
-                                    <p:set>
-                                      <p:cBhvr>
-                                        <p:cTn id="66" dur="1" fill="hold">
-                                          <p:stCondLst>
-                                            <p:cond delay="0"/>
-                                          </p:stCondLst>
-                                        </p:cTn>
-                                        <p:tgtEl>
-                                          <p:spTgt spid="2070"/>
-                                        </p:tgtEl>
-                                        <p:attrNameLst>
-                                          <p:attrName>style.visibility</p:attrName>
-                                        </p:attrNameLst>
-                                      </p:cBhvr>
-                                      <p:to>
-                                        <p:strVal val="visible"/>
-                                      </p:to>
-                                    </p:set>
-                                  </p:childTnLst>
-                                </p:cTn>
-                              </p:par>
-                              <p:par>
-                                <p:cTn id="67" presetID="1" presetClass="entr" presetSubtype="0" fill="hold" grpId="0" nodeType="withEffect">
-                                  <p:stCondLst>
-                                    <p:cond delay="0"/>
-                                  </p:stCondLst>
-                                  <p:childTnLst>
-                                    <p:set>
-                                      <p:cBhvr>
-                                        <p:cTn id="68" dur="1" fill="hold">
-                                          <p:stCondLst>
-                                            <p:cond delay="0"/>
-                                          </p:stCondLst>
-                                        </p:cTn>
-                                        <p:tgtEl>
-                                          <p:spTgt spid="56"/>
+                                          <p:spTgt spid="31"/>
                                         </p:tgtEl>
                                         <p:attrNameLst>
                                           <p:attrName>style.visibility</p:attrName>
@@ -20469,19 +21802,73 @@
                     </p:cTn>
                   </p:par>
                   <p:par>
-                    <p:cTn id="69" fill="hold">
+                    <p:cTn id="65" fill="hold">
                       <p:stCondLst>
                         <p:cond delay="indefinite"/>
                       </p:stCondLst>
                       <p:childTnLst>
                         <p:par>
-                          <p:cTn id="70" fill="hold">
+                          <p:cTn id="66" fill="hold">
                             <p:stCondLst>
                               <p:cond delay="0"/>
                             </p:stCondLst>
                             <p:childTnLst>
                               <p:par>
-                                <p:cTn id="71" presetID="1" presetClass="entr" presetSubtype="0" fill="hold" grpId="0" nodeType="clickEffect">
+                                <p:cTn id="67" presetID="1" presetClass="entr" presetSubtype="0" fill="hold" grpId="0" nodeType="clickEffect">
+                                  <p:stCondLst>
+                                    <p:cond delay="0"/>
+                                  </p:stCondLst>
+                                  <p:childTnLst>
+                                    <p:set>
+                                      <p:cBhvr>
+                                        <p:cTn id="68" dur="1" fill="hold">
+                                          <p:stCondLst>
+                                            <p:cond delay="0"/>
+                                          </p:stCondLst>
+                                        </p:cTn>
+                                        <p:tgtEl>
+                                          <p:spTgt spid="48"/>
+                                        </p:tgtEl>
+                                        <p:attrNameLst>
+                                          <p:attrName>style.visibility</p:attrName>
+                                        </p:attrNameLst>
+                                      </p:cBhvr>
+                                      <p:to>
+                                        <p:strVal val="visible"/>
+                                      </p:to>
+                                    </p:set>
+                                  </p:childTnLst>
+                                </p:cTn>
+                              </p:par>
+                              <p:par>
+                                <p:cTn id="69" presetID="1" presetClass="entr" presetSubtype="0" fill="hold" nodeType="withEffect">
+                                  <p:stCondLst>
+                                    <p:cond delay="0"/>
+                                  </p:stCondLst>
+                                  <p:childTnLst>
+                                    <p:set>
+                                      <p:cBhvr>
+                                        <p:cTn id="70" dur="1" fill="hold">
+                                          <p:stCondLst>
+                                            <p:cond delay="0"/>
+                                          </p:stCondLst>
+                                        </p:cTn>
+                                        <p:tgtEl>
+                                          <p:spTgt spid="2050"/>
+                                        </p:tgtEl>
+                                        <p:attrNameLst>
+                                          <p:attrName>style.visibility</p:attrName>
+                                        </p:attrNameLst>
+                                      </p:cBhvr>
+                                      <p:to>
+                                        <p:strVal val="visible"/>
+                                      </p:to>
+                                    </p:set>
+                                  </p:childTnLst>
+                                </p:cTn>
+                              </p:par>
+                              <p:par>
+                                <p:cTn id="71" presetID="1" presetClass="entr" presetSubtype="0" fill="hold" grpId="0" nodeType="withEffect">
                                   <p:stCondLst>
                                     <p:cond delay="0"/>
                                   </p:stCondLst>
@@ -20494,7 +21881,7 @@
                                           </p:stCondLst>
                                         </p:cTn>
                                         <p:tgtEl>
-                                          <p:spTgt spid="3"/>
+                                          <p:spTgt spid="56"/>
                                         </p:tgtEl>
                                         <p:attrNameLst>
                                           <p:attrName>style.visibility</p:attrName>
@@ -20521,7 +21908,115 @@
                                           </p:stCondLst>
                                         </p:cTn>
                                         <p:tgtEl>
-                                          <p:spTgt spid="1026"/>
+                                          <p:spTgt spid="2052"/>
+                                        </p:tgtEl>
+                                        <p:attrNameLst>
+                                          <p:attrName>style.visibility</p:attrName>
+                                        </p:attrNameLst>
+                                      </p:cBhvr>
+                                      <p:to>
+                                        <p:strVal val="visible"/>
+                                      </p:to>
+                                    </p:set>
+                                  </p:childTnLst>
+                                </p:cTn>
+                              </p:par>
+                              <p:par>
+                                <p:cTn id="75" presetID="1" presetClass="entr" presetSubtype="0" fill="hold" grpId="0" nodeType="withEffect">
+                                  <p:stCondLst>
+                                    <p:cond delay="0"/>
+                                  </p:stCondLst>
+                                  <p:childTnLst>
+                                    <p:set>
+                                      <p:cBhvr>
+                                        <p:cTn id="76" dur="1" fill="hold">
+                                          <p:stCondLst>
+                                            <p:cond delay="0"/>
+                                          </p:stCondLst>
+                                        </p:cTn>
+                                        <p:tgtEl>
+                                          <p:spTgt spid="17"/>
+                                        </p:tgtEl>
+                                        <p:attrNameLst>
+                                          <p:attrName>style.visibility</p:attrName>
+                                        </p:attrNameLst>
+                                      </p:cBhvr>
+                                      <p:to>
+                                        <p:strVal val="visible"/>
+                                      </p:to>
+                                    </p:set>
+                                  </p:childTnLst>
+                                </p:cTn>
+                              </p:par>
+                              <p:par>
+                                <p:cTn id="77" presetID="1" presetClass="entr" presetSubtype="0" fill="hold" nodeType="withEffect">
+                                  <p:stCondLst>
+                                    <p:cond delay="0"/>
+                                  </p:stCondLst>
+                                  <p:childTnLst>
+                                    <p:set>
+                                      <p:cBhvr>
+                                        <p:cTn id="78" dur="1" fill="hold">
+                                          <p:stCondLst>
+                                            <p:cond delay="0"/>
+                                          </p:stCondLst>
+                                        </p:cTn>
+                                        <p:tgtEl>
+                                          <p:spTgt spid="2066"/>
+                                        </p:tgtEl>
+                                        <p:attrNameLst>
+                                          <p:attrName>style.visibility</p:attrName>
+                                        </p:attrNameLst>
+                                      </p:cBhvr>
+                                      <p:to>
+                                        <p:strVal val="visible"/>
+                                      </p:to>
+                                    </p:set>
+                                  </p:childTnLst>
+                                </p:cTn>
+                              </p:par>
+                              <p:par>
+                                <p:cTn id="79" presetID="1" presetClass="entr" presetSubtype="0" fill="hold" grpId="0" nodeType="withEffect">
+                                  <p:stCondLst>
+                                    <p:cond delay="0"/>
+                                  </p:stCondLst>
+                                  <p:childTnLst>
+                                    <p:set>
+                                      <p:cBhvr>
+                                        <p:cTn id="80" dur="1" fill="hold">
+                                          <p:stCondLst>
+                                            <p:cond delay="0"/>
+                                          </p:stCondLst>
+                                        </p:cTn>
+                                        <p:tgtEl>
+                                          <p:spTgt spid="55"/>
+                                        </p:tgtEl>
+                                        <p:attrNameLst>
+                                          <p:attrName>style.visibility</p:attrName>
+                                        </p:attrNameLst>
+                                      </p:cBhvr>
+                                      <p:to>
+                                        <p:strVal val="visible"/>
+                                      </p:to>
+                                    </p:set>
+                                  </p:childTnLst>
+                                </p:cTn>
+                              </p:par>
+                              <p:par>
+                                <p:cTn id="81" presetID="1" presetClass="entr" presetSubtype="0" fill="hold" nodeType="withEffect">
+                                  <p:stCondLst>
+                                    <p:cond delay="0"/>
+                                  </p:stCondLst>
+                                  <p:childTnLst>
+                                    <p:set>
+                                      <p:cBhvr>
+                                        <p:cTn id="82" dur="1" fill="hold">
+                                          <p:stCondLst>
+                                            <p:cond delay="0"/>
+                                          </p:stCondLst>
+                                        </p:cTn>
+                                        <p:tgtEl>
+                                          <p:spTgt spid="7"/>
                                         </p:tgtEl>
                                         <p:attrNameLst>
                                           <p:attrName>style.visibility</p:attrName>
@@ -20562,21 +22057,673 @@
       </p:par>
     </p:tnLst>
     <p:bldLst>
-      <p:bldP spid="4" grpId="0"/>
       <p:bldP spid="11" grpId="0" animBg="1"/>
-      <p:bldP spid="17" grpId="0" animBg="1"/>
       <p:bldP spid="39" grpId="0" animBg="1"/>
-      <p:bldP spid="52" grpId="0" animBg="1"/>
       <p:bldP spid="54" grpId="0" animBg="1"/>
       <p:bldP spid="56" grpId="0" animBg="1"/>
-      <p:bldP spid="49" grpId="0" animBg="1"/>
-      <p:bldP spid="3" grpId="0" animBg="1"/>
+      <p:bldP spid="4" grpId="0"/>
+      <p:bldP spid="30" grpId="0" animBg="1"/>
+      <p:bldP spid="43" grpId="0"/>
+      <p:bldP spid="44" grpId="0"/>
+      <p:bldP spid="46" grpId="0" animBg="1"/>
+      <p:bldP spid="47" grpId="0" animBg="1"/>
+      <p:bldP spid="48" grpId="0" animBg="1"/>
+      <p:bldP spid="17" grpId="0" animBg="1"/>
+      <p:bldP spid="55" grpId="0" animBg="1"/>
+      <p:bldP spid="9" grpId="0" animBg="1"/>
+      <p:bldP spid="60" grpId="0" animBg="1"/>
     </p:bldLst>
   </p:timing>
 </p:sld>
 </file>
 
 <file path=ppt/slides/slide4.xml><?xml version="1.0" encoding="utf-8"?>
+<p:sld xmlns:a="http://schemas.openxmlformats.org/drawingml/2006/main" xmlns:r="http://schemas.openxmlformats.org/officeDocument/2006/relationships" xmlns:p="http://schemas.openxmlformats.org/presentationml/2006/main">
+  <p:cSld>
+    <p:spTree>
+      <p:nvGrpSpPr>
+        <p:cNvPr id="1" name=""/>
+        <p:cNvGrpSpPr/>
+        <p:nvPr/>
+      </p:nvGrpSpPr>
+      <p:grpSpPr>
+        <a:xfrm>
+          <a:off x="0" y="0"/>
+          <a:ext cx="0" cy="0"/>
+          <a:chOff x="0" y="0"/>
+          <a:chExt cx="0" cy="0"/>
+        </a:xfrm>
+      </p:grpSpPr>
+      <p:sp>
+        <p:nvSpPr>
+          <p:cNvPr id="2" name="Rectángulo 1"/>
+          <p:cNvSpPr>
+            <a:spLocks noGrp="1"/>
+          </p:cNvSpPr>
+          <p:nvPr>
+            <p:ph type="title"/>
+          </p:nvPr>
+        </p:nvSpPr>
+        <p:spPr>
+          <a:xfrm>
+            <a:off x="472440" y="265160"/>
+            <a:ext cx="4754880" cy="799306"/>
+          </a:xfrm>
+        </p:spPr>
+        <p:txBody>
+          <a:bodyPr rtlCol="0"/>
+          <a:lstStyle/>
+          <a:p>
+            <a:pPr rtl="0"/>
+            <a:r>
+              <a:rPr lang="en-US" dirty="0"/>
+              <a:t>ANTECEDENTES</a:t>
+            </a:r>
+            <a:endParaRPr lang="es-ES" dirty="0"/>
+          </a:p>
+        </p:txBody>
+      </p:sp>
+      <p:pic>
+        <p:nvPicPr>
+          <p:cNvPr id="45" name="Picture 20" descr="Resultado de imagen para modulos icono">
+            <a:extLst>
+              <a:ext uri="{FF2B5EF4-FFF2-40B4-BE49-F238E27FC236}">
+                <a16:creationId xmlns:a16="http://schemas.microsoft.com/office/drawing/2014/main" id="{ECA2E29B-F876-4925-B3E8-809CDAF30AD3}"/>
+              </a:ext>
+            </a:extLst>
+          </p:cNvPr>
+          <p:cNvPicPr>
+            <a:picLocks noChangeAspect="1" noChangeArrowheads="1"/>
+          </p:cNvPicPr>
+          <p:nvPr/>
+        </p:nvPicPr>
+        <p:blipFill>
+          <a:blip r:embed="rId3">
+            <a:extLst>
+              <a:ext uri="{28A0092B-C50C-407E-A947-70E740481C1C}">
+                <a14:useLocalDpi xmlns:a14="http://schemas.microsoft.com/office/drawing/2010/main" val="0"/>
+              </a:ext>
+            </a:extLst>
+          </a:blip>
+          <a:srcRect/>
+          <a:stretch>
+            <a:fillRect/>
+          </a:stretch>
+        </p:blipFill>
+        <p:spPr bwMode="auto">
+          <a:xfrm rot="13559410">
+            <a:off x="5592803" y="2874236"/>
+            <a:ext cx="1662671" cy="1662671"/>
+          </a:xfrm>
+          <a:prstGeom prst="rect">
+            <a:avLst/>
+          </a:prstGeom>
+          <a:noFill/>
+          <a:extLst>
+            <a:ext uri="{909E8E84-426E-40DD-AFC4-6F175D3DCCD1}">
+              <a14:hiddenFill xmlns:a14="http://schemas.microsoft.com/office/drawing/2010/main">
+                <a:solidFill>
+                  <a:srgbClr val="FFFFFF"/>
+                </a:solidFill>
+              </a14:hiddenFill>
+            </a:ext>
+          </a:extLst>
+        </p:spPr>
+      </p:pic>
+      <p:pic>
+        <p:nvPicPr>
+          <p:cNvPr id="49" name="Picture 2" descr="Resultado de imagen para trabajo a mano logo">
+            <a:extLst>
+              <a:ext uri="{FF2B5EF4-FFF2-40B4-BE49-F238E27FC236}">
+                <a16:creationId xmlns:a16="http://schemas.microsoft.com/office/drawing/2014/main" id="{FB564ABB-2C3D-428B-9AC8-60C893DF300A}"/>
+              </a:ext>
+            </a:extLst>
+          </p:cNvPr>
+          <p:cNvPicPr>
+            <a:picLocks noChangeAspect="1" noChangeArrowheads="1"/>
+          </p:cNvPicPr>
+          <p:nvPr/>
+        </p:nvPicPr>
+        <p:blipFill rotWithShape="1">
+          <a:blip r:embed="rId4">
+            <a:extLst>
+              <a:ext uri="{28A0092B-C50C-407E-A947-70E740481C1C}">
+                <a14:useLocalDpi xmlns:a14="http://schemas.microsoft.com/office/drawing/2010/main" val="0"/>
+              </a:ext>
+            </a:extLst>
+          </a:blip>
+          <a:srcRect l="7810" r="11456" b="43013"/>
+          <a:stretch/>
+        </p:blipFill>
+        <p:spPr bwMode="auto">
+          <a:xfrm>
+            <a:off x="4373886" y="2022357"/>
+            <a:ext cx="1068650" cy="799305"/>
+          </a:xfrm>
+          <a:prstGeom prst="rect">
+            <a:avLst/>
+          </a:prstGeom>
+          <a:noFill/>
+          <a:extLst>
+            <a:ext uri="{909E8E84-426E-40DD-AFC4-6F175D3DCCD1}">
+              <a14:hiddenFill xmlns:a14="http://schemas.microsoft.com/office/drawing/2010/main">
+                <a:solidFill>
+                  <a:srgbClr val="FFFFFF"/>
+                </a:solidFill>
+              </a14:hiddenFill>
+            </a:ext>
+          </a:extLst>
+        </p:spPr>
+      </p:pic>
+      <p:pic>
+        <p:nvPicPr>
+          <p:cNvPr id="50" name="Picture 22" descr="Resultado de imagen para calendario icono">
+            <a:extLst>
+              <a:ext uri="{FF2B5EF4-FFF2-40B4-BE49-F238E27FC236}">
+                <a16:creationId xmlns:a16="http://schemas.microsoft.com/office/drawing/2014/main" id="{846E7E7B-AB30-4300-AACE-2B6A8C16C0CA}"/>
+              </a:ext>
+            </a:extLst>
+          </p:cNvPr>
+          <p:cNvPicPr>
+            <a:picLocks noChangeAspect="1" noChangeArrowheads="1"/>
+          </p:cNvPicPr>
+          <p:nvPr/>
+        </p:nvPicPr>
+        <p:blipFill>
+          <a:blip r:embed="rId5" cstate="print">
+            <a:extLst>
+              <a:ext uri="{28A0092B-C50C-407E-A947-70E740481C1C}">
+                <a14:useLocalDpi xmlns:a14="http://schemas.microsoft.com/office/drawing/2010/main" val="0"/>
+              </a:ext>
+            </a:extLst>
+          </a:blip>
+          <a:srcRect/>
+          <a:stretch>
+            <a:fillRect/>
+          </a:stretch>
+        </p:blipFill>
+        <p:spPr bwMode="auto">
+          <a:xfrm>
+            <a:off x="6069513" y="3318164"/>
+            <a:ext cx="480907" cy="480907"/>
+          </a:xfrm>
+          <a:prstGeom prst="rect">
+            <a:avLst/>
+          </a:prstGeom>
+          <a:noFill/>
+          <a:extLst>
+            <a:ext uri="{909E8E84-426E-40DD-AFC4-6F175D3DCCD1}">
+              <a14:hiddenFill xmlns:a14="http://schemas.microsoft.com/office/drawing/2010/main">
+                <a:solidFill>
+                  <a:srgbClr val="FFFFFF"/>
+                </a:solidFill>
+              </a14:hiddenFill>
+            </a:ext>
+          </a:extLst>
+        </p:spPr>
+      </p:pic>
+      <p:pic>
+        <p:nvPicPr>
+          <p:cNvPr id="52" name="Picture 4" descr="Resultado de imagen para supervisor icono">
+            <a:extLst>
+              <a:ext uri="{FF2B5EF4-FFF2-40B4-BE49-F238E27FC236}">
+                <a16:creationId xmlns:a16="http://schemas.microsoft.com/office/drawing/2014/main" id="{639D30E0-CC1C-4705-839D-59333D2726DF}"/>
+              </a:ext>
+            </a:extLst>
+          </p:cNvPr>
+          <p:cNvPicPr>
+            <a:picLocks noChangeAspect="1" noChangeArrowheads="1"/>
+          </p:cNvPicPr>
+          <p:nvPr/>
+        </p:nvPicPr>
+        <p:blipFill rotWithShape="1">
+          <a:blip r:embed="rId6">
+            <a:extLst>
+              <a:ext uri="{28A0092B-C50C-407E-A947-70E740481C1C}">
+                <a14:useLocalDpi xmlns:a14="http://schemas.microsoft.com/office/drawing/2010/main" val="0"/>
+              </a:ext>
+            </a:extLst>
+          </a:blip>
+          <a:srcRect l="3359" t="8170" r="5824" b="11805"/>
+          <a:stretch/>
+        </p:blipFill>
+        <p:spPr bwMode="auto">
+          <a:xfrm>
+            <a:off x="7162799" y="1295400"/>
+            <a:ext cx="1001395" cy="990601"/>
+          </a:xfrm>
+          <a:prstGeom prst="rect">
+            <a:avLst/>
+          </a:prstGeom>
+          <a:noFill/>
+          <a:extLst>
+            <a:ext uri="{909E8E84-426E-40DD-AFC4-6F175D3DCCD1}">
+              <a14:hiddenFill xmlns:a14="http://schemas.microsoft.com/office/drawing/2010/main">
+                <a:solidFill>
+                  <a:srgbClr val="FFFFFF"/>
+                </a:solidFill>
+              </a14:hiddenFill>
+            </a:ext>
+          </a:extLst>
+        </p:spPr>
+      </p:pic>
+      <p:sp>
+        <p:nvSpPr>
+          <p:cNvPr id="53" name="Flecha: a la derecha 52">
+            <a:extLst>
+              <a:ext uri="{FF2B5EF4-FFF2-40B4-BE49-F238E27FC236}">
+                <a16:creationId xmlns:a16="http://schemas.microsoft.com/office/drawing/2014/main" id="{84B17399-DF14-40AF-B44C-CDB24C587838}"/>
+              </a:ext>
+            </a:extLst>
+          </p:cNvPr>
+          <p:cNvSpPr/>
+          <p:nvPr/>
+        </p:nvSpPr>
+        <p:spPr>
+          <a:xfrm>
+            <a:off x="3962400" y="3705573"/>
+            <a:ext cx="1504488" cy="238343"/>
+          </a:xfrm>
+          <a:prstGeom prst="rightArrow">
+            <a:avLst/>
+          </a:prstGeom>
+        </p:spPr>
+        <p:style>
+          <a:lnRef idx="2">
+            <a:schemeClr val="accent1">
+              <a:shade val="50000"/>
+            </a:schemeClr>
+          </a:lnRef>
+          <a:fillRef idx="1">
+            <a:schemeClr val="accent1"/>
+          </a:fillRef>
+          <a:effectRef idx="0">
+            <a:schemeClr val="accent1"/>
+          </a:effectRef>
+          <a:fontRef idx="minor">
+            <a:schemeClr val="lt1"/>
+          </a:fontRef>
+        </p:style>
+        <p:txBody>
+          <a:bodyPr rtlCol="0" anchor="ctr"/>
+          <a:lstStyle/>
+          <a:p>
+            <a:pPr algn="ctr"/>
+            <a:endParaRPr lang="es-BO"/>
+          </a:p>
+        </p:txBody>
+      </p:sp>
+      <p:sp>
+        <p:nvSpPr>
+          <p:cNvPr id="59" name="Flecha: a la derecha 58">
+            <a:extLst>
+              <a:ext uri="{FF2B5EF4-FFF2-40B4-BE49-F238E27FC236}">
+                <a16:creationId xmlns:a16="http://schemas.microsoft.com/office/drawing/2014/main" id="{B33FC7DC-72CE-43C2-9D43-10C5674AC1FF}"/>
+              </a:ext>
+            </a:extLst>
+          </p:cNvPr>
+          <p:cNvSpPr/>
+          <p:nvPr/>
+        </p:nvSpPr>
+        <p:spPr>
+          <a:xfrm rot="13287896">
+            <a:off x="5430759" y="2832071"/>
+            <a:ext cx="420865" cy="206951"/>
+          </a:xfrm>
+          <a:prstGeom prst="rightArrow">
+            <a:avLst/>
+          </a:prstGeom>
+        </p:spPr>
+        <p:style>
+          <a:lnRef idx="2">
+            <a:schemeClr val="accent1">
+              <a:shade val="50000"/>
+            </a:schemeClr>
+          </a:lnRef>
+          <a:fillRef idx="1">
+            <a:schemeClr val="accent1"/>
+          </a:fillRef>
+          <a:effectRef idx="0">
+            <a:schemeClr val="accent1"/>
+          </a:effectRef>
+          <a:fontRef idx="minor">
+            <a:schemeClr val="lt1"/>
+          </a:fontRef>
+        </p:style>
+        <p:txBody>
+          <a:bodyPr rtlCol="0" anchor="ctr"/>
+          <a:lstStyle/>
+          <a:p>
+            <a:pPr algn="ctr"/>
+            <a:endParaRPr lang="es-BO"/>
+          </a:p>
+        </p:txBody>
+      </p:sp>
+      <p:sp>
+        <p:nvSpPr>
+          <p:cNvPr id="61" name="Flecha: a la izquierda y derecha 60">
+            <a:extLst>
+              <a:ext uri="{FF2B5EF4-FFF2-40B4-BE49-F238E27FC236}">
+                <a16:creationId xmlns:a16="http://schemas.microsoft.com/office/drawing/2014/main" id="{4570D37F-453C-42B1-8F0A-A62E8B4AA7E2}"/>
+              </a:ext>
+            </a:extLst>
+          </p:cNvPr>
+          <p:cNvSpPr/>
+          <p:nvPr/>
+        </p:nvSpPr>
+        <p:spPr>
+          <a:xfrm rot="18900000">
+            <a:off x="6729618" y="2610580"/>
+            <a:ext cx="693274" cy="216168"/>
+          </a:xfrm>
+          <a:prstGeom prst="leftRightArrow">
+            <a:avLst/>
+          </a:prstGeom>
+        </p:spPr>
+        <p:style>
+          <a:lnRef idx="2">
+            <a:schemeClr val="accent1">
+              <a:shade val="50000"/>
+            </a:schemeClr>
+          </a:lnRef>
+          <a:fillRef idx="1">
+            <a:schemeClr val="accent1"/>
+          </a:fillRef>
+          <a:effectRef idx="0">
+            <a:schemeClr val="accent1"/>
+          </a:effectRef>
+          <a:fontRef idx="minor">
+            <a:schemeClr val="lt1"/>
+          </a:fontRef>
+        </p:style>
+        <p:txBody>
+          <a:bodyPr rtlCol="0" anchor="ctr"/>
+          <a:lstStyle/>
+          <a:p>
+            <a:pPr algn="ctr"/>
+            <a:endParaRPr lang="es-BO"/>
+          </a:p>
+        </p:txBody>
+      </p:sp>
+      <p:pic>
+        <p:nvPicPr>
+          <p:cNvPr id="62" name="Picture 2" descr="Resultado de imagen para PROYECTO icono">
+            <a:extLst>
+              <a:ext uri="{FF2B5EF4-FFF2-40B4-BE49-F238E27FC236}">
+                <a16:creationId xmlns:a16="http://schemas.microsoft.com/office/drawing/2014/main" id="{703449DF-B98A-4E69-BACB-6E24D403C97D}"/>
+              </a:ext>
+            </a:extLst>
+          </p:cNvPr>
+          <p:cNvPicPr>
+            <a:picLocks noChangeAspect="1" noChangeArrowheads="1"/>
+          </p:cNvPicPr>
+          <p:nvPr/>
+        </p:nvPicPr>
+        <p:blipFill>
+          <a:blip r:embed="rId7">
+            <a:extLst>
+              <a:ext uri="{28A0092B-C50C-407E-A947-70E740481C1C}">
+                <a14:useLocalDpi xmlns:a14="http://schemas.microsoft.com/office/drawing/2010/main" val="0"/>
+              </a:ext>
+            </a:extLst>
+          </a:blip>
+          <a:srcRect/>
+          <a:stretch>
+            <a:fillRect/>
+          </a:stretch>
+        </p:blipFill>
+        <p:spPr bwMode="auto">
+          <a:xfrm>
+            <a:off x="167372" y="3052851"/>
+            <a:ext cx="1099150" cy="1099150"/>
+          </a:xfrm>
+          <a:prstGeom prst="rect">
+            <a:avLst/>
+          </a:prstGeom>
+          <a:noFill/>
+          <a:extLst>
+            <a:ext uri="{909E8E84-426E-40DD-AFC4-6F175D3DCCD1}">
+              <a14:hiddenFill xmlns:a14="http://schemas.microsoft.com/office/drawing/2010/main">
+                <a:solidFill>
+                  <a:srgbClr val="FFFFFF"/>
+                </a:solidFill>
+              </a14:hiddenFill>
+            </a:ext>
+          </a:extLst>
+        </p:spPr>
+      </p:pic>
+      <p:sp>
+        <p:nvSpPr>
+          <p:cNvPr id="63" name="Flecha: a la derecha 62">
+            <a:extLst>
+              <a:ext uri="{FF2B5EF4-FFF2-40B4-BE49-F238E27FC236}">
+                <a16:creationId xmlns:a16="http://schemas.microsoft.com/office/drawing/2014/main" id="{96A322C7-1BF8-4AD6-AB47-7500976ABD2E}"/>
+              </a:ext>
+            </a:extLst>
+          </p:cNvPr>
+          <p:cNvSpPr/>
+          <p:nvPr/>
+        </p:nvSpPr>
+        <p:spPr>
+          <a:xfrm>
+            <a:off x="1427041" y="3602097"/>
+            <a:ext cx="420865" cy="206951"/>
+          </a:xfrm>
+          <a:prstGeom prst="rightArrow">
+            <a:avLst/>
+          </a:prstGeom>
+        </p:spPr>
+        <p:style>
+          <a:lnRef idx="2">
+            <a:schemeClr val="accent1">
+              <a:shade val="50000"/>
+            </a:schemeClr>
+          </a:lnRef>
+          <a:fillRef idx="1">
+            <a:schemeClr val="accent1"/>
+          </a:fillRef>
+          <a:effectRef idx="0">
+            <a:schemeClr val="accent1"/>
+          </a:effectRef>
+          <a:fontRef idx="minor">
+            <a:schemeClr val="lt1"/>
+          </a:fontRef>
+        </p:style>
+        <p:txBody>
+          <a:bodyPr rtlCol="0" anchor="ctr"/>
+          <a:lstStyle/>
+          <a:p>
+            <a:pPr algn="ctr"/>
+            <a:endParaRPr lang="es-BO"/>
+          </a:p>
+        </p:txBody>
+      </p:sp>
+      <p:pic>
+        <p:nvPicPr>
+          <p:cNvPr id="3" name="Picture 2" descr="Resultado de imagen para icono presupuesto">
+            <a:extLst>
+              <a:ext uri="{FF2B5EF4-FFF2-40B4-BE49-F238E27FC236}">
+                <a16:creationId xmlns:a16="http://schemas.microsoft.com/office/drawing/2014/main" id="{092A35CC-3891-45DA-AF75-3519A13E09D8}"/>
+              </a:ext>
+            </a:extLst>
+          </p:cNvPr>
+          <p:cNvPicPr>
+            <a:picLocks noChangeAspect="1" noChangeArrowheads="1"/>
+          </p:cNvPicPr>
+          <p:nvPr/>
+        </p:nvPicPr>
+        <p:blipFill>
+          <a:blip r:embed="rId8">
+            <a:extLst>
+              <a:ext uri="{28A0092B-C50C-407E-A947-70E740481C1C}">
+                <a14:useLocalDpi xmlns:a14="http://schemas.microsoft.com/office/drawing/2010/main" val="0"/>
+              </a:ext>
+            </a:extLst>
+          </a:blip>
+          <a:srcRect/>
+          <a:stretch>
+            <a:fillRect/>
+          </a:stretch>
+        </p:blipFill>
+        <p:spPr bwMode="auto">
+          <a:xfrm>
+            <a:off x="2364711" y="2948006"/>
+            <a:ext cx="1099150" cy="1099150"/>
+          </a:xfrm>
+          <a:prstGeom prst="rect">
+            <a:avLst/>
+          </a:prstGeom>
+          <a:noFill/>
+          <a:extLst>
+            <a:ext uri="{909E8E84-426E-40DD-AFC4-6F175D3DCCD1}">
+              <a14:hiddenFill xmlns:a14="http://schemas.microsoft.com/office/drawing/2010/main">
+                <a:solidFill>
+                  <a:srgbClr val="FFFFFF"/>
+                </a:solidFill>
+              </a14:hiddenFill>
+            </a:ext>
+          </a:extLst>
+        </p:spPr>
+      </p:pic>
+      <p:pic>
+        <p:nvPicPr>
+          <p:cNvPr id="6" name="Picture 8" descr="Resultado de imagen para cliente icono png">
+            <a:extLst>
+              <a:ext uri="{FF2B5EF4-FFF2-40B4-BE49-F238E27FC236}">
+                <a16:creationId xmlns:a16="http://schemas.microsoft.com/office/drawing/2014/main" id="{92BA0CB6-98EA-450D-A7FA-427B940C461A}"/>
+              </a:ext>
+            </a:extLst>
+          </p:cNvPr>
+          <p:cNvPicPr>
+            <a:picLocks noChangeAspect="1" noChangeArrowheads="1"/>
+          </p:cNvPicPr>
+          <p:nvPr/>
+        </p:nvPicPr>
+        <p:blipFill>
+          <a:blip r:embed="rId9">
+            <a:extLst>
+              <a:ext uri="{28A0092B-C50C-407E-A947-70E740481C1C}">
+                <a14:useLocalDpi xmlns:a14="http://schemas.microsoft.com/office/drawing/2010/main" val="0"/>
+              </a:ext>
+            </a:extLst>
+          </a:blip>
+          <a:srcRect/>
+          <a:stretch>
+            <a:fillRect/>
+          </a:stretch>
+        </p:blipFill>
+        <p:spPr bwMode="auto">
+          <a:xfrm>
+            <a:off x="1143000" y="0"/>
+            <a:ext cx="6858000" cy="6858000"/>
+          </a:xfrm>
+          <a:prstGeom prst="rect">
+            <a:avLst/>
+          </a:prstGeom>
+          <a:noFill/>
+          <a:extLst>
+            <a:ext uri="{909E8E84-426E-40DD-AFC4-6F175D3DCCD1}">
+              <a14:hiddenFill xmlns:a14="http://schemas.microsoft.com/office/drawing/2010/main">
+                <a:solidFill>
+                  <a:srgbClr val="FFFFFF"/>
+                </a:solidFill>
+              </a14:hiddenFill>
+            </a:ext>
+          </a:extLst>
+        </p:spPr>
+      </p:pic>
+    </p:spTree>
+    <p:extLst>
+      <p:ext uri="{BB962C8B-B14F-4D97-AF65-F5344CB8AC3E}">
+        <p14:creationId xmlns:p14="http://schemas.microsoft.com/office/powerpoint/2010/main" val="1074670631"/>
+      </p:ext>
+    </p:extLst>
+  </p:cSld>
+  <p:clrMapOvr>
+    <a:masterClrMapping/>
+  </p:clrMapOvr>
+  <p:timing>
+    <p:tnLst>
+      <p:par>
+        <p:cTn id="1" dur="indefinite" restart="never" nodeType="tmRoot">
+          <p:childTnLst>
+            <p:seq concurrent="1" nextAc="seek">
+              <p:cTn id="2" dur="indefinite" nodeType="mainSeq">
+                <p:childTnLst>
+                  <p:par>
+                    <p:cTn id="3" fill="hold">
+                      <p:stCondLst>
+                        <p:cond delay="indefinite"/>
+                        <p:cond evt="onBegin" delay="0">
+                          <p:tn val="2"/>
+                        </p:cond>
+                      </p:stCondLst>
+                      <p:childTnLst>
+                        <p:par>
+                          <p:cTn id="4" fill="hold">
+                            <p:stCondLst>
+                              <p:cond delay="0"/>
+                            </p:stCondLst>
+                            <p:childTnLst>
+                              <p:par>
+                                <p:cTn id="5" presetID="1" presetClass="entr" presetSubtype="0" fill="hold" nodeType="withEffect">
+                                  <p:stCondLst>
+                                    <p:cond delay="0"/>
+                                  </p:stCondLst>
+                                  <p:childTnLst>
+                                    <p:set>
+                                      <p:cBhvr>
+                                        <p:cTn id="6" dur="1" fill="hold">
+                                          <p:stCondLst>
+                                            <p:cond delay="0"/>
+                                          </p:stCondLst>
+                                        </p:cTn>
+                                        <p:tgtEl>
+                                          <p:spTgt spid="62"/>
+                                        </p:tgtEl>
+                                        <p:attrNameLst>
+                                          <p:attrName>style.visibility</p:attrName>
+                                        </p:attrNameLst>
+                                      </p:cBhvr>
+                                      <p:to>
+                                        <p:strVal val="visible"/>
+                                      </p:to>
+                                    </p:set>
+                                  </p:childTnLst>
+                                </p:cTn>
+                              </p:par>
+                            </p:childTnLst>
+                          </p:cTn>
+                        </p:par>
+                      </p:childTnLst>
+                    </p:cTn>
+                  </p:par>
+                </p:childTnLst>
+              </p:cTn>
+              <p:prevCondLst>
+                <p:cond evt="onPrev" delay="0">
+                  <p:tgtEl>
+                    <p:sldTgt/>
+                  </p:tgtEl>
+                </p:cond>
+              </p:prevCondLst>
+              <p:nextCondLst>
+                <p:cond evt="onNext" delay="0">
+                  <p:tgtEl>
+                    <p:sldTgt/>
+                  </p:tgtEl>
+                </p:cond>
+              </p:nextCondLst>
+            </p:seq>
+          </p:childTnLst>
+        </p:cTn>
+      </p:par>
+    </p:tnLst>
+  </p:timing>
+</p:sld>
+</file>
+
+<file path=ppt/slides/slide5.xml><?xml version="1.0" encoding="utf-8"?>
 <p:sld xmlns:a="http://schemas.openxmlformats.org/drawingml/2006/main" xmlns:r="http://schemas.openxmlformats.org/officeDocument/2006/relationships" xmlns:p="http://schemas.openxmlformats.org/presentationml/2006/main">
   <p:cSld>
     <p:spTree>
@@ -21615,7 +23762,7 @@
 </p:sld>
 </file>
 
-<file path=ppt/slides/slide5.xml><?xml version="1.0" encoding="utf-8"?>
+<file path=ppt/slides/slide6.xml><?xml version="1.0" encoding="utf-8"?>
 <p:sld xmlns:a="http://schemas.openxmlformats.org/drawingml/2006/main" xmlns:r="http://schemas.openxmlformats.org/officeDocument/2006/relationships" xmlns:p="http://schemas.openxmlformats.org/presentationml/2006/main">
   <p:cSld>
     <p:spTree>
@@ -22034,7 +24181,7 @@
 </p:sld>
 </file>
 
-<file path=ppt/slides/slide6.xml><?xml version="1.0" encoding="utf-8"?>
+<file path=ppt/slides/slide7.xml><?xml version="1.0" encoding="utf-8"?>
 <p:sld xmlns:a="http://schemas.openxmlformats.org/drawingml/2006/main" xmlns:r="http://schemas.openxmlformats.org/officeDocument/2006/relationships" xmlns:p="http://schemas.openxmlformats.org/presentationml/2006/main">
   <p:cSld>
     <p:spTree>
@@ -22151,7 +24298,7 @@
 </p:sld>
 </file>
 
-<file path=ppt/slides/slide7.xml><?xml version="1.0" encoding="utf-8"?>
+<file path=ppt/slides/slide8.xml><?xml version="1.0" encoding="utf-8"?>
 <p:sld xmlns:a="http://schemas.openxmlformats.org/drawingml/2006/main" xmlns:r="http://schemas.openxmlformats.org/officeDocument/2006/relationships" xmlns:p="http://schemas.openxmlformats.org/presentationml/2006/main">
   <p:cSld>
     <p:spTree>
@@ -22621,7 +24768,7 @@
 </p:sld>
 </file>
 
-<file path=ppt/slides/slide8.xml><?xml version="1.0" encoding="utf-8"?>
+<file path=ppt/slides/slide9.xml><?xml version="1.0" encoding="utf-8"?>
 <p:sld xmlns:a="http://schemas.openxmlformats.org/drawingml/2006/main" xmlns:r="http://schemas.openxmlformats.org/officeDocument/2006/relationships" xmlns:p="http://schemas.openxmlformats.org/presentationml/2006/main">
   <p:cSld>
     <p:spTree>
@@ -23222,95 +25369,6 @@
     <p:extLst>
       <p:ext uri="{BB962C8B-B14F-4D97-AF65-F5344CB8AC3E}">
         <p14:creationId xmlns:p14="http://schemas.microsoft.com/office/powerpoint/2010/main" val="2047569291"/>
-      </p:ext>
-    </p:extLst>
-  </p:cSld>
-  <p:clrMapOvr>
-    <a:masterClrMapping/>
-  </p:clrMapOvr>
-</p:sld>
-</file>
-
-<file path=ppt/slides/slide9.xml><?xml version="1.0" encoding="utf-8"?>
-<p:sld xmlns:a="http://schemas.openxmlformats.org/drawingml/2006/main" xmlns:r="http://schemas.openxmlformats.org/officeDocument/2006/relationships" xmlns:p="http://schemas.openxmlformats.org/presentationml/2006/main">
-  <p:cSld>
-    <p:spTree>
-      <p:nvGrpSpPr>
-        <p:cNvPr id="1" name=""/>
-        <p:cNvGrpSpPr/>
-        <p:nvPr/>
-      </p:nvGrpSpPr>
-      <p:grpSpPr>
-        <a:xfrm>
-          <a:off x="0" y="0"/>
-          <a:ext cx="0" cy="0"/>
-          <a:chOff x="0" y="0"/>
-          <a:chExt cx="0" cy="0"/>
-        </a:xfrm>
-      </p:grpSpPr>
-      <p:sp>
-        <p:nvSpPr>
-          <p:cNvPr id="2" name="Rectángulo 1"/>
-          <p:cNvSpPr>
-            <a:spLocks noGrp="1"/>
-          </p:cNvSpPr>
-          <p:nvPr>
-            <p:ph type="title"/>
-          </p:nvPr>
-        </p:nvSpPr>
-        <p:spPr>
-          <a:xfrm>
-            <a:off x="472440" y="265160"/>
-            <a:ext cx="4937760" cy="799306"/>
-          </a:xfrm>
-        </p:spPr>
-        <p:txBody>
-          <a:bodyPr rtlCol="0"/>
-          <a:lstStyle/>
-          <a:p>
-            <a:pPr rtl="0"/>
-            <a:r>
-              <a:rPr lang="es-ES" dirty="0"/>
-              <a:t>LIMITES Y ALCANCES</a:t>
-            </a:r>
-          </a:p>
-        </p:txBody>
-      </p:sp>
-      <p:graphicFrame>
-        <p:nvGraphicFramePr>
-          <p:cNvPr id="6" name="Marcador de contenido 3" descr="enumerar diseño de gráfico inteligente">
-            <a:extLst>
-              <a:ext uri="{FF2B5EF4-FFF2-40B4-BE49-F238E27FC236}">
-                <a16:creationId xmlns:a16="http://schemas.microsoft.com/office/drawing/2014/main" id="{43C8117A-ABB2-4061-A466-B38B1891DE09}"/>
-              </a:ext>
-            </a:extLst>
-          </p:cNvPr>
-          <p:cNvGraphicFramePr>
-            <a:graphicFrameLocks noGrp="1"/>
-          </p:cNvGraphicFramePr>
-          <p:nvPr>
-            <p:ph idx="1"/>
-            <p:extLst>
-              <p:ext uri="{D42A27DB-BD31-4B8C-83A1-F6EECF244321}">
-                <p14:modId xmlns:p14="http://schemas.microsoft.com/office/powerpoint/2010/main" val="1312451072"/>
-              </p:ext>
-            </p:extLst>
-          </p:nvPr>
-        </p:nvGraphicFramePr>
-        <p:xfrm>
-          <a:off x="457200" y="1371600"/>
-          <a:ext cx="8610600" cy="5334000"/>
-        </p:xfrm>
-        <a:graphic>
-          <a:graphicData uri="http://schemas.openxmlformats.org/drawingml/2006/diagram">
-            <dgm:relIds xmlns:dgm="http://schemas.openxmlformats.org/drawingml/2006/diagram" xmlns:r="http://schemas.openxmlformats.org/officeDocument/2006/relationships" r:dm="rId3" r:lo="rId4" r:qs="rId5" r:cs="rId6"/>
-          </a:graphicData>
-        </a:graphic>
-      </p:graphicFrame>
-    </p:spTree>
-    <p:extLst>
-      <p:ext uri="{BB962C8B-B14F-4D97-AF65-F5344CB8AC3E}">
-        <p14:creationId xmlns:p14="http://schemas.microsoft.com/office/powerpoint/2010/main" val="169363752"/>
       </p:ext>
     </p:extLst>
   </p:cSld>
